--- a/MATLAB/DIAGRAMA.pptx
+++ b/MATLAB/DIAGRAMA.pptx
@@ -11,12 +11,13 @@
     <p:sldId id="257" r:id="rId5"/>
     <p:sldId id="260" r:id="rId6"/>
     <p:sldId id="262" r:id="rId7"/>
-    <p:sldId id="267" r:id="rId8"/>
-    <p:sldId id="263" r:id="rId9"/>
-    <p:sldId id="261" r:id="rId10"/>
-    <p:sldId id="264" r:id="rId11"/>
-    <p:sldId id="265" r:id="rId12"/>
-    <p:sldId id="266" r:id="rId13"/>
+    <p:sldId id="268" r:id="rId8"/>
+    <p:sldId id="267" r:id="rId9"/>
+    <p:sldId id="263" r:id="rId10"/>
+    <p:sldId id="261" r:id="rId11"/>
+    <p:sldId id="264" r:id="rId12"/>
+    <p:sldId id="265" r:id="rId13"/>
+    <p:sldId id="266" r:id="rId14"/>
   </p:sldIdLst>
   <p:sldSz cx="12192000" cy="6858000"/>
   <p:notesSz cx="6858000" cy="9144000"/>
@@ -126,7 +127,7 @@
 <file path=ppt/revisionInfo.xml><?xml version="1.0" encoding="utf-8"?>
 <p1510:revInfo xmlns:a="http://schemas.openxmlformats.org/drawingml/2006/main" xmlns:r="http://schemas.openxmlformats.org/officeDocument/2006/relationships" xmlns:p1510="http://schemas.microsoft.com/office/powerpoint/2015/10/main">
   <p1510:revLst>
-    <p1510:client id="{73A3C85A-612E-4ED7-809C-47732BCD1545}" v="529" dt="2023-04-18T01:51:11.603"/>
+    <p1510:client id="{73A3C85A-612E-4ED7-809C-47732BCD1545}" v="602" dt="2023-04-18T23:32:13.663"/>
   </p1510:revLst>
 </p1510:revInfo>
 </file>
@@ -136,7 +137,7 @@
   <pc:docChgLst>
     <pc:chgData name="Andres Felipe Forero Salas" userId="8d97dfd61da619a5" providerId="LiveId" clId="{73A3C85A-612E-4ED7-809C-47732BCD1545}"/>
     <pc:docChg chg="undo custSel addSld delSld modSld sldOrd">
-      <pc:chgData name="Andres Felipe Forero Salas" userId="8d97dfd61da619a5" providerId="LiveId" clId="{73A3C85A-612E-4ED7-809C-47732BCD1545}" dt="2023-04-18T01:51:15.305" v="1588" actId="1076"/>
+      <pc:chgData name="Andres Felipe Forero Salas" userId="8d97dfd61da619a5" providerId="LiveId" clId="{73A3C85A-612E-4ED7-809C-47732BCD1545}" dt="2023-04-19T00:01:53.929" v="1791" actId="478"/>
       <pc:docMkLst>
         <pc:docMk/>
       </pc:docMkLst>
@@ -2006,13 +2007,13 @@
         </pc:cxnChg>
       </pc:sldChg>
       <pc:sldChg chg="addSp delSp modSp add mod">
-        <pc:chgData name="Andres Felipe Forero Salas" userId="8d97dfd61da619a5" providerId="LiveId" clId="{73A3C85A-612E-4ED7-809C-47732BCD1545}" dt="2023-04-18T01:44:49.657" v="1533" actId="1076"/>
+        <pc:chgData name="Andres Felipe Forero Salas" userId="8d97dfd61da619a5" providerId="LiveId" clId="{73A3C85A-612E-4ED7-809C-47732BCD1545}" dt="2023-04-18T23:17:04.757" v="1666" actId="1076"/>
         <pc:sldMkLst>
           <pc:docMk/>
           <pc:sldMk cId="1225523699" sldId="262"/>
         </pc:sldMkLst>
-        <pc:spChg chg="add mod">
-          <ac:chgData name="Andres Felipe Forero Salas" userId="8d97dfd61da619a5" providerId="LiveId" clId="{73A3C85A-612E-4ED7-809C-47732BCD1545}" dt="2023-04-18T01:44:11.185" v="1523" actId="1076"/>
+        <pc:spChg chg="add del mod">
+          <ac:chgData name="Andres Felipe Forero Salas" userId="8d97dfd61da619a5" providerId="LiveId" clId="{73A3C85A-612E-4ED7-809C-47732BCD1545}" dt="2023-04-18T23:12:40.020" v="1599" actId="478"/>
           <ac:spMkLst>
             <pc:docMk/>
             <pc:sldMk cId="1225523699" sldId="262"/>
@@ -2028,7 +2029,7 @@
           </ac:spMkLst>
         </pc:spChg>
         <pc:spChg chg="ord">
-          <ac:chgData name="Andres Felipe Forero Salas" userId="8d97dfd61da619a5" providerId="LiveId" clId="{73A3C85A-612E-4ED7-809C-47732BCD1545}" dt="2023-04-17T02:56:11.333" v="1002" actId="166"/>
+          <ac:chgData name="Andres Felipe Forero Salas" userId="8d97dfd61da619a5" providerId="LiveId" clId="{73A3C85A-612E-4ED7-809C-47732BCD1545}" dt="2023-04-18T23:11:46.972" v="1595" actId="166"/>
           <ac:spMkLst>
             <pc:docMk/>
             <pc:sldMk cId="1225523699" sldId="262"/>
@@ -2036,11 +2037,67 @@
           </ac:spMkLst>
         </pc:spChg>
         <pc:spChg chg="add mod">
+          <ac:chgData name="Andres Felipe Forero Salas" userId="8d97dfd61da619a5" providerId="LiveId" clId="{73A3C85A-612E-4ED7-809C-47732BCD1545}" dt="2023-04-18T23:11:04.777" v="1590" actId="1076"/>
+          <ac:spMkLst>
+            <pc:docMk/>
+            <pc:sldMk cId="1225523699" sldId="262"/>
+            <ac:spMk id="7" creationId="{7B962E6D-BD32-642F-8EE8-1A19C9182785}"/>
+          </ac:spMkLst>
+        </pc:spChg>
+        <pc:spChg chg="add mod">
+          <ac:chgData name="Andres Felipe Forero Salas" userId="8d97dfd61da619a5" providerId="LiveId" clId="{73A3C85A-612E-4ED7-809C-47732BCD1545}" dt="2023-04-18T23:11:22.933" v="1592" actId="1076"/>
+          <ac:spMkLst>
+            <pc:docMk/>
+            <pc:sldMk cId="1225523699" sldId="262"/>
+            <ac:spMk id="9" creationId="{CC5C2F22-1A72-DCC4-2442-7562792418F6}"/>
+          </ac:spMkLst>
+        </pc:spChg>
+        <pc:spChg chg="add mod">
+          <ac:chgData name="Andres Felipe Forero Salas" userId="8d97dfd61da619a5" providerId="LiveId" clId="{73A3C85A-612E-4ED7-809C-47732BCD1545}" dt="2023-04-18T23:11:31.697" v="1593"/>
+          <ac:spMkLst>
+            <pc:docMk/>
+            <pc:sldMk cId="1225523699" sldId="262"/>
+            <ac:spMk id="10" creationId="{2F8B9CA3-77AF-3CED-6AEF-4EDBB86084E0}"/>
+          </ac:spMkLst>
+        </pc:spChg>
+        <pc:spChg chg="add mod">
           <ac:chgData name="Andres Felipe Forero Salas" userId="8d97dfd61da619a5" providerId="LiveId" clId="{73A3C85A-612E-4ED7-809C-47732BCD1545}" dt="2023-04-18T01:44:22.872" v="1530" actId="1076"/>
           <ac:spMkLst>
             <pc:docMk/>
             <pc:sldMk cId="1225523699" sldId="262"/>
             <ac:spMk id="11" creationId="{04759BB3-7992-B770-A0F4-02CBE5738F8D}"/>
+          </ac:spMkLst>
+        </pc:spChg>
+        <pc:spChg chg="add mod">
+          <ac:chgData name="Andres Felipe Forero Salas" userId="8d97dfd61da619a5" providerId="LiveId" clId="{73A3C85A-612E-4ED7-809C-47732BCD1545}" dt="2023-04-18T23:12:25.412" v="1598"/>
+          <ac:spMkLst>
+            <pc:docMk/>
+            <pc:sldMk cId="1225523699" sldId="262"/>
+            <ac:spMk id="15" creationId="{C2504248-5968-04D0-3CC7-D38AC18EDAE4}"/>
+          </ac:spMkLst>
+        </pc:spChg>
+        <pc:spChg chg="add mod">
+          <ac:chgData name="Andres Felipe Forero Salas" userId="8d97dfd61da619a5" providerId="LiveId" clId="{73A3C85A-612E-4ED7-809C-47732BCD1545}" dt="2023-04-18T23:12:48.825" v="1602" actId="1038"/>
+          <ac:spMkLst>
+            <pc:docMk/>
+            <pc:sldMk cId="1225523699" sldId="262"/>
+            <ac:spMk id="16" creationId="{B6CA30AF-66E8-1620-F096-D845667F82D7}"/>
+          </ac:spMkLst>
+        </pc:spChg>
+        <pc:spChg chg="add mod">
+          <ac:chgData name="Andres Felipe Forero Salas" userId="8d97dfd61da619a5" providerId="LiveId" clId="{73A3C85A-612E-4ED7-809C-47732BCD1545}" dt="2023-04-18T23:13:09.604" v="1604" actId="1076"/>
+          <ac:spMkLst>
+            <pc:docMk/>
+            <pc:sldMk cId="1225523699" sldId="262"/>
+            <ac:spMk id="17" creationId="{3FD97749-3451-FBA0-5E61-85CCE4011CA7}"/>
+          </ac:spMkLst>
+        </pc:spChg>
+        <pc:spChg chg="add mod">
+          <ac:chgData name="Andres Felipe Forero Salas" userId="8d97dfd61da619a5" providerId="LiveId" clId="{73A3C85A-612E-4ED7-809C-47732BCD1545}" dt="2023-04-18T23:14:23.707" v="1648" actId="1076"/>
+          <ac:spMkLst>
+            <pc:docMk/>
+            <pc:sldMk cId="1225523699" sldId="262"/>
+            <ac:spMk id="19" creationId="{80175CA2-A156-3D5C-97BA-A3F0F81E5A9F}"/>
           </ac:spMkLst>
         </pc:spChg>
         <pc:spChg chg="add mod">
@@ -2059,6 +2116,22 @@
             <ac:spMk id="21" creationId="{7E52DA57-B104-5BF5-CFF1-DBA943979CEE}"/>
           </ac:spMkLst>
         </pc:spChg>
+        <pc:spChg chg="add mod">
+          <ac:chgData name="Andres Felipe Forero Salas" userId="8d97dfd61da619a5" providerId="LiveId" clId="{73A3C85A-612E-4ED7-809C-47732BCD1545}" dt="2023-04-18T23:16:16.978" v="1661" actId="1035"/>
+          <ac:spMkLst>
+            <pc:docMk/>
+            <pc:sldMk cId="1225523699" sldId="262"/>
+            <ac:spMk id="22" creationId="{81F65742-3F10-A44D-7A23-6092647F0CB5}"/>
+          </ac:spMkLst>
+        </pc:spChg>
+        <pc:spChg chg="add mod">
+          <ac:chgData name="Andres Felipe Forero Salas" userId="8d97dfd61da619a5" providerId="LiveId" clId="{73A3C85A-612E-4ED7-809C-47732BCD1545}" dt="2023-04-18T23:17:04.757" v="1666" actId="1076"/>
+          <ac:spMkLst>
+            <pc:docMk/>
+            <pc:sldMk cId="1225523699" sldId="262"/>
+            <ac:spMk id="23" creationId="{F00EC0E2-97A1-69BA-298B-43C373B667CE}"/>
+          </ac:spMkLst>
+        </pc:spChg>
         <pc:spChg chg="mod">
           <ac:chgData name="Andres Felipe Forero Salas" userId="8d97dfd61da619a5" providerId="LiveId" clId="{73A3C85A-612E-4ED7-809C-47732BCD1545}" dt="2023-04-17T02:56:40.831" v="1007" actId="1076"/>
           <ac:spMkLst>
@@ -2092,7 +2165,7 @@
           </ac:spMkLst>
         </pc:spChg>
         <pc:spChg chg="mod">
-          <ac:chgData name="Andres Felipe Forero Salas" userId="8d97dfd61da619a5" providerId="LiveId" clId="{73A3C85A-612E-4ED7-809C-47732BCD1545}" dt="2023-04-17T02:55:54.555" v="1001" actId="1076"/>
+          <ac:chgData name="Andres Felipe Forero Salas" userId="8d97dfd61da619a5" providerId="LiveId" clId="{73A3C85A-612E-4ED7-809C-47732BCD1545}" dt="2023-04-18T23:15:43.428" v="1649" actId="1076"/>
           <ac:spMkLst>
             <pc:docMk/>
             <pc:sldMk cId="1225523699" sldId="262"/>
@@ -2161,6 +2234,14 @@
             <pc:docMk/>
             <pc:sldMk cId="1225523699" sldId="262"/>
             <ac:cxnSpMk id="10" creationId="{04499203-655B-C6C8-C1F3-A712DE03761C}"/>
+          </ac:cxnSpMkLst>
+        </pc:cxnChg>
+        <pc:cxnChg chg="add mod">
+          <ac:chgData name="Andres Felipe Forero Salas" userId="8d97dfd61da619a5" providerId="LiveId" clId="{73A3C85A-612E-4ED7-809C-47732BCD1545}" dt="2023-04-18T23:12:10.504" v="1597" actId="14100"/>
+          <ac:cxnSpMkLst>
+            <pc:docMk/>
+            <pc:sldMk cId="1225523699" sldId="262"/>
+            <ac:cxnSpMk id="13" creationId="{032F02F5-8FDA-5D0F-488F-575B07DF5633}"/>
           </ac:cxnSpMkLst>
         </pc:cxnChg>
         <pc:cxnChg chg="add del mod">
@@ -2972,6 +3053,261 @@
           <pc:docMk/>
           <pc:sldMk cId="2643870228" sldId="267"/>
         </pc:sldMkLst>
+      </pc:sldChg>
+      <pc:sldChg chg="addSp delSp modSp add mod">
+        <pc:chgData name="Andres Felipe Forero Salas" userId="8d97dfd61da619a5" providerId="LiveId" clId="{73A3C85A-612E-4ED7-809C-47732BCD1545}" dt="2023-04-19T00:01:53.929" v="1791" actId="478"/>
+        <pc:sldMkLst>
+          <pc:docMk/>
+          <pc:sldMk cId="714790989" sldId="268"/>
+        </pc:sldMkLst>
+        <pc:spChg chg="del mod">
+          <ac:chgData name="Andres Felipe Forero Salas" userId="8d97dfd61da619a5" providerId="LiveId" clId="{73A3C85A-612E-4ED7-809C-47732BCD1545}" dt="2023-04-18T23:19:22.865" v="1697" actId="478"/>
+          <ac:spMkLst>
+            <pc:docMk/>
+            <pc:sldMk cId="714790989" sldId="268"/>
+            <ac:spMk id="4" creationId="{8574F345-0067-04EC-4417-D03BD7316318}"/>
+          </ac:spMkLst>
+        </pc:spChg>
+        <pc:spChg chg="del">
+          <ac:chgData name="Andres Felipe Forero Salas" userId="8d97dfd61da619a5" providerId="LiveId" clId="{73A3C85A-612E-4ED7-809C-47732BCD1545}" dt="2023-04-18T23:18:16.233" v="1679" actId="478"/>
+          <ac:spMkLst>
+            <pc:docMk/>
+            <pc:sldMk cId="714790989" sldId="268"/>
+            <ac:spMk id="5" creationId="{9BD53BC9-704F-43CA-34C6-DE821630CDDB}"/>
+          </ac:spMkLst>
+        </pc:spChg>
+        <pc:spChg chg="del mod">
+          <ac:chgData name="Andres Felipe Forero Salas" userId="8d97dfd61da619a5" providerId="LiveId" clId="{73A3C85A-612E-4ED7-809C-47732BCD1545}" dt="2023-04-18T23:22:19.569" v="1785" actId="478"/>
+          <ac:spMkLst>
+            <pc:docMk/>
+            <pc:sldMk cId="714790989" sldId="268"/>
+            <ac:spMk id="7" creationId="{7B962E6D-BD32-642F-8EE8-1A19C9182785}"/>
+          </ac:spMkLst>
+        </pc:spChg>
+        <pc:spChg chg="del">
+          <ac:chgData name="Andres Felipe Forero Salas" userId="8d97dfd61da619a5" providerId="LiveId" clId="{73A3C85A-612E-4ED7-809C-47732BCD1545}" dt="2023-04-18T23:18:17.969" v="1680" actId="478"/>
+          <ac:spMkLst>
+            <pc:docMk/>
+            <pc:sldMk cId="714790989" sldId="268"/>
+            <ac:spMk id="10" creationId="{2F8B9CA3-77AF-3CED-6AEF-4EDBB86084E0}"/>
+          </ac:spMkLst>
+        </pc:spChg>
+        <pc:spChg chg="del">
+          <ac:chgData name="Andres Felipe Forero Salas" userId="8d97dfd61da619a5" providerId="LiveId" clId="{73A3C85A-612E-4ED7-809C-47732BCD1545}" dt="2023-04-18T23:18:06.719" v="1676" actId="478"/>
+          <ac:spMkLst>
+            <pc:docMk/>
+            <pc:sldMk cId="714790989" sldId="268"/>
+            <ac:spMk id="11" creationId="{04759BB3-7992-B770-A0F4-02CBE5738F8D}"/>
+          </ac:spMkLst>
+        </pc:spChg>
+        <pc:spChg chg="mod">
+          <ac:chgData name="Andres Felipe Forero Salas" userId="8d97dfd61da619a5" providerId="LiveId" clId="{73A3C85A-612E-4ED7-809C-47732BCD1545}" dt="2023-04-18T23:20:35.772" v="1740" actId="1076"/>
+          <ac:spMkLst>
+            <pc:docMk/>
+            <pc:sldMk cId="714790989" sldId="268"/>
+            <ac:spMk id="15" creationId="{C2504248-5968-04D0-3CC7-D38AC18EDAE4}"/>
+          </ac:spMkLst>
+        </pc:spChg>
+        <pc:spChg chg="del">
+          <ac:chgData name="Andres Felipe Forero Salas" userId="8d97dfd61da619a5" providerId="LiveId" clId="{73A3C85A-612E-4ED7-809C-47732BCD1545}" dt="2023-04-18T23:18:02.336" v="1673" actId="478"/>
+          <ac:spMkLst>
+            <pc:docMk/>
+            <pc:sldMk cId="714790989" sldId="268"/>
+            <ac:spMk id="16" creationId="{B6CA30AF-66E8-1620-F096-D845667F82D7}"/>
+          </ac:spMkLst>
+        </pc:spChg>
+        <pc:spChg chg="mod">
+          <ac:chgData name="Andres Felipe Forero Salas" userId="8d97dfd61da619a5" providerId="LiveId" clId="{73A3C85A-612E-4ED7-809C-47732BCD1545}" dt="2023-04-18T23:20:30.412" v="1739" actId="1076"/>
+          <ac:spMkLst>
+            <pc:docMk/>
+            <pc:sldMk cId="714790989" sldId="268"/>
+            <ac:spMk id="17" creationId="{3FD97749-3451-FBA0-5E61-85CCE4011CA7}"/>
+          </ac:spMkLst>
+        </pc:spChg>
+        <pc:spChg chg="mod">
+          <ac:chgData name="Andres Felipe Forero Salas" userId="8d97dfd61da619a5" providerId="LiveId" clId="{73A3C85A-612E-4ED7-809C-47732BCD1545}" dt="2023-04-18T23:19:02.060" v="1693" actId="1076"/>
+          <ac:spMkLst>
+            <pc:docMk/>
+            <pc:sldMk cId="714790989" sldId="268"/>
+            <ac:spMk id="19" creationId="{80175CA2-A156-3D5C-97BA-A3F0F81E5A9F}"/>
+          </ac:spMkLst>
+        </pc:spChg>
+        <pc:spChg chg="del">
+          <ac:chgData name="Andres Felipe Forero Salas" userId="8d97dfd61da619a5" providerId="LiveId" clId="{73A3C85A-612E-4ED7-809C-47732BCD1545}" dt="2023-04-18T23:18:00.935" v="1672" actId="478"/>
+          <ac:spMkLst>
+            <pc:docMk/>
+            <pc:sldMk cId="714790989" sldId="268"/>
+            <ac:spMk id="20" creationId="{BCB7A06E-40A3-1B05-4F4D-EEF235DD2257}"/>
+          </ac:spMkLst>
+        </pc:spChg>
+        <pc:spChg chg="del mod">
+          <ac:chgData name="Andres Felipe Forero Salas" userId="8d97dfd61da619a5" providerId="LiveId" clId="{73A3C85A-612E-4ED7-809C-47732BCD1545}" dt="2023-04-18T23:18:04.864" v="1675" actId="478"/>
+          <ac:spMkLst>
+            <pc:docMk/>
+            <pc:sldMk cId="714790989" sldId="268"/>
+            <ac:spMk id="21" creationId="{7E52DA57-B104-5BF5-CFF1-DBA943979CEE}"/>
+          </ac:spMkLst>
+        </pc:spChg>
+        <pc:spChg chg="del">
+          <ac:chgData name="Andres Felipe Forero Salas" userId="8d97dfd61da619a5" providerId="LiveId" clId="{73A3C85A-612E-4ED7-809C-47732BCD1545}" dt="2023-04-18T23:18:21.273" v="1682" actId="478"/>
+          <ac:spMkLst>
+            <pc:docMk/>
+            <pc:sldMk cId="714790989" sldId="268"/>
+            <ac:spMk id="22" creationId="{81F65742-3F10-A44D-7A23-6092647F0CB5}"/>
+          </ac:spMkLst>
+        </pc:spChg>
+        <pc:spChg chg="del">
+          <ac:chgData name="Andres Felipe Forero Salas" userId="8d97dfd61da619a5" providerId="LiveId" clId="{73A3C85A-612E-4ED7-809C-47732BCD1545}" dt="2023-04-18T23:18:19.105" v="1681" actId="478"/>
+          <ac:spMkLst>
+            <pc:docMk/>
+            <pc:sldMk cId="714790989" sldId="268"/>
+            <ac:spMk id="23" creationId="{F00EC0E2-97A1-69BA-298B-43C373B667CE}"/>
+          </ac:spMkLst>
+        </pc:spChg>
+        <pc:spChg chg="add mod">
+          <ac:chgData name="Andres Felipe Forero Salas" userId="8d97dfd61da619a5" providerId="LiveId" clId="{73A3C85A-612E-4ED7-809C-47732BCD1545}" dt="2023-04-18T23:20:25.281" v="1738" actId="1038"/>
+          <ac:spMkLst>
+            <pc:docMk/>
+            <pc:sldMk cId="714790989" sldId="268"/>
+            <ac:spMk id="24" creationId="{F733C81A-C52A-4C99-0630-BD1424BCFF34}"/>
+          </ac:spMkLst>
+        </pc:spChg>
+        <pc:spChg chg="add mod">
+          <ac:chgData name="Andres Felipe Forero Salas" userId="8d97dfd61da619a5" providerId="LiveId" clId="{73A3C85A-612E-4ED7-809C-47732BCD1545}" dt="2023-04-18T23:21:10.789" v="1754" actId="1076"/>
+          <ac:spMkLst>
+            <pc:docMk/>
+            <pc:sldMk cId="714790989" sldId="268"/>
+            <ac:spMk id="27" creationId="{75955E97-12CC-A2F5-7622-B5412756A66C}"/>
+          </ac:spMkLst>
+        </pc:spChg>
+        <pc:spChg chg="add mod">
+          <ac:chgData name="Andres Felipe Forero Salas" userId="8d97dfd61da619a5" providerId="LiveId" clId="{73A3C85A-612E-4ED7-809C-47732BCD1545}" dt="2023-04-18T23:21:52.264" v="1766" actId="1037"/>
+          <ac:spMkLst>
+            <pc:docMk/>
+            <pc:sldMk cId="714790989" sldId="268"/>
+            <ac:spMk id="30" creationId="{C938C04C-089E-853A-7489-31582322C2BB}"/>
+          </ac:spMkLst>
+        </pc:spChg>
+        <pc:spChg chg="add mod">
+          <ac:chgData name="Andres Felipe Forero Salas" userId="8d97dfd61da619a5" providerId="LiveId" clId="{73A3C85A-612E-4ED7-809C-47732BCD1545}" dt="2023-04-18T23:22:14.756" v="1784" actId="1076"/>
+          <ac:spMkLst>
+            <pc:docMk/>
+            <pc:sldMk cId="714790989" sldId="268"/>
+            <ac:spMk id="31" creationId="{B6A12CFA-B741-58BE-EBAD-8952000A294A}"/>
+          </ac:spMkLst>
+        </pc:spChg>
+        <pc:spChg chg="add del mod">
+          <ac:chgData name="Andres Felipe Forero Salas" userId="8d97dfd61da619a5" providerId="LiveId" clId="{73A3C85A-612E-4ED7-809C-47732BCD1545}" dt="2023-04-19T00:01:51.113" v="1790" actId="478"/>
+          <ac:spMkLst>
+            <pc:docMk/>
+            <pc:sldMk cId="714790989" sldId="268"/>
+            <ac:spMk id="33" creationId="{DAEA1AA6-6172-8C42-A638-686FA8D1A2B6}"/>
+          </ac:spMkLst>
+        </pc:spChg>
+        <pc:spChg chg="del">
+          <ac:chgData name="Andres Felipe Forero Salas" userId="8d97dfd61da619a5" providerId="LiveId" clId="{73A3C85A-612E-4ED7-809C-47732BCD1545}" dt="2023-04-18T23:17:58.257" v="1670" actId="478"/>
+          <ac:spMkLst>
+            <pc:docMk/>
+            <pc:sldMk cId="714790989" sldId="268"/>
+            <ac:spMk id="55" creationId="{C1156FC8-D134-A881-E175-EE894D41A32E}"/>
+          </ac:spMkLst>
+        </pc:spChg>
+        <pc:spChg chg="del">
+          <ac:chgData name="Andres Felipe Forero Salas" userId="8d97dfd61da619a5" providerId="LiveId" clId="{73A3C85A-612E-4ED7-809C-47732BCD1545}" dt="2023-04-18T23:18:10.280" v="1677" actId="478"/>
+          <ac:spMkLst>
+            <pc:docMk/>
+            <pc:sldMk cId="714790989" sldId="268"/>
+            <ac:spMk id="69" creationId="{6BE8FA76-B58D-22FA-2E24-2079660A2752}"/>
+          </ac:spMkLst>
+        </pc:spChg>
+        <pc:spChg chg="del mod">
+          <ac:chgData name="Andres Felipe Forero Salas" userId="8d97dfd61da619a5" providerId="LiveId" clId="{73A3C85A-612E-4ED7-809C-47732BCD1545}" dt="2023-04-19T00:01:53.929" v="1791" actId="478"/>
+          <ac:spMkLst>
+            <pc:docMk/>
+            <pc:sldMk cId="714790989" sldId="268"/>
+            <ac:spMk id="73" creationId="{3FF4D663-5600-AA0B-2804-CF67AB096FA5}"/>
+          </ac:spMkLst>
+        </pc:spChg>
+        <pc:spChg chg="del">
+          <ac:chgData name="Andres Felipe Forero Salas" userId="8d97dfd61da619a5" providerId="LiveId" clId="{73A3C85A-612E-4ED7-809C-47732BCD1545}" dt="2023-04-18T23:17:53.825" v="1669" actId="478"/>
+          <ac:spMkLst>
+            <pc:docMk/>
+            <pc:sldMk cId="714790989" sldId="268"/>
+            <ac:spMk id="74" creationId="{04B53826-C120-8304-7C7F-EB4B4CAE834E}"/>
+          </ac:spMkLst>
+        </pc:spChg>
+        <pc:spChg chg="mod ord">
+          <ac:chgData name="Andres Felipe Forero Salas" userId="8d97dfd61da619a5" providerId="LiveId" clId="{73A3C85A-612E-4ED7-809C-47732BCD1545}" dt="2023-04-18T23:21:05.748" v="1752" actId="166"/>
+          <ac:spMkLst>
+            <pc:docMk/>
+            <pc:sldMk cId="714790989" sldId="268"/>
+            <ac:spMk id="76" creationId="{7513E253-DC16-1E51-38EA-FC4833B6512A}"/>
+          </ac:spMkLst>
+        </pc:spChg>
+        <pc:cxnChg chg="mod">
+          <ac:chgData name="Andres Felipe Forero Salas" userId="8d97dfd61da619a5" providerId="LiveId" clId="{73A3C85A-612E-4ED7-809C-47732BCD1545}" dt="2023-04-18T23:18:27.485" v="1686" actId="1038"/>
+          <ac:cxnSpMkLst>
+            <pc:docMk/>
+            <pc:sldMk cId="714790989" sldId="268"/>
+            <ac:cxnSpMk id="3" creationId="{2F19E4FE-2DD0-8090-1E15-192D4191EC24}"/>
+          </ac:cxnSpMkLst>
+        </pc:cxnChg>
+        <pc:cxnChg chg="del">
+          <ac:chgData name="Andres Felipe Forero Salas" userId="8d97dfd61da619a5" providerId="LiveId" clId="{73A3C85A-612E-4ED7-809C-47732BCD1545}" dt="2023-04-18T23:18:23.909" v="1684" actId="478"/>
+          <ac:cxnSpMkLst>
+            <pc:docMk/>
+            <pc:sldMk cId="714790989" sldId="268"/>
+            <ac:cxnSpMk id="6" creationId="{DDC7D1C3-53D5-70C3-B8EA-1929AC72B53A}"/>
+          </ac:cxnSpMkLst>
+        </pc:cxnChg>
+        <pc:cxnChg chg="del">
+          <ac:chgData name="Andres Felipe Forero Salas" userId="8d97dfd61da619a5" providerId="LiveId" clId="{73A3C85A-612E-4ED7-809C-47732BCD1545}" dt="2023-04-18T23:18:12.624" v="1678" actId="478"/>
+          <ac:cxnSpMkLst>
+            <pc:docMk/>
+            <pc:sldMk cId="714790989" sldId="268"/>
+            <ac:cxnSpMk id="8" creationId="{3D044968-52E8-47D7-BD0B-73A71F86FB5F}"/>
+          </ac:cxnSpMkLst>
+        </pc:cxnChg>
+        <pc:cxnChg chg="mod">
+          <ac:chgData name="Andres Felipe Forero Salas" userId="8d97dfd61da619a5" providerId="LiveId" clId="{73A3C85A-612E-4ED7-809C-47732BCD1545}" dt="2023-04-18T23:18:38.340" v="1689" actId="14100"/>
+          <ac:cxnSpMkLst>
+            <pc:docMk/>
+            <pc:sldMk cId="714790989" sldId="268"/>
+            <ac:cxnSpMk id="13" creationId="{032F02F5-8FDA-5D0F-488F-575B07DF5633}"/>
+          </ac:cxnSpMkLst>
+        </pc:cxnChg>
+        <pc:cxnChg chg="add mod">
+          <ac:chgData name="Andres Felipe Forero Salas" userId="8d97dfd61da619a5" providerId="LiveId" clId="{73A3C85A-612E-4ED7-809C-47732BCD1545}" dt="2023-04-18T23:22:25.204" v="1786" actId="14100"/>
+          <ac:cxnSpMkLst>
+            <pc:docMk/>
+            <pc:sldMk cId="714790989" sldId="268"/>
+            <ac:cxnSpMk id="14" creationId="{4DBB2DD2-6EEC-F1F7-035A-9278115D156E}"/>
+          </ac:cxnSpMkLst>
+        </pc:cxnChg>
+        <pc:cxnChg chg="del mod">
+          <ac:chgData name="Andres Felipe Forero Salas" userId="8d97dfd61da619a5" providerId="LiveId" clId="{73A3C85A-612E-4ED7-809C-47732BCD1545}" dt="2023-04-18T23:18:22.568" v="1683" actId="478"/>
+          <ac:cxnSpMkLst>
+            <pc:docMk/>
+            <pc:sldMk cId="714790989" sldId="268"/>
+            <ac:cxnSpMk id="18" creationId="{A1B3ACCC-A36B-F694-C814-913AB7C2D11D}"/>
+          </ac:cxnSpMkLst>
+        </pc:cxnChg>
+        <pc:cxnChg chg="del">
+          <ac:chgData name="Andres Felipe Forero Salas" userId="8d97dfd61da619a5" providerId="LiveId" clId="{73A3C85A-612E-4ED7-809C-47732BCD1545}" dt="2023-04-18T23:17:59.648" v="1671" actId="478"/>
+          <ac:cxnSpMkLst>
+            <pc:docMk/>
+            <pc:sldMk cId="714790989" sldId="268"/>
+            <ac:cxnSpMk id="28" creationId="{E01182CA-9F44-1D56-D93F-3BA0FD4C2419}"/>
+          </ac:cxnSpMkLst>
+        </pc:cxnChg>
+        <pc:cxnChg chg="del">
+          <ac:chgData name="Andres Felipe Forero Salas" userId="8d97dfd61da619a5" providerId="LiveId" clId="{73A3C85A-612E-4ED7-809C-47732BCD1545}" dt="2023-04-18T23:17:51.752" v="1668" actId="478"/>
+          <ac:cxnSpMkLst>
+            <pc:docMk/>
+            <pc:sldMk cId="714790989" sldId="268"/>
+            <ac:cxnSpMk id="29" creationId="{4271B50B-BD8C-5B75-AD79-6E0FD8F4C14C}"/>
+          </ac:cxnSpMkLst>
+        </pc:cxnChg>
       </pc:sldChg>
     </pc:docChg>
   </pc:docChgLst>
@@ -3127,7 +3463,7 @@
           <a:p>
             <a:fld id="{717C11F6-85FD-4440-9B3F-9062873D2F0C}" type="datetimeFigureOut">
               <a:rPr lang="es-CO" smtClean="0"/>
-              <a:t>17/04/2023</a:t>
+              <a:t>18/04/2023</a:t>
             </a:fld>
             <a:endParaRPr lang="es-CO"/>
           </a:p>
@@ -3327,7 +3663,7 @@
           <a:p>
             <a:fld id="{717C11F6-85FD-4440-9B3F-9062873D2F0C}" type="datetimeFigureOut">
               <a:rPr lang="es-CO" smtClean="0"/>
-              <a:t>17/04/2023</a:t>
+              <a:t>18/04/2023</a:t>
             </a:fld>
             <a:endParaRPr lang="es-CO"/>
           </a:p>
@@ -3537,7 +3873,7 @@
           <a:p>
             <a:fld id="{717C11F6-85FD-4440-9B3F-9062873D2F0C}" type="datetimeFigureOut">
               <a:rPr lang="es-CO" smtClean="0"/>
-              <a:t>17/04/2023</a:t>
+              <a:t>18/04/2023</a:t>
             </a:fld>
             <a:endParaRPr lang="es-CO"/>
           </a:p>
@@ -3737,7 +4073,7 @@
           <a:p>
             <a:fld id="{717C11F6-85FD-4440-9B3F-9062873D2F0C}" type="datetimeFigureOut">
               <a:rPr lang="es-CO" smtClean="0"/>
-              <a:t>17/04/2023</a:t>
+              <a:t>18/04/2023</a:t>
             </a:fld>
             <a:endParaRPr lang="es-CO"/>
           </a:p>
@@ -4013,7 +4349,7 @@
           <a:p>
             <a:fld id="{717C11F6-85FD-4440-9B3F-9062873D2F0C}" type="datetimeFigureOut">
               <a:rPr lang="es-CO" smtClean="0"/>
-              <a:t>17/04/2023</a:t>
+              <a:t>18/04/2023</a:t>
             </a:fld>
             <a:endParaRPr lang="es-CO"/>
           </a:p>
@@ -4281,7 +4617,7 @@
           <a:p>
             <a:fld id="{717C11F6-85FD-4440-9B3F-9062873D2F0C}" type="datetimeFigureOut">
               <a:rPr lang="es-CO" smtClean="0"/>
-              <a:t>17/04/2023</a:t>
+              <a:t>18/04/2023</a:t>
             </a:fld>
             <a:endParaRPr lang="es-CO"/>
           </a:p>
@@ -4696,7 +5032,7 @@
           <a:p>
             <a:fld id="{717C11F6-85FD-4440-9B3F-9062873D2F0C}" type="datetimeFigureOut">
               <a:rPr lang="es-CO" smtClean="0"/>
-              <a:t>17/04/2023</a:t>
+              <a:t>18/04/2023</a:t>
             </a:fld>
             <a:endParaRPr lang="es-CO"/>
           </a:p>
@@ -4838,7 +5174,7 @@
           <a:p>
             <a:fld id="{717C11F6-85FD-4440-9B3F-9062873D2F0C}" type="datetimeFigureOut">
               <a:rPr lang="es-CO" smtClean="0"/>
-              <a:t>17/04/2023</a:t>
+              <a:t>18/04/2023</a:t>
             </a:fld>
             <a:endParaRPr lang="es-CO"/>
           </a:p>
@@ -4951,7 +5287,7 @@
           <a:p>
             <a:fld id="{717C11F6-85FD-4440-9B3F-9062873D2F0C}" type="datetimeFigureOut">
               <a:rPr lang="es-CO" smtClean="0"/>
-              <a:t>17/04/2023</a:t>
+              <a:t>18/04/2023</a:t>
             </a:fld>
             <a:endParaRPr lang="es-CO"/>
           </a:p>
@@ -5264,7 +5600,7 @@
           <a:p>
             <a:fld id="{717C11F6-85FD-4440-9B3F-9062873D2F0C}" type="datetimeFigureOut">
               <a:rPr lang="es-CO" smtClean="0"/>
-              <a:t>17/04/2023</a:t>
+              <a:t>18/04/2023</a:t>
             </a:fld>
             <a:endParaRPr lang="es-CO"/>
           </a:p>
@@ -5553,7 +5889,7 @@
           <a:p>
             <a:fld id="{717C11F6-85FD-4440-9B3F-9062873D2F0C}" type="datetimeFigureOut">
               <a:rPr lang="es-CO" smtClean="0"/>
-              <a:t>17/04/2023</a:t>
+              <a:t>18/04/2023</a:t>
             </a:fld>
             <a:endParaRPr lang="es-CO"/>
           </a:p>
@@ -5796,7 +6132,7 @@
           <a:p>
             <a:fld id="{717C11F6-85FD-4440-9B3F-9062873D2F0C}" type="datetimeFigureOut">
               <a:rPr lang="es-CO" smtClean="0"/>
-              <a:t>17/04/2023</a:t>
+              <a:t>18/04/2023</a:t>
             </a:fld>
             <a:endParaRPr lang="es-CO"/>
           </a:p>
@@ -9596,6 +9932,1175 @@
           <p:cNvPr id="3" name="Conector recto 2">
             <a:extLst>
               <a:ext uri="{FF2B5EF4-FFF2-40B4-BE49-F238E27FC236}">
+                <a16:creationId xmlns:a16="http://schemas.microsoft.com/office/drawing/2014/main" id="{971FC22D-1226-F530-79DF-A9E000F303A0}"/>
+              </a:ext>
+            </a:extLst>
+          </p:cNvPr>
+          <p:cNvCxnSpPr/>
+          <p:nvPr/>
+        </p:nvCxnSpPr>
+        <p:spPr>
+          <a:xfrm flipV="1">
+            <a:off x="2062065" y="1287624"/>
+            <a:ext cx="1670180" cy="1334278"/>
+          </a:xfrm>
+          <a:prstGeom prst="line">
+            <a:avLst/>
+          </a:prstGeom>
+        </p:spPr>
+        <p:style>
+          <a:lnRef idx="1">
+            <a:schemeClr val="accent1"/>
+          </a:lnRef>
+          <a:fillRef idx="0">
+            <a:schemeClr val="accent1"/>
+          </a:fillRef>
+          <a:effectRef idx="0">
+            <a:schemeClr val="accent1"/>
+          </a:effectRef>
+          <a:fontRef idx="minor">
+            <a:schemeClr val="tx1"/>
+          </a:fontRef>
+        </p:style>
+      </p:cxnSp>
+      <p:sp>
+        <p:nvSpPr>
+          <p:cNvPr id="4" name="Rectángulo: esquinas redondeadas 3">
+            <a:extLst>
+              <a:ext uri="{FF2B5EF4-FFF2-40B4-BE49-F238E27FC236}">
+                <a16:creationId xmlns:a16="http://schemas.microsoft.com/office/drawing/2014/main" id="{B0ABAF0E-C954-83CC-40FC-40BF1582E071}"/>
+              </a:ext>
+            </a:extLst>
+          </p:cNvPr>
+          <p:cNvSpPr/>
+          <p:nvPr/>
+        </p:nvSpPr>
+        <p:spPr>
+          <a:xfrm>
+            <a:off x="1525555" y="2635898"/>
+            <a:ext cx="1073020" cy="233266"/>
+          </a:xfrm>
+          <a:prstGeom prst="roundRect">
+            <a:avLst/>
+          </a:prstGeom>
+        </p:spPr>
+        <p:style>
+          <a:lnRef idx="2">
+            <a:schemeClr val="accent1">
+              <a:shade val="50000"/>
+            </a:schemeClr>
+          </a:lnRef>
+          <a:fillRef idx="1">
+            <a:schemeClr val="accent1"/>
+          </a:fillRef>
+          <a:effectRef idx="0">
+            <a:schemeClr val="accent1"/>
+          </a:effectRef>
+          <a:fontRef idx="minor">
+            <a:schemeClr val="lt1"/>
+          </a:fontRef>
+        </p:style>
+        <p:txBody>
+          <a:bodyPr rtlCol="0" anchor="ctr"/>
+          <a:lstStyle/>
+          <a:p>
+            <a:pPr algn="ctr"/>
+            <a:endParaRPr lang="es-CO"/>
+          </a:p>
+        </p:txBody>
+      </p:sp>
+      <p:sp>
+        <p:nvSpPr>
+          <p:cNvPr id="5" name="Elipse 4">
+            <a:extLst>
+              <a:ext uri="{FF2B5EF4-FFF2-40B4-BE49-F238E27FC236}">
+                <a16:creationId xmlns:a16="http://schemas.microsoft.com/office/drawing/2014/main" id="{0E4D25CE-1430-F7FD-8159-AC8FF7456486}"/>
+              </a:ext>
+            </a:extLst>
+          </p:cNvPr>
+          <p:cNvSpPr/>
+          <p:nvPr/>
+        </p:nvSpPr>
+        <p:spPr>
+          <a:xfrm>
+            <a:off x="3601616" y="1156995"/>
+            <a:ext cx="261257" cy="261257"/>
+          </a:xfrm>
+          <a:prstGeom prst="ellipse">
+            <a:avLst/>
+          </a:prstGeom>
+        </p:spPr>
+        <p:style>
+          <a:lnRef idx="2">
+            <a:schemeClr val="accent1">
+              <a:shade val="50000"/>
+            </a:schemeClr>
+          </a:lnRef>
+          <a:fillRef idx="1">
+            <a:schemeClr val="accent1"/>
+          </a:fillRef>
+          <a:effectRef idx="0">
+            <a:schemeClr val="accent1"/>
+          </a:effectRef>
+          <a:fontRef idx="minor">
+            <a:schemeClr val="lt1"/>
+          </a:fontRef>
+        </p:style>
+        <p:txBody>
+          <a:bodyPr rtlCol="0" anchor="ctr"/>
+          <a:lstStyle/>
+          <a:p>
+            <a:pPr algn="ctr"/>
+            <a:endParaRPr lang="es-CO"/>
+          </a:p>
+        </p:txBody>
+      </p:sp>
+      <p:cxnSp>
+        <p:nvCxnSpPr>
+          <p:cNvPr id="6" name="Conector recto 5">
+            <a:extLst>
+              <a:ext uri="{FF2B5EF4-FFF2-40B4-BE49-F238E27FC236}">
+                <a16:creationId xmlns:a16="http://schemas.microsoft.com/office/drawing/2014/main" id="{1316ACAB-960B-6E6B-4508-FAE37A1920AE}"/>
+              </a:ext>
+            </a:extLst>
+          </p:cNvPr>
+          <p:cNvCxnSpPr>
+            <a:cxnSpLocks/>
+          </p:cNvCxnSpPr>
+          <p:nvPr/>
+        </p:nvCxnSpPr>
+        <p:spPr>
+          <a:xfrm flipH="1" flipV="1">
+            <a:off x="3732244" y="1287623"/>
+            <a:ext cx="1230704" cy="1181261"/>
+          </a:xfrm>
+          <a:prstGeom prst="line">
+            <a:avLst/>
+          </a:prstGeom>
+        </p:spPr>
+        <p:style>
+          <a:lnRef idx="1">
+            <a:schemeClr val="accent1"/>
+          </a:lnRef>
+          <a:fillRef idx="0">
+            <a:schemeClr val="accent1"/>
+          </a:fillRef>
+          <a:effectRef idx="0">
+            <a:schemeClr val="accent1"/>
+          </a:effectRef>
+          <a:fontRef idx="minor">
+            <a:schemeClr val="tx1"/>
+          </a:fontRef>
+        </p:style>
+      </p:cxnSp>
+      <p:sp>
+        <p:nvSpPr>
+          <p:cNvPr id="10" name="Elipse 9">
+            <a:extLst>
+              <a:ext uri="{FF2B5EF4-FFF2-40B4-BE49-F238E27FC236}">
+                <a16:creationId xmlns:a16="http://schemas.microsoft.com/office/drawing/2014/main" id="{A151E70B-FCB6-6872-8C20-25F6164AF74D}"/>
+              </a:ext>
+            </a:extLst>
+          </p:cNvPr>
+          <p:cNvSpPr/>
+          <p:nvPr/>
+        </p:nvSpPr>
+        <p:spPr>
+          <a:xfrm>
+            <a:off x="4812721" y="2284136"/>
+            <a:ext cx="261257" cy="261257"/>
+          </a:xfrm>
+          <a:prstGeom prst="ellipse">
+            <a:avLst/>
+          </a:prstGeom>
+        </p:spPr>
+        <p:style>
+          <a:lnRef idx="2">
+            <a:schemeClr val="accent1">
+              <a:shade val="50000"/>
+            </a:schemeClr>
+          </a:lnRef>
+          <a:fillRef idx="1">
+            <a:schemeClr val="accent1"/>
+          </a:fillRef>
+          <a:effectRef idx="0">
+            <a:schemeClr val="accent1"/>
+          </a:effectRef>
+          <a:fontRef idx="minor">
+            <a:schemeClr val="lt1"/>
+          </a:fontRef>
+        </p:style>
+        <p:txBody>
+          <a:bodyPr rtlCol="0" anchor="ctr"/>
+          <a:lstStyle/>
+          <a:p>
+            <a:pPr algn="ctr"/>
+            <a:endParaRPr lang="es-CO"/>
+          </a:p>
+        </p:txBody>
+      </p:sp>
+      <p:cxnSp>
+        <p:nvCxnSpPr>
+          <p:cNvPr id="11" name="Conector recto 10">
+            <a:extLst>
+              <a:ext uri="{FF2B5EF4-FFF2-40B4-BE49-F238E27FC236}">
+                <a16:creationId xmlns:a16="http://schemas.microsoft.com/office/drawing/2014/main" id="{670726A4-A604-9631-B5C9-875B6A8A4D24}"/>
+              </a:ext>
+            </a:extLst>
+          </p:cNvPr>
+          <p:cNvCxnSpPr>
+            <a:cxnSpLocks/>
+          </p:cNvCxnSpPr>
+          <p:nvPr/>
+        </p:nvCxnSpPr>
+        <p:spPr>
+          <a:xfrm flipH="1" flipV="1">
+            <a:off x="4943349" y="2414764"/>
+            <a:ext cx="307586" cy="901040"/>
+          </a:xfrm>
+          <a:prstGeom prst="line">
+            <a:avLst/>
+          </a:prstGeom>
+        </p:spPr>
+        <p:style>
+          <a:lnRef idx="1">
+            <a:schemeClr val="accent1"/>
+          </a:lnRef>
+          <a:fillRef idx="0">
+            <a:schemeClr val="accent1"/>
+          </a:fillRef>
+          <a:effectRef idx="0">
+            <a:schemeClr val="accent1"/>
+          </a:effectRef>
+          <a:fontRef idx="minor">
+            <a:schemeClr val="tx1"/>
+          </a:fontRef>
+        </p:style>
+      </p:cxnSp>
+      <p:cxnSp>
+        <p:nvCxnSpPr>
+          <p:cNvPr id="15" name="Conector recto 14">
+            <a:extLst>
+              <a:ext uri="{FF2B5EF4-FFF2-40B4-BE49-F238E27FC236}">
+                <a16:creationId xmlns:a16="http://schemas.microsoft.com/office/drawing/2014/main" id="{4A030C1B-1B1B-05E0-299F-BCADC037DF93}"/>
+              </a:ext>
+            </a:extLst>
+          </p:cNvPr>
+          <p:cNvCxnSpPr>
+            <a:cxnSpLocks/>
+            <a:stCxn id="10" idx="6"/>
+          </p:cNvCxnSpPr>
+          <p:nvPr/>
+        </p:nvCxnSpPr>
+        <p:spPr>
+          <a:xfrm>
+            <a:off x="5073978" y="2414765"/>
+            <a:ext cx="1003041" cy="0"/>
+          </a:xfrm>
+          <a:prstGeom prst="line">
+            <a:avLst/>
+          </a:prstGeom>
+          <a:ln>
+            <a:solidFill>
+              <a:schemeClr val="tx1"/>
+            </a:solidFill>
+            <a:prstDash val="lgDash"/>
+          </a:ln>
+        </p:spPr>
+        <p:style>
+          <a:lnRef idx="1">
+            <a:schemeClr val="accent1"/>
+          </a:lnRef>
+          <a:fillRef idx="0">
+            <a:schemeClr val="accent1"/>
+          </a:fillRef>
+          <a:effectRef idx="0">
+            <a:schemeClr val="accent1"/>
+          </a:effectRef>
+          <a:fontRef idx="minor">
+            <a:schemeClr val="tx1"/>
+          </a:fontRef>
+        </p:style>
+      </p:cxnSp>
+      <p:sp>
+        <p:nvSpPr>
+          <p:cNvPr id="18" name="Arco 17">
+            <a:extLst>
+              <a:ext uri="{FF2B5EF4-FFF2-40B4-BE49-F238E27FC236}">
+                <a16:creationId xmlns:a16="http://schemas.microsoft.com/office/drawing/2014/main" id="{2423ED5F-3FE6-B6F4-4763-B777FD26CD53}"/>
+              </a:ext>
+            </a:extLst>
+          </p:cNvPr>
+          <p:cNvSpPr/>
+          <p:nvPr/>
+        </p:nvSpPr>
+        <p:spPr>
+          <a:xfrm rot="5400000">
+            <a:off x="4836510" y="2200159"/>
+            <a:ext cx="430146" cy="477724"/>
+          </a:xfrm>
+          <a:prstGeom prst="arc">
+            <a:avLst/>
+          </a:prstGeom>
+        </p:spPr>
+        <p:style>
+          <a:lnRef idx="1">
+            <a:schemeClr val="accent1"/>
+          </a:lnRef>
+          <a:fillRef idx="0">
+            <a:schemeClr val="accent1"/>
+          </a:fillRef>
+          <a:effectRef idx="0">
+            <a:schemeClr val="accent1"/>
+          </a:effectRef>
+          <a:fontRef idx="minor">
+            <a:schemeClr val="tx1"/>
+          </a:fontRef>
+        </p:style>
+        <p:txBody>
+          <a:bodyPr rtlCol="0" anchor="ctr"/>
+          <a:lstStyle/>
+          <a:p>
+            <a:pPr algn="ctr"/>
+            <a:endParaRPr lang="es-CO"/>
+          </a:p>
+        </p:txBody>
+      </p:sp>
+      <mc:AlternateContent xmlns:mc="http://schemas.openxmlformats.org/markup-compatibility/2006" xmlns:a14="http://schemas.microsoft.com/office/drawing/2010/main">
+        <mc:Choice Requires="a14">
+          <p:sp>
+            <p:nvSpPr>
+              <p:cNvPr id="19" name="CuadroTexto 18">
+                <a:extLst>
+                  <a:ext uri="{FF2B5EF4-FFF2-40B4-BE49-F238E27FC236}">
+                    <a16:creationId xmlns:a16="http://schemas.microsoft.com/office/drawing/2014/main" id="{44A66112-436E-DE33-4742-1A21FAEA6393}"/>
+                  </a:ext>
+                </a:extLst>
+              </p:cNvPr>
+              <p:cNvSpPr txBox="1"/>
+              <p:nvPr/>
+            </p:nvSpPr>
+            <p:spPr>
+              <a:xfrm>
+                <a:off x="5293419" y="2545393"/>
+                <a:ext cx="280782" cy="276999"/>
+              </a:xfrm>
+              <a:prstGeom prst="rect">
+                <a:avLst/>
+              </a:prstGeom>
+              <a:noFill/>
+            </p:spPr>
+            <p:txBody>
+              <a:bodyPr wrap="none" lIns="0" tIns="0" rIns="0" bIns="0" rtlCol="0">
+                <a:spAutoFit/>
+              </a:bodyPr>
+              <a:lstStyle/>
+              <a:p>
+                <a:pPr/>
+                <a14:m>
+                  <m:oMathPara xmlns:m="http://schemas.openxmlformats.org/officeDocument/2006/math">
+                    <m:oMathParaPr>
+                      <m:jc m:val="centerGroup"/>
+                    </m:oMathParaPr>
+                    <m:oMath xmlns:m="http://schemas.openxmlformats.org/officeDocument/2006/math">
+                      <m:sSub>
+                        <m:sSubPr>
+                          <m:ctrlPr>
+                            <a:rPr lang="es-CO" b="0" i="1" smtClean="0">
+                              <a:latin typeface="Cambria Math" panose="02040503050406030204" pitchFamily="18" charset="0"/>
+                            </a:rPr>
+                          </m:ctrlPr>
+                        </m:sSubPr>
+                        <m:e>
+                          <m:r>
+                            <a:rPr lang="es-CO" b="0" i="1" smtClean="0">
+                              <a:latin typeface="Cambria Math" panose="02040503050406030204" pitchFamily="18" charset="0"/>
+                            </a:rPr>
+                            <m:t>𝑞</m:t>
+                          </m:r>
+                        </m:e>
+                        <m:sub>
+                          <m:r>
+                            <a:rPr lang="es-CO" b="0" i="1" smtClean="0">
+                              <a:latin typeface="Cambria Math" panose="02040503050406030204" pitchFamily="18" charset="0"/>
+                            </a:rPr>
+                            <m:t>4</m:t>
+                          </m:r>
+                        </m:sub>
+                      </m:sSub>
+                    </m:oMath>
+                  </m:oMathPara>
+                </a14:m>
+                <a:endParaRPr lang="es-CO" dirty="0"/>
+              </a:p>
+            </p:txBody>
+          </p:sp>
+        </mc:Choice>
+        <mc:Fallback xmlns="">
+          <p:sp>
+            <p:nvSpPr>
+              <p:cNvPr id="19" name="CuadroTexto 18">
+                <a:extLst>
+                  <a:ext uri="{FF2B5EF4-FFF2-40B4-BE49-F238E27FC236}">
+                    <a16:creationId xmlns:a16="http://schemas.microsoft.com/office/drawing/2014/main" id="{44A66112-436E-DE33-4742-1A21FAEA6393}"/>
+                  </a:ext>
+                </a:extLst>
+              </p:cNvPr>
+              <p:cNvSpPr txBox="1">
+                <a:spLocks noRot="1" noChangeAspect="1" noMove="1" noResize="1" noEditPoints="1" noAdjustHandles="1" noChangeArrowheads="1" noChangeShapeType="1" noTextEdit="1"/>
+              </p:cNvSpPr>
+              <p:nvPr/>
+            </p:nvSpPr>
+            <p:spPr>
+              <a:xfrm>
+                <a:off x="5293419" y="2545393"/>
+                <a:ext cx="280782" cy="276999"/>
+              </a:xfrm>
+              <a:prstGeom prst="rect">
+                <a:avLst/>
+              </a:prstGeom>
+              <a:blipFill>
+                <a:blip r:embed="rId2"/>
+                <a:stretch>
+                  <a:fillRect l="-21739" r="-6522" b="-26667"/>
+                </a:stretch>
+              </a:blipFill>
+            </p:spPr>
+            <p:txBody>
+              <a:bodyPr/>
+              <a:lstStyle/>
+              <a:p>
+                <a:r>
+                  <a:rPr lang="es-CO">
+                    <a:noFill/>
+                  </a:rPr>
+                  <a:t> </a:t>
+                </a:r>
+              </a:p>
+            </p:txBody>
+          </p:sp>
+        </mc:Fallback>
+      </mc:AlternateContent>
+      <mc:AlternateContent xmlns:mc="http://schemas.openxmlformats.org/markup-compatibility/2006" xmlns:a14="http://schemas.microsoft.com/office/drawing/2010/main">
+        <mc:Choice Requires="a14">
+          <p:sp>
+            <p:nvSpPr>
+              <p:cNvPr id="20" name="CuadroTexto 19">
+                <a:extLst>
+                  <a:ext uri="{FF2B5EF4-FFF2-40B4-BE49-F238E27FC236}">
+                    <a16:creationId xmlns:a16="http://schemas.microsoft.com/office/drawing/2014/main" id="{94E66035-3F30-3B0E-1657-05693CF3B48B}"/>
+                  </a:ext>
+                </a:extLst>
+              </p:cNvPr>
+              <p:cNvSpPr txBox="1"/>
+              <p:nvPr/>
+            </p:nvSpPr>
+            <p:spPr>
+              <a:xfrm>
+                <a:off x="5344420" y="3100332"/>
+                <a:ext cx="286489" cy="276999"/>
+              </a:xfrm>
+              <a:prstGeom prst="rect">
+                <a:avLst/>
+              </a:prstGeom>
+              <a:noFill/>
+            </p:spPr>
+            <p:txBody>
+              <a:bodyPr wrap="none" lIns="0" tIns="0" rIns="0" bIns="0" rtlCol="0">
+                <a:spAutoFit/>
+              </a:bodyPr>
+              <a:lstStyle/>
+              <a:p>
+                <a:pPr/>
+                <a14:m>
+                  <m:oMathPara xmlns:m="http://schemas.openxmlformats.org/officeDocument/2006/math">
+                    <m:oMathParaPr>
+                      <m:jc m:val="centerGroup"/>
+                    </m:oMathParaPr>
+                    <m:oMath xmlns:m="http://schemas.openxmlformats.org/officeDocument/2006/math">
+                      <m:sSub>
+                        <m:sSubPr>
+                          <m:ctrlPr>
+                            <a:rPr lang="es-CO" b="0" i="1" smtClean="0">
+                              <a:latin typeface="Cambria Math" panose="02040503050406030204" pitchFamily="18" charset="0"/>
+                            </a:rPr>
+                          </m:ctrlPr>
+                        </m:sSubPr>
+                        <m:e>
+                          <m:r>
+                            <a:rPr lang="es-CO" b="0" i="1" smtClean="0">
+                              <a:latin typeface="Cambria Math" panose="02040503050406030204" pitchFamily="18" charset="0"/>
+                            </a:rPr>
+                            <m:t>𝑧</m:t>
+                          </m:r>
+                        </m:e>
+                        <m:sub>
+                          <m:r>
+                            <a:rPr lang="es-CO" b="0" i="1" smtClean="0">
+                              <a:latin typeface="Cambria Math" panose="02040503050406030204" pitchFamily="18" charset="0"/>
+                            </a:rPr>
+                            <m:t>𝑇</m:t>
+                          </m:r>
+                        </m:sub>
+                      </m:sSub>
+                    </m:oMath>
+                  </m:oMathPara>
+                </a14:m>
+                <a:endParaRPr lang="es-CO" dirty="0"/>
+              </a:p>
+            </p:txBody>
+          </p:sp>
+        </mc:Choice>
+        <mc:Fallback xmlns="">
+          <p:sp>
+            <p:nvSpPr>
+              <p:cNvPr id="20" name="CuadroTexto 19">
+                <a:extLst>
+                  <a:ext uri="{FF2B5EF4-FFF2-40B4-BE49-F238E27FC236}">
+                    <a16:creationId xmlns:a16="http://schemas.microsoft.com/office/drawing/2014/main" id="{94E66035-3F30-3B0E-1657-05693CF3B48B}"/>
+                  </a:ext>
+                </a:extLst>
+              </p:cNvPr>
+              <p:cNvSpPr txBox="1">
+                <a:spLocks noRot="1" noChangeAspect="1" noMove="1" noResize="1" noEditPoints="1" noAdjustHandles="1" noChangeArrowheads="1" noChangeShapeType="1" noTextEdit="1"/>
+              </p:cNvSpPr>
+              <p:nvPr/>
+            </p:nvSpPr>
+            <p:spPr>
+              <a:xfrm>
+                <a:off x="5344420" y="3100332"/>
+                <a:ext cx="286489" cy="276999"/>
+              </a:xfrm>
+              <a:prstGeom prst="rect">
+                <a:avLst/>
+              </a:prstGeom>
+              <a:blipFill>
+                <a:blip r:embed="rId3"/>
+                <a:stretch>
+                  <a:fillRect l="-12766" r="-2128" b="-15556"/>
+                </a:stretch>
+              </a:blipFill>
+            </p:spPr>
+            <p:txBody>
+              <a:bodyPr/>
+              <a:lstStyle/>
+              <a:p>
+                <a:r>
+                  <a:rPr lang="es-CO">
+                    <a:noFill/>
+                  </a:rPr>
+                  <a:t> </a:t>
+                </a:r>
+              </a:p>
+            </p:txBody>
+          </p:sp>
+        </mc:Fallback>
+      </mc:AlternateContent>
+      <mc:AlternateContent xmlns:mc="http://schemas.openxmlformats.org/markup-compatibility/2006" xmlns:a14="http://schemas.microsoft.com/office/drawing/2010/main">
+        <mc:Choice Requires="a14">
+          <p:sp>
+            <p:nvSpPr>
+              <p:cNvPr id="21" name="CuadroTexto 20">
+                <a:extLst>
+                  <a:ext uri="{FF2B5EF4-FFF2-40B4-BE49-F238E27FC236}">
+                    <a16:creationId xmlns:a16="http://schemas.microsoft.com/office/drawing/2014/main" id="{14235B02-FCDE-E68F-D6C0-6025B020594E}"/>
+                  </a:ext>
+                </a:extLst>
+              </p:cNvPr>
+              <p:cNvSpPr txBox="1"/>
+              <p:nvPr/>
+            </p:nvSpPr>
+            <p:spPr>
+              <a:xfrm>
+                <a:off x="4913535" y="1932430"/>
+                <a:ext cx="337400" cy="276999"/>
+              </a:xfrm>
+              <a:prstGeom prst="rect">
+                <a:avLst/>
+              </a:prstGeom>
+              <a:noFill/>
+            </p:spPr>
+            <p:txBody>
+              <a:bodyPr wrap="none" lIns="0" tIns="0" rIns="0" bIns="0" rtlCol="0">
+                <a:spAutoFit/>
+              </a:bodyPr>
+              <a:lstStyle/>
+              <a:p>
+                <a:pPr/>
+                <a14:m>
+                  <m:oMathPara xmlns:m="http://schemas.openxmlformats.org/officeDocument/2006/math">
+                    <m:oMathParaPr>
+                      <m:jc m:val="centerGroup"/>
+                    </m:oMathParaPr>
+                    <m:oMath xmlns:m="http://schemas.openxmlformats.org/officeDocument/2006/math">
+                      <m:sSub>
+                        <m:sSubPr>
+                          <m:ctrlPr>
+                            <a:rPr lang="es-CO" b="0" i="1" smtClean="0">
+                              <a:latin typeface="Cambria Math" panose="02040503050406030204" pitchFamily="18" charset="0"/>
+                            </a:rPr>
+                          </m:ctrlPr>
+                        </m:sSubPr>
+                        <m:e>
+                          <m:r>
+                            <a:rPr lang="es-CO" b="0" i="1" smtClean="0">
+                              <a:latin typeface="Cambria Math" panose="02040503050406030204" pitchFamily="18" charset="0"/>
+                            </a:rPr>
+                            <m:t>𝑧</m:t>
+                          </m:r>
+                        </m:e>
+                        <m:sub>
+                          <m:r>
+                            <a:rPr lang="es-CO" b="0" i="1" smtClean="0">
+                              <a:latin typeface="Cambria Math" panose="02040503050406030204" pitchFamily="18" charset="0"/>
+                            </a:rPr>
+                            <m:t>𝑊</m:t>
+                          </m:r>
+                        </m:sub>
+                      </m:sSub>
+                    </m:oMath>
+                  </m:oMathPara>
+                </a14:m>
+                <a:endParaRPr lang="es-CO" dirty="0"/>
+              </a:p>
+            </p:txBody>
+          </p:sp>
+        </mc:Choice>
+        <mc:Fallback xmlns="">
+          <p:sp>
+            <p:nvSpPr>
+              <p:cNvPr id="21" name="CuadroTexto 20">
+                <a:extLst>
+                  <a:ext uri="{FF2B5EF4-FFF2-40B4-BE49-F238E27FC236}">
+                    <a16:creationId xmlns:a16="http://schemas.microsoft.com/office/drawing/2014/main" id="{14235B02-FCDE-E68F-D6C0-6025B020594E}"/>
+                  </a:ext>
+                </a:extLst>
+              </p:cNvPr>
+              <p:cNvSpPr txBox="1">
+                <a:spLocks noRot="1" noChangeAspect="1" noMove="1" noResize="1" noEditPoints="1" noAdjustHandles="1" noChangeArrowheads="1" noChangeShapeType="1" noTextEdit="1"/>
+              </p:cNvSpPr>
+              <p:nvPr/>
+            </p:nvSpPr>
+            <p:spPr>
+              <a:xfrm>
+                <a:off x="4913535" y="1932430"/>
+                <a:ext cx="337400" cy="276999"/>
+              </a:xfrm>
+              <a:prstGeom prst="rect">
+                <a:avLst/>
+              </a:prstGeom>
+              <a:blipFill>
+                <a:blip r:embed="rId4"/>
+                <a:stretch>
+                  <a:fillRect l="-10909" r="-5455" b="-15556"/>
+                </a:stretch>
+              </a:blipFill>
+            </p:spPr>
+            <p:txBody>
+              <a:bodyPr/>
+              <a:lstStyle/>
+              <a:p>
+                <a:r>
+                  <a:rPr lang="es-CO">
+                    <a:noFill/>
+                  </a:rPr>
+                  <a:t> </a:t>
+                </a:r>
+              </a:p>
+            </p:txBody>
+          </p:sp>
+        </mc:Fallback>
+      </mc:AlternateContent>
+      <mc:AlternateContent xmlns:mc="http://schemas.openxmlformats.org/markup-compatibility/2006" xmlns:a14="http://schemas.microsoft.com/office/drawing/2010/main">
+        <mc:Choice Requires="a14">
+          <p:sp>
+            <p:nvSpPr>
+              <p:cNvPr id="22" name="CuadroTexto 21">
+                <a:extLst>
+                  <a:ext uri="{FF2B5EF4-FFF2-40B4-BE49-F238E27FC236}">
+                    <a16:creationId xmlns:a16="http://schemas.microsoft.com/office/drawing/2014/main" id="{7C741F5E-2C01-0A5E-C9D5-EE62F0A8B2AD}"/>
+                  </a:ext>
+                </a:extLst>
+              </p:cNvPr>
+              <p:cNvSpPr txBox="1"/>
+              <p:nvPr/>
+            </p:nvSpPr>
+            <p:spPr>
+              <a:xfrm>
+                <a:off x="4849864" y="3007254"/>
+                <a:ext cx="232371" cy="276999"/>
+              </a:xfrm>
+              <a:prstGeom prst="rect">
+                <a:avLst/>
+              </a:prstGeom>
+              <a:noFill/>
+            </p:spPr>
+            <p:txBody>
+              <a:bodyPr wrap="none" lIns="0" tIns="0" rIns="0" bIns="0" rtlCol="0">
+                <a:spAutoFit/>
+              </a:bodyPr>
+              <a:lstStyle/>
+              <a:p>
+                <a:pPr/>
+                <a14:m>
+                  <m:oMathPara xmlns:m="http://schemas.openxmlformats.org/officeDocument/2006/math">
+                    <m:oMathParaPr>
+                      <m:jc m:val="centerGroup"/>
+                    </m:oMathParaPr>
+                    <m:oMath xmlns:m="http://schemas.openxmlformats.org/officeDocument/2006/math">
+                      <m:sSub>
+                        <m:sSubPr>
+                          <m:ctrlPr>
+                            <a:rPr lang="es-CO" b="0" i="1" smtClean="0">
+                              <a:latin typeface="Cambria Math" panose="02040503050406030204" pitchFamily="18" charset="0"/>
+                            </a:rPr>
+                          </m:ctrlPr>
+                        </m:sSubPr>
+                        <m:e>
+                          <m:r>
+                            <a:rPr lang="es-CO" b="0" i="1" smtClean="0">
+                              <a:latin typeface="Cambria Math" panose="02040503050406030204" pitchFamily="18" charset="0"/>
+                            </a:rPr>
+                            <m:t>𝑙</m:t>
+                          </m:r>
+                        </m:e>
+                        <m:sub>
+                          <m:r>
+                            <a:rPr lang="es-CO" b="0" i="1" smtClean="0">
+                              <a:latin typeface="Cambria Math" panose="02040503050406030204" pitchFamily="18" charset="0"/>
+                            </a:rPr>
+                            <m:t>4</m:t>
+                          </m:r>
+                        </m:sub>
+                      </m:sSub>
+                    </m:oMath>
+                  </m:oMathPara>
+                </a14:m>
+                <a:endParaRPr lang="es-CO" dirty="0"/>
+              </a:p>
+            </p:txBody>
+          </p:sp>
+        </mc:Choice>
+        <mc:Fallback xmlns="">
+          <p:sp>
+            <p:nvSpPr>
+              <p:cNvPr id="22" name="CuadroTexto 21">
+                <a:extLst>
+                  <a:ext uri="{FF2B5EF4-FFF2-40B4-BE49-F238E27FC236}">
+                    <a16:creationId xmlns:a16="http://schemas.microsoft.com/office/drawing/2014/main" id="{7C741F5E-2C01-0A5E-C9D5-EE62F0A8B2AD}"/>
+                  </a:ext>
+                </a:extLst>
+              </p:cNvPr>
+              <p:cNvSpPr txBox="1">
+                <a:spLocks noRot="1" noChangeAspect="1" noMove="1" noResize="1" noEditPoints="1" noAdjustHandles="1" noChangeArrowheads="1" noChangeShapeType="1" noTextEdit="1"/>
+              </p:cNvSpPr>
+              <p:nvPr/>
+            </p:nvSpPr>
+            <p:spPr>
+              <a:xfrm>
+                <a:off x="4849864" y="3007254"/>
+                <a:ext cx="232371" cy="276999"/>
+              </a:xfrm>
+              <a:prstGeom prst="rect">
+                <a:avLst/>
+              </a:prstGeom>
+              <a:blipFill>
+                <a:blip r:embed="rId5"/>
+                <a:stretch>
+                  <a:fillRect l="-26316" r="-7895" b="-15217"/>
+                </a:stretch>
+              </a:blipFill>
+            </p:spPr>
+            <p:txBody>
+              <a:bodyPr/>
+              <a:lstStyle/>
+              <a:p>
+                <a:r>
+                  <a:rPr lang="es-CO">
+                    <a:noFill/>
+                  </a:rPr>
+                  <a:t> </a:t>
+                </a:r>
+              </a:p>
+            </p:txBody>
+          </p:sp>
+        </mc:Fallback>
+      </mc:AlternateContent>
+      <p:cxnSp>
+        <p:nvCxnSpPr>
+          <p:cNvPr id="25" name="Conector recto de flecha 24">
+            <a:extLst>
+              <a:ext uri="{FF2B5EF4-FFF2-40B4-BE49-F238E27FC236}">
+                <a16:creationId xmlns:a16="http://schemas.microsoft.com/office/drawing/2014/main" id="{D320F138-7A33-3369-6621-D7644A9FF4F1}"/>
+              </a:ext>
+            </a:extLst>
+          </p:cNvPr>
+          <p:cNvCxnSpPr>
+            <a:cxnSpLocks/>
+            <a:stCxn id="31" idx="2"/>
+          </p:cNvCxnSpPr>
+          <p:nvPr/>
+        </p:nvCxnSpPr>
+        <p:spPr>
+          <a:xfrm>
+            <a:off x="2060320" y="3732242"/>
+            <a:ext cx="4881656" cy="2"/>
+          </a:xfrm>
+          <a:prstGeom prst="straightConnector1">
+            <a:avLst/>
+          </a:prstGeom>
+          <a:ln>
+            <a:tailEnd type="triangle"/>
+          </a:ln>
+        </p:spPr>
+        <p:style>
+          <a:lnRef idx="1">
+            <a:schemeClr val="dk1"/>
+          </a:lnRef>
+          <a:fillRef idx="0">
+            <a:schemeClr val="dk1"/>
+          </a:fillRef>
+          <a:effectRef idx="0">
+            <a:schemeClr val="dk1"/>
+          </a:effectRef>
+          <a:fontRef idx="minor">
+            <a:schemeClr val="tx1"/>
+          </a:fontRef>
+        </p:style>
+      </p:cxnSp>
+      <mc:AlternateContent xmlns:mc="http://schemas.openxmlformats.org/markup-compatibility/2006" xmlns:a14="http://schemas.microsoft.com/office/drawing/2010/main">
+        <mc:Choice Requires="a14">
+          <p:sp>
+            <p:nvSpPr>
+              <p:cNvPr id="28" name="CuadroTexto 27">
+                <a:extLst>
+                  <a:ext uri="{FF2B5EF4-FFF2-40B4-BE49-F238E27FC236}">
+                    <a16:creationId xmlns:a16="http://schemas.microsoft.com/office/drawing/2014/main" id="{7DE565D6-7AB1-A586-C682-1B573218B01E}"/>
+                  </a:ext>
+                </a:extLst>
+              </p:cNvPr>
+              <p:cNvSpPr txBox="1"/>
+              <p:nvPr/>
+            </p:nvSpPr>
+            <p:spPr>
+              <a:xfrm>
+                <a:off x="1639537" y="665213"/>
+                <a:ext cx="169084" cy="276999"/>
+              </a:xfrm>
+              <a:prstGeom prst="rect">
+                <a:avLst/>
+              </a:prstGeom>
+              <a:noFill/>
+            </p:spPr>
+            <p:txBody>
+              <a:bodyPr wrap="none" lIns="0" tIns="0" rIns="0" bIns="0" rtlCol="0">
+                <a:spAutoFit/>
+              </a:bodyPr>
+              <a:lstStyle/>
+              <a:p>
+                <a:pPr/>
+                <a14:m>
+                  <m:oMathPara xmlns:m="http://schemas.openxmlformats.org/officeDocument/2006/math">
+                    <m:oMathParaPr>
+                      <m:jc m:val="centerGroup"/>
+                    </m:oMathParaPr>
+                    <m:oMath xmlns:m="http://schemas.openxmlformats.org/officeDocument/2006/math">
+                      <m:r>
+                        <a:rPr lang="es-CO" b="0" i="1" smtClean="0">
+                          <a:latin typeface="Cambria Math" panose="02040503050406030204" pitchFamily="18" charset="0"/>
+                        </a:rPr>
+                        <m:t>𝑧</m:t>
+                      </m:r>
+                    </m:oMath>
+                  </m:oMathPara>
+                </a14:m>
+                <a:endParaRPr lang="es-CO" dirty="0"/>
+              </a:p>
+            </p:txBody>
+          </p:sp>
+        </mc:Choice>
+        <mc:Fallback xmlns="">
+          <p:sp>
+            <p:nvSpPr>
+              <p:cNvPr id="28" name="CuadroTexto 27">
+                <a:extLst>
+                  <a:ext uri="{FF2B5EF4-FFF2-40B4-BE49-F238E27FC236}">
+                    <a16:creationId xmlns:a16="http://schemas.microsoft.com/office/drawing/2014/main" id="{7DE565D6-7AB1-A586-C682-1B573218B01E}"/>
+                  </a:ext>
+                </a:extLst>
+              </p:cNvPr>
+              <p:cNvSpPr txBox="1">
+                <a:spLocks noRot="1" noChangeAspect="1" noMove="1" noResize="1" noEditPoints="1" noAdjustHandles="1" noChangeArrowheads="1" noChangeShapeType="1" noTextEdit="1"/>
+              </p:cNvSpPr>
+              <p:nvPr/>
+            </p:nvSpPr>
+            <p:spPr>
+              <a:xfrm>
+                <a:off x="1639537" y="665213"/>
+                <a:ext cx="169084" cy="276999"/>
+              </a:xfrm>
+              <a:prstGeom prst="rect">
+                <a:avLst/>
+              </a:prstGeom>
+              <a:blipFill>
+                <a:blip r:embed="rId6"/>
+                <a:stretch>
+                  <a:fillRect l="-21429" r="-14286"/>
+                </a:stretch>
+              </a:blipFill>
+            </p:spPr>
+            <p:txBody>
+              <a:bodyPr/>
+              <a:lstStyle/>
+              <a:p>
+                <a:r>
+                  <a:rPr lang="es-CO">
+                    <a:noFill/>
+                  </a:rPr>
+                  <a:t> </a:t>
+                </a:r>
+              </a:p>
+            </p:txBody>
+          </p:sp>
+        </mc:Fallback>
+      </mc:AlternateContent>
+      <mc:AlternateContent xmlns:mc="http://schemas.openxmlformats.org/markup-compatibility/2006" xmlns:a14="http://schemas.microsoft.com/office/drawing/2010/main">
+        <mc:Choice Requires="a14">
+          <p:sp>
+            <p:nvSpPr>
+              <p:cNvPr id="30" name="CuadroTexto 29">
+                <a:extLst>
+                  <a:ext uri="{FF2B5EF4-FFF2-40B4-BE49-F238E27FC236}">
+                    <a16:creationId xmlns:a16="http://schemas.microsoft.com/office/drawing/2014/main" id="{D779BAC5-970D-7A31-7E96-6BBA48E058DF}"/>
+                  </a:ext>
+                </a:extLst>
+              </p:cNvPr>
+              <p:cNvSpPr txBox="1"/>
+              <p:nvPr/>
+            </p:nvSpPr>
+            <p:spPr>
+              <a:xfrm>
+                <a:off x="2692060" y="2483402"/>
+                <a:ext cx="266803" cy="276999"/>
+              </a:xfrm>
+              <a:prstGeom prst="rect">
+                <a:avLst/>
+              </a:prstGeom>
+              <a:noFill/>
+            </p:spPr>
+            <p:txBody>
+              <a:bodyPr wrap="none" lIns="0" tIns="0" rIns="0" bIns="0" rtlCol="0">
+                <a:spAutoFit/>
+              </a:bodyPr>
+              <a:lstStyle/>
+              <a:p>
+                <a:pPr/>
+                <a14:m>
+                  <m:oMathPara xmlns:m="http://schemas.openxmlformats.org/officeDocument/2006/math">
+                    <m:oMathParaPr>
+                      <m:jc m:val="centerGroup"/>
+                    </m:oMathParaPr>
+                    <m:oMath xmlns:m="http://schemas.openxmlformats.org/officeDocument/2006/math">
+                      <m:sSub>
+                        <m:sSubPr>
+                          <m:ctrlPr>
+                            <a:rPr lang="es-CO" b="0" i="1" smtClean="0">
+                              <a:latin typeface="Cambria Math" panose="02040503050406030204" pitchFamily="18" charset="0"/>
+                            </a:rPr>
+                          </m:ctrlPr>
+                        </m:sSubPr>
+                        <m:e>
+                          <m:r>
+                            <a:rPr lang="es-CO" b="0" i="1" smtClean="0">
+                              <a:latin typeface="Cambria Math" panose="02040503050406030204" pitchFamily="18" charset="0"/>
+                            </a:rPr>
+                            <m:t>𝑧</m:t>
+                          </m:r>
+                        </m:e>
+                        <m:sub>
+                          <m:r>
+                            <a:rPr lang="es-CO" b="0" i="1" smtClean="0">
+                              <a:latin typeface="Cambria Math" panose="02040503050406030204" pitchFamily="18" charset="0"/>
+                            </a:rPr>
+                            <m:t>0</m:t>
+                          </m:r>
+                        </m:sub>
+                      </m:sSub>
+                    </m:oMath>
+                  </m:oMathPara>
+                </a14:m>
+                <a:endParaRPr lang="es-CO" dirty="0"/>
+              </a:p>
+            </p:txBody>
+          </p:sp>
+        </mc:Choice>
+        <mc:Fallback xmlns="">
+          <p:sp>
+            <p:nvSpPr>
+              <p:cNvPr id="30" name="CuadroTexto 29">
+                <a:extLst>
+                  <a:ext uri="{FF2B5EF4-FFF2-40B4-BE49-F238E27FC236}">
+                    <a16:creationId xmlns:a16="http://schemas.microsoft.com/office/drawing/2014/main" id="{D779BAC5-970D-7A31-7E96-6BBA48E058DF}"/>
+                  </a:ext>
+                </a:extLst>
+              </p:cNvPr>
+              <p:cNvSpPr txBox="1">
+                <a:spLocks noRot="1" noChangeAspect="1" noMove="1" noResize="1" noEditPoints="1" noAdjustHandles="1" noChangeArrowheads="1" noChangeShapeType="1" noTextEdit="1"/>
+              </p:cNvSpPr>
+              <p:nvPr/>
+            </p:nvSpPr>
+            <p:spPr>
+              <a:xfrm>
+                <a:off x="2692060" y="2483402"/>
+                <a:ext cx="266803" cy="276999"/>
+              </a:xfrm>
+              <a:prstGeom prst="rect">
+                <a:avLst/>
+              </a:prstGeom>
+              <a:blipFill>
+                <a:blip r:embed="rId7"/>
+                <a:stretch>
+                  <a:fillRect l="-11628" r="-9302" b="-15217"/>
+                </a:stretch>
+              </a:blipFill>
+            </p:spPr>
+            <p:txBody>
+              <a:bodyPr/>
+              <a:lstStyle/>
+              <a:p>
+                <a:r>
+                  <a:rPr lang="es-CO">
+                    <a:noFill/>
+                  </a:rPr>
+                  <a:t> </a:t>
+                </a:r>
+              </a:p>
+            </p:txBody>
+          </p:sp>
+        </mc:Fallback>
+      </mc:AlternateContent>
+      <p:sp>
+        <p:nvSpPr>
+          <p:cNvPr id="31" name="Rectángulo: esquinas redondeadas 30">
+            <a:extLst>
+              <a:ext uri="{FF2B5EF4-FFF2-40B4-BE49-F238E27FC236}">
+                <a16:creationId xmlns:a16="http://schemas.microsoft.com/office/drawing/2014/main" id="{D55D6D75-B4A9-4D15-0872-C94DC13C7B43}"/>
+              </a:ext>
+            </a:extLst>
+          </p:cNvPr>
+          <p:cNvSpPr/>
+          <p:nvPr/>
+        </p:nvSpPr>
+        <p:spPr>
+          <a:xfrm>
+            <a:off x="1386093" y="2883160"/>
+            <a:ext cx="1348453" cy="849082"/>
+          </a:xfrm>
+          <a:prstGeom prst="roundRect">
+            <a:avLst/>
+          </a:prstGeom>
+        </p:spPr>
+        <p:style>
+          <a:lnRef idx="2">
+            <a:schemeClr val="accent1">
+              <a:shade val="50000"/>
+            </a:schemeClr>
+          </a:lnRef>
+          <a:fillRef idx="1">
+            <a:schemeClr val="accent1"/>
+          </a:fillRef>
+          <a:effectRef idx="0">
+            <a:schemeClr val="accent1"/>
+          </a:effectRef>
+          <a:fontRef idx="minor">
+            <a:schemeClr val="lt1"/>
+          </a:fontRef>
+        </p:style>
+        <p:txBody>
+          <a:bodyPr rtlCol="0" anchor="ctr"/>
+          <a:lstStyle/>
+          <a:p>
+            <a:pPr algn="ctr"/>
+            <a:endParaRPr lang="es-CO"/>
+          </a:p>
+        </p:txBody>
+      </p:sp>
+      <p:cxnSp>
+        <p:nvCxnSpPr>
+          <p:cNvPr id="24" name="Conector recto de flecha 23">
+            <a:extLst>
+              <a:ext uri="{FF2B5EF4-FFF2-40B4-BE49-F238E27FC236}">
+                <a16:creationId xmlns:a16="http://schemas.microsoft.com/office/drawing/2014/main" id="{4147F39C-4265-C83F-092C-8308B4B95DA4}"/>
+              </a:ext>
+            </a:extLst>
+          </p:cNvPr>
+          <p:cNvCxnSpPr>
+            <a:cxnSpLocks/>
+          </p:cNvCxnSpPr>
+          <p:nvPr/>
+        </p:nvCxnSpPr>
+        <p:spPr>
+          <a:xfrm flipV="1">
+            <a:off x="2062065" y="665213"/>
+            <a:ext cx="0" cy="3088432"/>
+          </a:xfrm>
+          <a:prstGeom prst="straightConnector1">
+            <a:avLst/>
+          </a:prstGeom>
+          <a:ln>
+            <a:tailEnd type="triangle"/>
+          </a:ln>
+        </p:spPr>
+        <p:style>
+          <a:lnRef idx="1">
+            <a:schemeClr val="dk1"/>
+          </a:lnRef>
+          <a:fillRef idx="0">
+            <a:schemeClr val="dk1"/>
+          </a:fillRef>
+          <a:effectRef idx="0">
+            <a:schemeClr val="dk1"/>
+          </a:effectRef>
+          <a:fontRef idx="minor">
+            <a:schemeClr val="tx1"/>
+          </a:fontRef>
+        </p:style>
+      </p:cxnSp>
+    </p:spTree>
+    <p:extLst>
+      <p:ext uri="{BB962C8B-B14F-4D97-AF65-F5344CB8AC3E}">
+        <p14:creationId xmlns:p14="http://schemas.microsoft.com/office/powerpoint/2010/main" val="1406286800"/>
+      </p:ext>
+    </p:extLst>
+  </p:cSld>
+  <p:clrMapOvr>
+    <a:masterClrMapping/>
+  </p:clrMapOvr>
+</p:sld>
+</file>
+
+<file path=ppt/slides/slide11.xml><?xml version="1.0" encoding="utf-8"?>
+<p:sld xmlns:a="http://schemas.openxmlformats.org/drawingml/2006/main" xmlns:r="http://schemas.openxmlformats.org/officeDocument/2006/relationships" xmlns:p="http://schemas.openxmlformats.org/presentationml/2006/main">
+  <p:cSld>
+    <p:spTree>
+      <p:nvGrpSpPr>
+        <p:cNvPr id="1" name=""/>
+        <p:cNvGrpSpPr/>
+        <p:nvPr/>
+      </p:nvGrpSpPr>
+      <p:grpSpPr>
+        <a:xfrm>
+          <a:off x="0" y="0"/>
+          <a:ext cx="0" cy="0"/>
+          <a:chOff x="0" y="0"/>
+          <a:chExt cx="0" cy="0"/>
+        </a:xfrm>
+      </p:grpSpPr>
+      <p:cxnSp>
+        <p:nvCxnSpPr>
+          <p:cNvPr id="3" name="Conector recto 2">
+            <a:extLst>
+              <a:ext uri="{FF2B5EF4-FFF2-40B4-BE49-F238E27FC236}">
                 <a16:creationId xmlns:a16="http://schemas.microsoft.com/office/drawing/2014/main" id="{2F19E4FE-2DD0-8090-1E15-192D4191EC24}"/>
               </a:ext>
             </a:extLst>
@@ -11113,7 +12618,7 @@
 </p:sld>
 </file>
 
-<file path=ppt/slides/slide11.xml><?xml version="1.0" encoding="utf-8"?>
+<file path=ppt/slides/slide12.xml><?xml version="1.0" encoding="utf-8"?>
 <p:sld xmlns:a="http://schemas.openxmlformats.org/drawingml/2006/main" xmlns:r="http://schemas.openxmlformats.org/officeDocument/2006/relationships" xmlns:p="http://schemas.openxmlformats.org/presentationml/2006/main">
   <p:cSld>
     <p:spTree>
@@ -13309,7 +14814,7 @@
 </p:sld>
 </file>
 
-<file path=ppt/slides/slide12.xml><?xml version="1.0" encoding="utf-8"?>
+<file path=ppt/slides/slide13.xml><?xml version="1.0" encoding="utf-8"?>
 <p:sld xmlns:a="http://schemas.openxmlformats.org/drawingml/2006/main" xmlns:r="http://schemas.openxmlformats.org/officeDocument/2006/relationships" xmlns:p="http://schemas.openxmlformats.org/presentationml/2006/main">
   <p:cSld>
     <p:spTree>
@@ -22548,8 +24053,8 @@
           </a:p>
         </p:txBody>
       </p:sp>
-      <mc:AlternateContent xmlns:mc="http://schemas.openxmlformats.org/markup-compatibility/2006" xmlns:a14="http://schemas.microsoft.com/office/drawing/2010/main">
-        <mc:Choice Requires="a14">
+      <mc:AlternateContent xmlns:mc="http://schemas.openxmlformats.org/markup-compatibility/2006">
+        <mc:Choice xmlns:a14="http://schemas.microsoft.com/office/drawing/2010/main" Requires="a14">
           <p:sp>
             <p:nvSpPr>
               <p:cNvPr id="69" name="CuadroTexto 68">
@@ -22564,7 +24069,7 @@
             </p:nvSpPr>
             <p:spPr>
               <a:xfrm>
-                <a:off x="4959308" y="2034890"/>
+                <a:off x="4867363" y="1898572"/>
                 <a:ext cx="171778" cy="276999"/>
               </a:xfrm>
               <a:prstGeom prst="rect">
@@ -22599,7 +24104,7 @@
             </p:txBody>
           </p:sp>
         </mc:Choice>
-        <mc:Fallback xmlns="">
+        <mc:Fallback>
           <p:sp>
             <p:nvSpPr>
               <p:cNvPr id="69" name="CuadroTexto 68">
@@ -22616,16 +24121,16 @@
             </p:nvSpPr>
             <p:spPr>
               <a:xfrm>
-                <a:off x="4959308" y="2034890"/>
+                <a:off x="4867363" y="1898572"/>
                 <a:ext cx="171778" cy="276999"/>
               </a:xfrm>
               <a:prstGeom prst="rect">
                 <a:avLst/>
               </a:prstGeom>
               <a:blipFill>
-                <a:blip r:embed="rId5"/>
+                <a:blip r:embed="rId2"/>
                 <a:stretch>
-                  <a:fillRect l="-21429" r="-17857"/>
+                  <a:fillRect l="-20690" r="-13793"/>
                 </a:stretch>
               </a:blipFill>
             </p:spPr>
@@ -22644,8 +24149,8 @@
           </p:sp>
         </mc:Fallback>
       </mc:AlternateContent>
-      <mc:AlternateContent xmlns:mc="http://schemas.openxmlformats.org/markup-compatibility/2006">
-        <mc:Choice xmlns:a14="http://schemas.microsoft.com/office/drawing/2010/main" Requires="a14">
+      <mc:AlternateContent xmlns:mc="http://schemas.openxmlformats.org/markup-compatibility/2006" xmlns:a14="http://schemas.microsoft.com/office/drawing/2010/main">
+        <mc:Choice Requires="a14">
           <p:sp>
             <p:nvSpPr>
               <p:cNvPr id="73" name="CuadroTexto 72">
@@ -22695,7 +24200,7 @@
             </p:txBody>
           </p:sp>
         </mc:Choice>
-        <mc:Fallback>
+        <mc:Fallback xmlns="">
           <p:sp>
             <p:nvSpPr>
               <p:cNvPr id="73" name="CuadroTexto 72">
@@ -23095,52 +24600,6 @@
       </p:cxnSp>
       <p:sp>
         <p:nvSpPr>
-          <p:cNvPr id="5" name="Elipse 4">
-            <a:extLst>
-              <a:ext uri="{FF2B5EF4-FFF2-40B4-BE49-F238E27FC236}">
-                <a16:creationId xmlns:a16="http://schemas.microsoft.com/office/drawing/2014/main" id="{9BD53BC9-704F-43CA-34C6-DE821630CDDB}"/>
-              </a:ext>
-            </a:extLst>
-          </p:cNvPr>
-          <p:cNvSpPr/>
-          <p:nvPr/>
-        </p:nvSpPr>
-        <p:spPr>
-          <a:xfrm>
-            <a:off x="5145833" y="2057399"/>
-            <a:ext cx="289249" cy="289249"/>
-          </a:xfrm>
-          <a:prstGeom prst="ellipse">
-            <a:avLst/>
-          </a:prstGeom>
-        </p:spPr>
-        <p:style>
-          <a:lnRef idx="2">
-            <a:schemeClr val="accent1">
-              <a:shade val="50000"/>
-            </a:schemeClr>
-          </a:lnRef>
-          <a:fillRef idx="1">
-            <a:schemeClr val="accent1"/>
-          </a:fillRef>
-          <a:effectRef idx="0">
-            <a:schemeClr val="accent1"/>
-          </a:effectRef>
-          <a:fontRef idx="minor">
-            <a:schemeClr val="lt1"/>
-          </a:fontRef>
-        </p:style>
-        <p:txBody>
-          <a:bodyPr rtlCol="0" anchor="ctr"/>
-          <a:lstStyle/>
-          <a:p>
-            <a:pPr algn="ctr"/>
-            <a:endParaRPr lang="es-CO"/>
-          </a:p>
-        </p:txBody>
-      </p:sp>
-      <p:sp>
-        <p:nvSpPr>
           <p:cNvPr id="4" name="Elipse 3">
             <a:extLst>
               <a:ext uri="{FF2B5EF4-FFF2-40B4-BE49-F238E27FC236}">
@@ -23332,59 +24791,8 @@
           </p:sp>
         </mc:Fallback>
       </mc:AlternateContent>
-      <p:sp>
-        <p:nvSpPr>
-          <p:cNvPr id="2" name="Arco 1">
-            <a:extLst>
-              <a:ext uri="{FF2B5EF4-FFF2-40B4-BE49-F238E27FC236}">
-                <a16:creationId xmlns:a16="http://schemas.microsoft.com/office/drawing/2014/main" id="{3415208C-6151-F730-6C79-0F01046BE0BC}"/>
-              </a:ext>
-            </a:extLst>
-          </p:cNvPr>
-          <p:cNvSpPr/>
-          <p:nvPr/>
-        </p:nvSpPr>
-        <p:spPr>
-          <a:xfrm>
-            <a:off x="2642536" y="4296308"/>
-            <a:ext cx="1135766" cy="983913"/>
-          </a:xfrm>
-          <a:prstGeom prst="arc">
-            <a:avLst/>
-          </a:prstGeom>
-          <a:ln>
-            <a:solidFill>
-              <a:schemeClr val="accent6">
-                <a:lumMod val="75000"/>
-              </a:schemeClr>
-            </a:solidFill>
-          </a:ln>
-        </p:spPr>
-        <p:style>
-          <a:lnRef idx="1">
-            <a:schemeClr val="accent1"/>
-          </a:lnRef>
-          <a:fillRef idx="0">
-            <a:schemeClr val="accent1"/>
-          </a:fillRef>
-          <a:effectRef idx="0">
-            <a:schemeClr val="accent1"/>
-          </a:effectRef>
-          <a:fontRef idx="minor">
-            <a:schemeClr val="tx1"/>
-          </a:fontRef>
-        </p:style>
-        <p:txBody>
-          <a:bodyPr rtlCol="0" anchor="ctr"/>
-          <a:lstStyle/>
-          <a:p>
-            <a:pPr algn="ctr"/>
-            <a:endParaRPr lang="es-CO"/>
-          </a:p>
-        </p:txBody>
-      </p:sp>
-      <mc:AlternateContent xmlns:mc="http://schemas.openxmlformats.org/markup-compatibility/2006">
-        <mc:Choice xmlns:a14="http://schemas.microsoft.com/office/drawing/2010/main" Requires="a14">
+      <mc:AlternateContent xmlns:mc="http://schemas.openxmlformats.org/markup-compatibility/2006" xmlns:a14="http://schemas.microsoft.com/office/drawing/2010/main">
+        <mc:Choice Requires="a14">
           <p:sp>
             <p:nvSpPr>
               <p:cNvPr id="11" name="CuadroTexto 10">
@@ -23413,6 +24821,7 @@
               </a:bodyPr>
               <a:lstStyle/>
               <a:p>
+                <a:pPr/>
                 <a14:m>
                   <m:oMathPara xmlns:m="http://schemas.openxmlformats.org/officeDocument/2006/math">
                     <m:oMathParaPr>
@@ -23452,7 +24861,7 @@
             </p:txBody>
           </p:sp>
         </mc:Choice>
-        <mc:Fallback>
+        <mc:Fallback xmlns="">
           <p:sp>
             <p:nvSpPr>
               <p:cNvPr id="11" name="CuadroTexto 10">
@@ -23479,6 +24888,1120 @@
                 <a:blip r:embed="rId10"/>
                 <a:stretch>
                   <a:fillRect l="-21739" r="-4348" b="-26667"/>
+                </a:stretch>
+              </a:blipFill>
+            </p:spPr>
+            <p:txBody>
+              <a:bodyPr/>
+              <a:lstStyle/>
+              <a:p>
+                <a:r>
+                  <a:rPr lang="es-CO">
+                    <a:noFill/>
+                  </a:rPr>
+                  <a:t> </a:t>
+                </a:r>
+              </a:p>
+            </p:txBody>
+          </p:sp>
+        </mc:Fallback>
+      </mc:AlternateContent>
+      <mc:AlternateContent xmlns:mc="http://schemas.openxmlformats.org/markup-compatibility/2006">
+        <mc:Choice xmlns:a14="http://schemas.microsoft.com/office/drawing/2010/main" Requires="a14">
+          <p:sp>
+            <p:nvSpPr>
+              <p:cNvPr id="7" name="CuadroTexto 6">
+                <a:extLst>
+                  <a:ext uri="{FF2B5EF4-FFF2-40B4-BE49-F238E27FC236}">
+                    <a16:creationId xmlns:a16="http://schemas.microsoft.com/office/drawing/2014/main" id="{7B962E6D-BD32-642F-8EE8-1A19C9182785}"/>
+                  </a:ext>
+                </a:extLst>
+              </p:cNvPr>
+              <p:cNvSpPr txBox="1"/>
+              <p:nvPr/>
+            </p:nvSpPr>
+            <p:spPr>
+              <a:xfrm>
+                <a:off x="4103392" y="1361461"/>
+                <a:ext cx="1142364" cy="276999"/>
+              </a:xfrm>
+              <a:prstGeom prst="rect">
+                <a:avLst/>
+              </a:prstGeom>
+              <a:noFill/>
+            </p:spPr>
+            <p:txBody>
+              <a:bodyPr wrap="none" lIns="0" tIns="0" rIns="0" bIns="0" rtlCol="0">
+                <a:spAutoFit/>
+              </a:bodyPr>
+              <a:lstStyle/>
+              <a:p>
+                <a:pPr/>
+                <a14:m>
+                  <m:oMathPara xmlns:m="http://schemas.openxmlformats.org/officeDocument/2006/math">
+                    <m:oMathParaPr>
+                      <m:jc m:val="centerGroup"/>
+                    </m:oMathParaPr>
+                    <m:oMath xmlns:m="http://schemas.openxmlformats.org/officeDocument/2006/math">
+                      <m:sSub>
+                        <m:sSubPr>
+                          <m:ctrlPr>
+                            <a:rPr lang="es-CO" b="0" i="1" smtClean="0">
+                              <a:latin typeface="Cambria Math" panose="02040503050406030204" pitchFamily="18" charset="0"/>
+                            </a:rPr>
+                          </m:ctrlPr>
+                        </m:sSubPr>
+                        <m:e>
+                          <m:r>
+                            <a:rPr lang="es-CO" b="0" i="1" smtClean="0">
+                              <a:latin typeface="Cambria Math" panose="02040503050406030204" pitchFamily="18" charset="0"/>
+                            </a:rPr>
+                            <m:t>𝑙</m:t>
+                          </m:r>
+                        </m:e>
+                        <m:sub>
+                          <m:r>
+                            <a:rPr lang="es-CO" b="0" i="1" smtClean="0">
+                              <a:latin typeface="Cambria Math" panose="02040503050406030204" pitchFamily="18" charset="0"/>
+                            </a:rPr>
+                            <m:t>4</m:t>
+                          </m:r>
+                        </m:sub>
+                      </m:sSub>
+                      <m:r>
+                        <a:rPr lang="es-CO" b="0" i="1" smtClean="0">
+                          <a:latin typeface="Cambria Math" panose="02040503050406030204" pitchFamily="18" charset="0"/>
+                        </a:rPr>
+                        <m:t>⋅</m:t>
+                      </m:r>
+                      <m:func>
+                        <m:funcPr>
+                          <m:ctrlPr>
+                            <a:rPr lang="es-CO" b="0" i="1" smtClean="0">
+                              <a:latin typeface="Cambria Math" panose="02040503050406030204" pitchFamily="18" charset="0"/>
+                            </a:rPr>
+                          </m:ctrlPr>
+                        </m:funcPr>
+                        <m:fName>
+                          <m:r>
+                            <m:rPr>
+                              <m:sty m:val="p"/>
+                            </m:rPr>
+                            <a:rPr lang="es-CO" b="0" i="0" smtClean="0">
+                              <a:latin typeface="Cambria Math" panose="02040503050406030204" pitchFamily="18" charset="0"/>
+                            </a:rPr>
+                            <m:t>cos</m:t>
+                          </m:r>
+                        </m:fName>
+                        <m:e>
+                          <m:d>
+                            <m:dPr>
+                              <m:ctrlPr>
+                                <a:rPr lang="es-CO" b="0" i="1" smtClean="0">
+                                  <a:latin typeface="Cambria Math" panose="02040503050406030204" pitchFamily="18" charset="0"/>
+                                </a:rPr>
+                              </m:ctrlPr>
+                            </m:dPr>
+                            <m:e>
+                              <m:sSub>
+                                <m:sSubPr>
+                                  <m:ctrlPr>
+                                    <a:rPr lang="es-CO" b="0" i="1" smtClean="0">
+                                      <a:latin typeface="Cambria Math" panose="02040503050406030204" pitchFamily="18" charset="0"/>
+                                    </a:rPr>
+                                  </m:ctrlPr>
+                                </m:sSubPr>
+                                <m:e>
+                                  <m:r>
+                                    <a:rPr lang="es-CO" b="0" i="1" smtClean="0">
+                                      <a:latin typeface="Cambria Math" panose="02040503050406030204" pitchFamily="18" charset="0"/>
+                                    </a:rPr>
+                                    <m:t>𝑞</m:t>
+                                  </m:r>
+                                </m:e>
+                                <m:sub>
+                                  <m:r>
+                                    <a:rPr lang="es-CO" b="0" i="1" smtClean="0">
+                                      <a:latin typeface="Cambria Math" panose="02040503050406030204" pitchFamily="18" charset="0"/>
+                                    </a:rPr>
+                                    <m:t>4</m:t>
+                                  </m:r>
+                                </m:sub>
+                              </m:sSub>
+                            </m:e>
+                          </m:d>
+                        </m:e>
+                      </m:func>
+                    </m:oMath>
+                  </m:oMathPara>
+                </a14:m>
+                <a:endParaRPr lang="es-CO" dirty="0"/>
+              </a:p>
+            </p:txBody>
+          </p:sp>
+        </mc:Choice>
+        <mc:Fallback>
+          <p:sp>
+            <p:nvSpPr>
+              <p:cNvPr id="7" name="CuadroTexto 6">
+                <a:extLst>
+                  <a:ext uri="{FF2B5EF4-FFF2-40B4-BE49-F238E27FC236}">
+                    <a16:creationId xmlns:a16="http://schemas.microsoft.com/office/drawing/2014/main" id="{7B962E6D-BD32-642F-8EE8-1A19C9182785}"/>
+                  </a:ext>
+                </a:extLst>
+              </p:cNvPr>
+              <p:cNvSpPr txBox="1">
+                <a:spLocks noRot="1" noChangeAspect="1" noMove="1" noResize="1" noEditPoints="1" noAdjustHandles="1" noChangeArrowheads="1" noChangeShapeType="1" noTextEdit="1"/>
+              </p:cNvSpPr>
+              <p:nvPr/>
+            </p:nvSpPr>
+            <p:spPr>
+              <a:xfrm>
+                <a:off x="4103392" y="1361461"/>
+                <a:ext cx="1142364" cy="276999"/>
+              </a:xfrm>
+              <a:prstGeom prst="rect">
+                <a:avLst/>
+              </a:prstGeom>
+              <a:blipFill>
+                <a:blip r:embed="rId11"/>
+                <a:stretch>
+                  <a:fillRect l="-4787" b="-23913"/>
+                </a:stretch>
+              </a:blipFill>
+            </p:spPr>
+            <p:txBody>
+              <a:bodyPr/>
+              <a:lstStyle/>
+              <a:p>
+                <a:r>
+                  <a:rPr lang="es-CO">
+                    <a:noFill/>
+                  </a:rPr>
+                  <a:t> </a:t>
+                </a:r>
+              </a:p>
+            </p:txBody>
+          </p:sp>
+        </mc:Fallback>
+      </mc:AlternateContent>
+      <mc:AlternateContent xmlns:mc="http://schemas.openxmlformats.org/markup-compatibility/2006">
+        <mc:Choice xmlns:a14="http://schemas.microsoft.com/office/drawing/2010/main" Requires="a14">
+          <p:sp>
+            <p:nvSpPr>
+              <p:cNvPr id="9" name="CuadroTexto 8">
+                <a:extLst>
+                  <a:ext uri="{FF2B5EF4-FFF2-40B4-BE49-F238E27FC236}">
+                    <a16:creationId xmlns:a16="http://schemas.microsoft.com/office/drawing/2014/main" id="{CC5C2F22-1A72-DCC4-2442-7562792418F6}"/>
+                  </a:ext>
+                </a:extLst>
+              </p:cNvPr>
+              <p:cNvSpPr txBox="1"/>
+              <p:nvPr/>
+            </p:nvSpPr>
+            <p:spPr>
+              <a:xfrm>
+                <a:off x="5483461" y="2262471"/>
+                <a:ext cx="976358" cy="276999"/>
+              </a:xfrm>
+              <a:prstGeom prst="rect">
+                <a:avLst/>
+              </a:prstGeom>
+              <a:noFill/>
+            </p:spPr>
+            <p:txBody>
+              <a:bodyPr wrap="none" lIns="0" tIns="0" rIns="0" bIns="0" rtlCol="0">
+                <a:spAutoFit/>
+              </a:bodyPr>
+              <a:lstStyle/>
+              <a:p>
+                <a:pPr/>
+                <a14:m>
+                  <m:oMathPara xmlns:m="http://schemas.openxmlformats.org/officeDocument/2006/math">
+                    <m:oMathParaPr>
+                      <m:jc m:val="centerGroup"/>
+                    </m:oMathParaPr>
+                    <m:oMath xmlns:m="http://schemas.openxmlformats.org/officeDocument/2006/math">
+                      <m:d>
+                        <m:dPr>
+                          <m:ctrlPr>
+                            <a:rPr lang="es-CO" b="0" i="1" smtClean="0">
+                              <a:latin typeface="Cambria Math" panose="02040503050406030204" pitchFamily="18" charset="0"/>
+                            </a:rPr>
+                          </m:ctrlPr>
+                        </m:dPr>
+                        <m:e>
+                          <m:sSub>
+                            <m:sSubPr>
+                              <m:ctrlPr>
+                                <a:rPr lang="es-CO" b="0" i="1" smtClean="0">
+                                  <a:latin typeface="Cambria Math" panose="02040503050406030204" pitchFamily="18" charset="0"/>
+                                </a:rPr>
+                              </m:ctrlPr>
+                            </m:sSubPr>
+                            <m:e>
+                              <m:r>
+                                <a:rPr lang="es-CO" b="0" i="1" smtClean="0">
+                                  <a:latin typeface="Cambria Math" panose="02040503050406030204" pitchFamily="18" charset="0"/>
+                                </a:rPr>
+                                <m:t>𝑥</m:t>
+                              </m:r>
+                            </m:e>
+                            <m:sub>
+                              <m:r>
+                                <a:rPr lang="es-CO" b="0" i="1" smtClean="0">
+                                  <a:latin typeface="Cambria Math" panose="02040503050406030204" pitchFamily="18" charset="0"/>
+                                </a:rPr>
+                                <m:t>𝑊</m:t>
+                              </m:r>
+                            </m:sub>
+                          </m:sSub>
+                          <m:r>
+                            <a:rPr lang="es-CO" b="0" i="1" smtClean="0">
+                              <a:latin typeface="Cambria Math" panose="02040503050406030204" pitchFamily="18" charset="0"/>
+                            </a:rPr>
+                            <m:t> , </m:t>
+                          </m:r>
+                          <m:sSub>
+                            <m:sSubPr>
+                              <m:ctrlPr>
+                                <a:rPr lang="es-CO" b="0" i="1" smtClean="0">
+                                  <a:latin typeface="Cambria Math" panose="02040503050406030204" pitchFamily="18" charset="0"/>
+                                </a:rPr>
+                              </m:ctrlPr>
+                            </m:sSubPr>
+                            <m:e>
+                              <m:r>
+                                <a:rPr lang="es-CO" b="0" i="1" smtClean="0">
+                                  <a:latin typeface="Cambria Math" panose="02040503050406030204" pitchFamily="18" charset="0"/>
+                                </a:rPr>
+                                <m:t>𝑦</m:t>
+                              </m:r>
+                            </m:e>
+                            <m:sub>
+                              <m:r>
+                                <a:rPr lang="es-CO" b="0" i="1" smtClean="0">
+                                  <a:latin typeface="Cambria Math" panose="02040503050406030204" pitchFamily="18" charset="0"/>
+                                </a:rPr>
+                                <m:t>𝑊</m:t>
+                              </m:r>
+                            </m:sub>
+                          </m:sSub>
+                        </m:e>
+                      </m:d>
+                    </m:oMath>
+                  </m:oMathPara>
+                </a14:m>
+                <a:endParaRPr lang="es-CO" dirty="0"/>
+              </a:p>
+            </p:txBody>
+          </p:sp>
+        </mc:Choice>
+        <mc:Fallback>
+          <p:sp>
+            <p:nvSpPr>
+              <p:cNvPr id="9" name="CuadroTexto 8">
+                <a:extLst>
+                  <a:ext uri="{FF2B5EF4-FFF2-40B4-BE49-F238E27FC236}">
+                    <a16:creationId xmlns:a16="http://schemas.microsoft.com/office/drawing/2014/main" id="{CC5C2F22-1A72-DCC4-2442-7562792418F6}"/>
+                  </a:ext>
+                </a:extLst>
+              </p:cNvPr>
+              <p:cNvSpPr txBox="1">
+                <a:spLocks noRot="1" noChangeAspect="1" noMove="1" noResize="1" noEditPoints="1" noAdjustHandles="1" noChangeArrowheads="1" noChangeShapeType="1" noTextEdit="1"/>
+              </p:cNvSpPr>
+              <p:nvPr/>
+            </p:nvSpPr>
+            <p:spPr>
+              <a:xfrm>
+                <a:off x="5483461" y="2262471"/>
+                <a:ext cx="976358" cy="276999"/>
+              </a:xfrm>
+              <a:prstGeom prst="rect">
+                <a:avLst/>
+              </a:prstGeom>
+              <a:blipFill>
+                <a:blip r:embed="rId12"/>
+                <a:stretch>
+                  <a:fillRect b="-23913"/>
+                </a:stretch>
+              </a:blipFill>
+            </p:spPr>
+            <p:txBody>
+              <a:bodyPr/>
+              <a:lstStyle/>
+              <a:p>
+                <a:r>
+                  <a:rPr lang="es-CO">
+                    <a:noFill/>
+                  </a:rPr>
+                  <a:t> </a:t>
+                </a:r>
+              </a:p>
+            </p:txBody>
+          </p:sp>
+        </mc:Fallback>
+      </mc:AlternateContent>
+      <p:sp>
+        <p:nvSpPr>
+          <p:cNvPr id="10" name="Rectángulo 9">
+            <a:extLst>
+              <a:ext uri="{FF2B5EF4-FFF2-40B4-BE49-F238E27FC236}">
+                <a16:creationId xmlns:a16="http://schemas.microsoft.com/office/drawing/2014/main" id="{2F8B9CA3-77AF-3CED-6AEF-4EDBB86084E0}"/>
+              </a:ext>
+            </a:extLst>
+          </p:cNvPr>
+          <p:cNvSpPr/>
+          <p:nvPr/>
+        </p:nvSpPr>
+        <p:spPr>
+          <a:xfrm rot="18889984">
+            <a:off x="4994228" y="2085355"/>
+            <a:ext cx="254219" cy="245042"/>
+          </a:xfrm>
+          <a:prstGeom prst="rect">
+            <a:avLst/>
+          </a:prstGeom>
+          <a:noFill/>
+        </p:spPr>
+        <p:style>
+          <a:lnRef idx="2">
+            <a:schemeClr val="accent1">
+              <a:shade val="50000"/>
+            </a:schemeClr>
+          </a:lnRef>
+          <a:fillRef idx="1">
+            <a:schemeClr val="accent1"/>
+          </a:fillRef>
+          <a:effectRef idx="0">
+            <a:schemeClr val="accent1"/>
+          </a:effectRef>
+          <a:fontRef idx="minor">
+            <a:schemeClr val="lt1"/>
+          </a:fontRef>
+        </p:style>
+        <p:txBody>
+          <a:bodyPr rtlCol="0" anchor="ctr"/>
+          <a:lstStyle/>
+          <a:p>
+            <a:pPr algn="ctr"/>
+            <a:endParaRPr lang="es-CO"/>
+          </a:p>
+        </p:txBody>
+      </p:sp>
+      <p:sp>
+        <p:nvSpPr>
+          <p:cNvPr id="5" name="Elipse 4">
+            <a:extLst>
+              <a:ext uri="{FF2B5EF4-FFF2-40B4-BE49-F238E27FC236}">
+                <a16:creationId xmlns:a16="http://schemas.microsoft.com/office/drawing/2014/main" id="{9BD53BC9-704F-43CA-34C6-DE821630CDDB}"/>
+              </a:ext>
+            </a:extLst>
+          </p:cNvPr>
+          <p:cNvSpPr/>
+          <p:nvPr/>
+        </p:nvSpPr>
+        <p:spPr>
+          <a:xfrm>
+            <a:off x="5145833" y="2057399"/>
+            <a:ext cx="289249" cy="289249"/>
+          </a:xfrm>
+          <a:prstGeom prst="ellipse">
+            <a:avLst/>
+          </a:prstGeom>
+        </p:spPr>
+        <p:style>
+          <a:lnRef idx="2">
+            <a:schemeClr val="accent1">
+              <a:shade val="50000"/>
+            </a:schemeClr>
+          </a:lnRef>
+          <a:fillRef idx="1">
+            <a:schemeClr val="accent1"/>
+          </a:fillRef>
+          <a:effectRef idx="0">
+            <a:schemeClr val="accent1"/>
+          </a:effectRef>
+          <a:fontRef idx="minor">
+            <a:schemeClr val="lt1"/>
+          </a:fontRef>
+        </p:style>
+        <p:txBody>
+          <a:bodyPr rtlCol="0" anchor="ctr"/>
+          <a:lstStyle/>
+          <a:p>
+            <a:pPr algn="ctr"/>
+            <a:endParaRPr lang="es-CO"/>
+          </a:p>
+        </p:txBody>
+      </p:sp>
+      <p:cxnSp>
+        <p:nvCxnSpPr>
+          <p:cNvPr id="13" name="Conector recto 12">
+            <a:extLst>
+              <a:ext uri="{FF2B5EF4-FFF2-40B4-BE49-F238E27FC236}">
+                <a16:creationId xmlns:a16="http://schemas.microsoft.com/office/drawing/2014/main" id="{032F02F5-8FDA-5D0F-488F-575B07DF5633}"/>
+              </a:ext>
+            </a:extLst>
+          </p:cNvPr>
+          <p:cNvCxnSpPr>
+            <a:cxnSpLocks/>
+            <a:endCxn id="76" idx="3"/>
+          </p:cNvCxnSpPr>
+          <p:nvPr/>
+        </p:nvCxnSpPr>
+        <p:spPr>
+          <a:xfrm flipV="1">
+            <a:off x="5290457" y="1424786"/>
+            <a:ext cx="273432" cy="793805"/>
+          </a:xfrm>
+          <a:prstGeom prst="line">
+            <a:avLst/>
+          </a:prstGeom>
+        </p:spPr>
+        <p:style>
+          <a:lnRef idx="1">
+            <a:schemeClr val="accent1"/>
+          </a:lnRef>
+          <a:fillRef idx="0">
+            <a:schemeClr val="accent1"/>
+          </a:fillRef>
+          <a:effectRef idx="0">
+            <a:schemeClr val="accent1"/>
+          </a:effectRef>
+          <a:fontRef idx="minor">
+            <a:schemeClr val="tx1"/>
+          </a:fontRef>
+        </p:style>
+      </p:cxnSp>
+      <mc:AlternateContent xmlns:mc="http://schemas.openxmlformats.org/markup-compatibility/2006">
+        <mc:Choice xmlns:a14="http://schemas.microsoft.com/office/drawing/2010/main" Requires="a14">
+          <p:sp>
+            <p:nvSpPr>
+              <p:cNvPr id="15" name="CuadroTexto 14">
+                <a:extLst>
+                  <a:ext uri="{FF2B5EF4-FFF2-40B4-BE49-F238E27FC236}">
+                    <a16:creationId xmlns:a16="http://schemas.microsoft.com/office/drawing/2014/main" id="{C2504248-5968-04D0-3CC7-D38AC18EDAE4}"/>
+                  </a:ext>
+                </a:extLst>
+              </p:cNvPr>
+              <p:cNvSpPr txBox="1"/>
+              <p:nvPr/>
+            </p:nvSpPr>
+            <p:spPr>
+              <a:xfrm>
+                <a:off x="3930593" y="2717973"/>
+                <a:ext cx="193258" cy="276999"/>
+              </a:xfrm>
+              <a:prstGeom prst="rect">
+                <a:avLst/>
+              </a:prstGeom>
+              <a:noFill/>
+            </p:spPr>
+            <p:txBody>
+              <a:bodyPr wrap="none" lIns="0" tIns="0" rIns="0" bIns="0" rtlCol="0">
+                <a:spAutoFit/>
+              </a:bodyPr>
+              <a:lstStyle/>
+              <a:p>
+                <a:pPr/>
+                <a14:m>
+                  <m:oMathPara xmlns:m="http://schemas.openxmlformats.org/officeDocument/2006/math">
+                    <m:oMathParaPr>
+                      <m:jc m:val="centerGroup"/>
+                    </m:oMathParaPr>
+                    <m:oMath xmlns:m="http://schemas.openxmlformats.org/officeDocument/2006/math">
+                      <m:r>
+                        <a:rPr lang="es-CO" b="0" i="1" smtClean="0">
+                          <a:latin typeface="Cambria Math" panose="02040503050406030204" pitchFamily="18" charset="0"/>
+                        </a:rPr>
+                        <m:t>𝑑</m:t>
+                      </m:r>
+                    </m:oMath>
+                  </m:oMathPara>
+                </a14:m>
+                <a:endParaRPr lang="es-CO" dirty="0"/>
+              </a:p>
+            </p:txBody>
+          </p:sp>
+        </mc:Choice>
+        <mc:Fallback>
+          <p:sp>
+            <p:nvSpPr>
+              <p:cNvPr id="15" name="CuadroTexto 14">
+                <a:extLst>
+                  <a:ext uri="{FF2B5EF4-FFF2-40B4-BE49-F238E27FC236}">
+                    <a16:creationId xmlns:a16="http://schemas.microsoft.com/office/drawing/2014/main" id="{C2504248-5968-04D0-3CC7-D38AC18EDAE4}"/>
+                  </a:ext>
+                </a:extLst>
+              </p:cNvPr>
+              <p:cNvSpPr txBox="1">
+                <a:spLocks noRot="1" noChangeAspect="1" noMove="1" noResize="1" noEditPoints="1" noAdjustHandles="1" noChangeArrowheads="1" noChangeShapeType="1" noTextEdit="1"/>
+              </p:cNvSpPr>
+              <p:nvPr/>
+            </p:nvSpPr>
+            <p:spPr>
+              <a:xfrm>
+                <a:off x="3930593" y="2717973"/>
+                <a:ext cx="193258" cy="276999"/>
+              </a:xfrm>
+              <a:prstGeom prst="rect">
+                <a:avLst/>
+              </a:prstGeom>
+              <a:blipFill>
+                <a:blip r:embed="rId13"/>
+                <a:stretch>
+                  <a:fillRect l="-32258" r="-29032" b="-8889"/>
+                </a:stretch>
+              </a:blipFill>
+            </p:spPr>
+            <p:txBody>
+              <a:bodyPr/>
+              <a:lstStyle/>
+              <a:p>
+                <a:r>
+                  <a:rPr lang="es-CO">
+                    <a:noFill/>
+                  </a:rPr>
+                  <a:t> </a:t>
+                </a:r>
+              </a:p>
+            </p:txBody>
+          </p:sp>
+        </mc:Fallback>
+      </mc:AlternateContent>
+      <p:sp>
+        <p:nvSpPr>
+          <p:cNvPr id="16" name="Arco 15">
+            <a:extLst>
+              <a:ext uri="{FF2B5EF4-FFF2-40B4-BE49-F238E27FC236}">
+                <a16:creationId xmlns:a16="http://schemas.microsoft.com/office/drawing/2014/main" id="{B6CA30AF-66E8-1620-F096-D845667F82D7}"/>
+              </a:ext>
+            </a:extLst>
+          </p:cNvPr>
+          <p:cNvSpPr/>
+          <p:nvPr/>
+        </p:nvSpPr>
+        <p:spPr>
+          <a:xfrm>
+            <a:off x="2431752" y="4236737"/>
+            <a:ext cx="1481309" cy="1236742"/>
+          </a:xfrm>
+          <a:prstGeom prst="arc">
+            <a:avLst/>
+          </a:prstGeom>
+          <a:ln>
+            <a:solidFill>
+              <a:schemeClr val="accent6">
+                <a:lumMod val="75000"/>
+              </a:schemeClr>
+            </a:solidFill>
+          </a:ln>
+        </p:spPr>
+        <p:style>
+          <a:lnRef idx="1">
+            <a:schemeClr val="accent1"/>
+          </a:lnRef>
+          <a:fillRef idx="0">
+            <a:schemeClr val="accent1"/>
+          </a:fillRef>
+          <a:effectRef idx="0">
+            <a:schemeClr val="accent1"/>
+          </a:effectRef>
+          <a:fontRef idx="minor">
+            <a:schemeClr val="tx1"/>
+          </a:fontRef>
+        </p:style>
+        <p:txBody>
+          <a:bodyPr rtlCol="0" anchor="ctr"/>
+          <a:lstStyle/>
+          <a:p>
+            <a:pPr algn="ctr"/>
+            <a:endParaRPr lang="es-CO"/>
+          </a:p>
+        </p:txBody>
+      </p:sp>
+      <mc:AlternateContent xmlns:mc="http://schemas.openxmlformats.org/markup-compatibility/2006">
+        <mc:Choice xmlns:a14="http://schemas.microsoft.com/office/drawing/2010/main" Requires="a14">
+          <p:sp>
+            <p:nvSpPr>
+              <p:cNvPr id="17" name="CuadroTexto 16">
+                <a:extLst>
+                  <a:ext uri="{FF2B5EF4-FFF2-40B4-BE49-F238E27FC236}">
+                    <a16:creationId xmlns:a16="http://schemas.microsoft.com/office/drawing/2014/main" id="{3FD97749-3451-FBA0-5E61-85CCE4011CA7}"/>
+                  </a:ext>
+                </a:extLst>
+              </p:cNvPr>
+              <p:cNvSpPr txBox="1"/>
+              <p:nvPr/>
+            </p:nvSpPr>
+            <p:spPr>
+              <a:xfrm>
+                <a:off x="3225274" y="3917188"/>
+                <a:ext cx="218200" cy="276999"/>
+              </a:xfrm>
+              <a:prstGeom prst="rect">
+                <a:avLst/>
+              </a:prstGeom>
+              <a:noFill/>
+            </p:spPr>
+            <p:txBody>
+              <a:bodyPr wrap="none" lIns="0" tIns="0" rIns="0" bIns="0" rtlCol="0">
+                <a:spAutoFit/>
+              </a:bodyPr>
+              <a:lstStyle/>
+              <a:p>
+                <a:pPr/>
+                <a14:m>
+                  <m:oMathPara xmlns:m="http://schemas.openxmlformats.org/officeDocument/2006/math">
+                    <m:oMathParaPr>
+                      <m:jc m:val="centerGroup"/>
+                    </m:oMathParaPr>
+                    <m:oMath xmlns:m="http://schemas.openxmlformats.org/officeDocument/2006/math">
+                      <m:r>
+                        <a:rPr lang="es-CO" b="0" i="1" smtClean="0">
+                          <a:latin typeface="Cambria Math" panose="02040503050406030204" pitchFamily="18" charset="0"/>
+                        </a:rPr>
+                        <m:t>𝜓</m:t>
+                      </m:r>
+                    </m:oMath>
+                  </m:oMathPara>
+                </a14:m>
+                <a:endParaRPr lang="es-CO" dirty="0"/>
+              </a:p>
+            </p:txBody>
+          </p:sp>
+        </mc:Choice>
+        <mc:Fallback>
+          <p:sp>
+            <p:nvSpPr>
+              <p:cNvPr id="17" name="CuadroTexto 16">
+                <a:extLst>
+                  <a:ext uri="{FF2B5EF4-FFF2-40B4-BE49-F238E27FC236}">
+                    <a16:creationId xmlns:a16="http://schemas.microsoft.com/office/drawing/2014/main" id="{3FD97749-3451-FBA0-5E61-85CCE4011CA7}"/>
+                  </a:ext>
+                </a:extLst>
+              </p:cNvPr>
+              <p:cNvSpPr txBox="1">
+                <a:spLocks noRot="1" noChangeAspect="1" noMove="1" noResize="1" noEditPoints="1" noAdjustHandles="1" noChangeArrowheads="1" noChangeShapeType="1" noTextEdit="1"/>
+              </p:cNvSpPr>
+              <p:nvPr/>
+            </p:nvSpPr>
+            <p:spPr>
+              <a:xfrm>
+                <a:off x="3225274" y="3917188"/>
+                <a:ext cx="218200" cy="276999"/>
+              </a:xfrm>
+              <a:prstGeom prst="rect">
+                <a:avLst/>
+              </a:prstGeom>
+              <a:blipFill>
+                <a:blip r:embed="rId14"/>
+                <a:stretch>
+                  <a:fillRect l="-38889" t="-4444" r="-36111" b="-35556"/>
+                </a:stretch>
+              </a:blipFill>
+            </p:spPr>
+            <p:txBody>
+              <a:bodyPr/>
+              <a:lstStyle/>
+              <a:p>
+                <a:r>
+                  <a:rPr lang="es-CO">
+                    <a:noFill/>
+                  </a:rPr>
+                  <a:t> </a:t>
+                </a:r>
+              </a:p>
+            </p:txBody>
+          </p:sp>
+        </mc:Fallback>
+      </mc:AlternateContent>
+      <mc:AlternateContent xmlns:mc="http://schemas.openxmlformats.org/markup-compatibility/2006">
+        <mc:Choice xmlns:a14="http://schemas.microsoft.com/office/drawing/2010/main" Requires="a14">
+          <p:sp>
+            <p:nvSpPr>
+              <p:cNvPr id="19" name="CuadroTexto 18">
+                <a:extLst>
+                  <a:ext uri="{FF2B5EF4-FFF2-40B4-BE49-F238E27FC236}">
+                    <a16:creationId xmlns:a16="http://schemas.microsoft.com/office/drawing/2014/main" id="{80175CA2-A156-3D5C-97BA-A3F0F81E5A9F}"/>
+                  </a:ext>
+                </a:extLst>
+              </p:cNvPr>
+              <p:cNvSpPr txBox="1"/>
+              <p:nvPr/>
+            </p:nvSpPr>
+            <p:spPr>
+              <a:xfrm>
+                <a:off x="5487562" y="1509291"/>
+                <a:ext cx="1998881" cy="563680"/>
+              </a:xfrm>
+              <a:prstGeom prst="rect">
+                <a:avLst/>
+              </a:prstGeom>
+              <a:noFill/>
+            </p:spPr>
+            <p:txBody>
+              <a:bodyPr wrap="none" lIns="0" tIns="0" rIns="0" bIns="0" rtlCol="0">
+                <a:spAutoFit/>
+              </a:bodyPr>
+              <a:lstStyle/>
+              <a:p>
+                <a14:m>
+                  <m:oMathPara xmlns:m="http://schemas.openxmlformats.org/officeDocument/2006/math">
+                    <m:oMathParaPr>
+                      <m:jc m:val="centerGroup"/>
+                    </m:oMathParaPr>
+                    <m:oMath xmlns:m="http://schemas.openxmlformats.org/officeDocument/2006/math">
+                      <m:rad>
+                        <m:radPr>
+                          <m:degHide m:val="on"/>
+                          <m:ctrlPr>
+                            <a:rPr lang="es-CO" i="1" smtClean="0">
+                              <a:latin typeface="Cambria Math" panose="02040503050406030204" pitchFamily="18" charset="0"/>
+                            </a:rPr>
+                          </m:ctrlPr>
+                        </m:radPr>
+                        <m:deg/>
+                        <m:e>
+                          <m:sSup>
+                            <m:sSupPr>
+                              <m:ctrlPr>
+                                <a:rPr lang="es-CO" b="0" i="1" smtClean="0">
+                                  <a:latin typeface="Cambria Math" panose="02040503050406030204" pitchFamily="18" charset="0"/>
+                                </a:rPr>
+                              </m:ctrlPr>
+                            </m:sSupPr>
+                            <m:e>
+                              <m:r>
+                                <a:rPr lang="es-CO" b="0" i="1" smtClean="0">
+                                  <a:latin typeface="Cambria Math" panose="02040503050406030204" pitchFamily="18" charset="0"/>
+                                </a:rPr>
+                                <m:t>𝑒</m:t>
+                              </m:r>
+                            </m:e>
+                            <m:sup>
+                              <m:r>
+                                <a:rPr lang="es-CO" b="0" i="1" smtClean="0">
+                                  <a:latin typeface="Cambria Math" panose="02040503050406030204" pitchFamily="18" charset="0"/>
+                                </a:rPr>
+                                <m:t>2</m:t>
+                              </m:r>
+                            </m:sup>
+                          </m:sSup>
+                          <m:r>
+                            <a:rPr lang="es-CO" b="0" i="1" smtClean="0">
+                              <a:latin typeface="Cambria Math" panose="02040503050406030204" pitchFamily="18" charset="0"/>
+                            </a:rPr>
+                            <m:t>+</m:t>
+                          </m:r>
+                          <m:sSubSup>
+                            <m:sSubSupPr>
+                              <m:ctrlPr>
+                                <a:rPr lang="es-CO" b="0" i="1" smtClean="0">
+                                  <a:latin typeface="Cambria Math" panose="02040503050406030204" pitchFamily="18" charset="0"/>
+                                </a:rPr>
+                              </m:ctrlPr>
+                            </m:sSubSupPr>
+                            <m:e>
+                              <m:r>
+                                <a:rPr lang="es-CO" b="0" i="1" smtClean="0">
+                                  <a:latin typeface="Cambria Math" panose="02040503050406030204" pitchFamily="18" charset="0"/>
+                                </a:rPr>
+                                <m:t>𝑙</m:t>
+                              </m:r>
+                            </m:e>
+                            <m:sub>
+                              <m:r>
+                                <a:rPr lang="es-CO" b="0" i="1" smtClean="0">
+                                  <a:latin typeface="Cambria Math" panose="02040503050406030204" pitchFamily="18" charset="0"/>
+                                </a:rPr>
+                                <m:t>4</m:t>
+                              </m:r>
+                            </m:sub>
+                            <m:sup>
+                              <m:r>
+                                <a:rPr lang="es-CO" b="0" i="1" smtClean="0">
+                                  <a:latin typeface="Cambria Math" panose="02040503050406030204" pitchFamily="18" charset="0"/>
+                                </a:rPr>
+                                <m:t>2</m:t>
+                              </m:r>
+                            </m:sup>
+                          </m:sSubSup>
+                          <m:r>
+                            <a:rPr lang="es-CO" b="0" i="1" smtClean="0">
+                              <a:latin typeface="Cambria Math" panose="02040503050406030204" pitchFamily="18" charset="0"/>
+                            </a:rPr>
+                            <m:t>⋅</m:t>
+                          </m:r>
+                          <m:func>
+                            <m:funcPr>
+                              <m:ctrlPr>
+                                <a:rPr lang="es-CO" b="0" i="1" smtClean="0">
+                                  <a:latin typeface="Cambria Math" panose="02040503050406030204" pitchFamily="18" charset="0"/>
+                                </a:rPr>
+                              </m:ctrlPr>
+                            </m:funcPr>
+                            <m:fName>
+                              <m:sSup>
+                                <m:sSupPr>
+                                  <m:ctrlPr>
+                                    <a:rPr lang="es-CO" b="0" i="1" smtClean="0">
+                                      <a:latin typeface="Cambria Math" panose="02040503050406030204" pitchFamily="18" charset="0"/>
+                                    </a:rPr>
+                                  </m:ctrlPr>
+                                </m:sSupPr>
+                                <m:e>
+                                  <m:r>
+                                    <m:rPr>
+                                      <m:sty m:val="p"/>
+                                    </m:rPr>
+                                    <a:rPr lang="es-CO" b="0" i="0" smtClean="0">
+                                      <a:latin typeface="Cambria Math" panose="02040503050406030204" pitchFamily="18" charset="0"/>
+                                    </a:rPr>
+                                    <m:t>cos</m:t>
+                                  </m:r>
+                                </m:e>
+                                <m:sup>
+                                  <m:r>
+                                    <a:rPr lang="es-CO" b="0" i="1" smtClean="0">
+                                      <a:latin typeface="Cambria Math" panose="02040503050406030204" pitchFamily="18" charset="0"/>
+                                    </a:rPr>
+                                    <m:t>2</m:t>
+                                  </m:r>
+                                </m:sup>
+                              </m:sSup>
+                            </m:fName>
+                            <m:e>
+                              <m:r>
+                                <a:rPr lang="es-CO" b="0" i="1" smtClean="0">
+                                  <a:latin typeface="Cambria Math" panose="02040503050406030204" pitchFamily="18" charset="0"/>
+                                </a:rPr>
+                                <m:t>(</m:t>
+                              </m:r>
+                              <m:sSub>
+                                <m:sSubPr>
+                                  <m:ctrlPr>
+                                    <a:rPr lang="es-CO" b="0" i="1" smtClean="0">
+                                      <a:latin typeface="Cambria Math" panose="02040503050406030204" pitchFamily="18" charset="0"/>
+                                    </a:rPr>
+                                  </m:ctrlPr>
+                                </m:sSubPr>
+                                <m:e>
+                                  <m:r>
+                                    <a:rPr lang="es-CO" b="0" i="1" smtClean="0">
+                                      <a:latin typeface="Cambria Math" panose="02040503050406030204" pitchFamily="18" charset="0"/>
+                                    </a:rPr>
+                                    <m:t>𝑞</m:t>
+                                  </m:r>
+                                </m:e>
+                                <m:sub>
+                                  <m:r>
+                                    <a:rPr lang="es-CO" b="0" i="1" smtClean="0">
+                                      <a:latin typeface="Cambria Math" panose="02040503050406030204" pitchFamily="18" charset="0"/>
+                                    </a:rPr>
+                                    <m:t>4</m:t>
+                                  </m:r>
+                                </m:sub>
+                              </m:sSub>
+                              <m:r>
+                                <a:rPr lang="es-CO" b="0" i="1" smtClean="0">
+                                  <a:latin typeface="Cambria Math" panose="02040503050406030204" pitchFamily="18" charset="0"/>
+                                </a:rPr>
+                                <m:t>)</m:t>
+                              </m:r>
+                            </m:e>
+                          </m:func>
+                        </m:e>
+                      </m:rad>
+                      <m:r>
+                        <a:rPr lang="es-CO" b="0" i="1" smtClean="0">
+                          <a:latin typeface="Cambria Math" panose="02040503050406030204" pitchFamily="18" charset="0"/>
+                        </a:rPr>
+                        <m:t> </m:t>
+                      </m:r>
+                    </m:oMath>
+                  </m:oMathPara>
+                </a14:m>
+                <a:endParaRPr lang="es-CO" dirty="0"/>
+              </a:p>
+            </p:txBody>
+          </p:sp>
+        </mc:Choice>
+        <mc:Fallback>
+          <p:sp>
+            <p:nvSpPr>
+              <p:cNvPr id="19" name="CuadroTexto 18">
+                <a:extLst>
+                  <a:ext uri="{FF2B5EF4-FFF2-40B4-BE49-F238E27FC236}">
+                    <a16:creationId xmlns:a16="http://schemas.microsoft.com/office/drawing/2014/main" id="{80175CA2-A156-3D5C-97BA-A3F0F81E5A9F}"/>
+                  </a:ext>
+                </a:extLst>
+              </p:cNvPr>
+              <p:cNvSpPr txBox="1">
+                <a:spLocks noRot="1" noChangeAspect="1" noMove="1" noResize="1" noEditPoints="1" noAdjustHandles="1" noChangeArrowheads="1" noChangeShapeType="1" noTextEdit="1"/>
+              </p:cNvSpPr>
+              <p:nvPr/>
+            </p:nvSpPr>
+            <p:spPr>
+              <a:xfrm>
+                <a:off x="5487562" y="1509291"/>
+                <a:ext cx="1998881" cy="563680"/>
+              </a:xfrm>
+              <a:prstGeom prst="rect">
+                <a:avLst/>
+              </a:prstGeom>
+              <a:blipFill>
+                <a:blip r:embed="rId15"/>
+                <a:stretch>
+                  <a:fillRect b="-1087"/>
+                </a:stretch>
+              </a:blipFill>
+            </p:spPr>
+            <p:txBody>
+              <a:bodyPr/>
+              <a:lstStyle/>
+              <a:p>
+                <a:r>
+                  <a:rPr lang="es-CO">
+                    <a:noFill/>
+                  </a:rPr>
+                  <a:t> </a:t>
+                </a:r>
+              </a:p>
+            </p:txBody>
+          </p:sp>
+        </mc:Fallback>
+      </mc:AlternateContent>
+      <p:sp>
+        <p:nvSpPr>
+          <p:cNvPr id="22" name="Arco 21">
+            <a:extLst>
+              <a:ext uri="{FF2B5EF4-FFF2-40B4-BE49-F238E27FC236}">
+                <a16:creationId xmlns:a16="http://schemas.microsoft.com/office/drawing/2014/main" id="{81F65742-3F10-A44D-7A23-6092647F0CB5}"/>
+              </a:ext>
+            </a:extLst>
+          </p:cNvPr>
+          <p:cNvSpPr/>
+          <p:nvPr/>
+        </p:nvSpPr>
+        <p:spPr>
+          <a:xfrm rot="19122406">
+            <a:off x="5047849" y="1991367"/>
+            <a:ext cx="351653" cy="298385"/>
+          </a:xfrm>
+          <a:prstGeom prst="arc">
+            <a:avLst/>
+          </a:prstGeom>
+          <a:ln>
+            <a:solidFill>
+              <a:schemeClr val="accent6">
+                <a:lumMod val="75000"/>
+              </a:schemeClr>
+            </a:solidFill>
+          </a:ln>
+        </p:spPr>
+        <p:style>
+          <a:lnRef idx="1">
+            <a:schemeClr val="accent1"/>
+          </a:lnRef>
+          <a:fillRef idx="0">
+            <a:schemeClr val="accent1"/>
+          </a:fillRef>
+          <a:effectRef idx="0">
+            <a:schemeClr val="accent1"/>
+          </a:effectRef>
+          <a:fontRef idx="minor">
+            <a:schemeClr val="tx1"/>
+          </a:fontRef>
+        </p:style>
+        <p:txBody>
+          <a:bodyPr rtlCol="0" anchor="ctr"/>
+          <a:lstStyle/>
+          <a:p>
+            <a:pPr algn="ctr"/>
+            <a:endParaRPr lang="es-CO"/>
+          </a:p>
+        </p:txBody>
+      </p:sp>
+      <mc:AlternateContent xmlns:mc="http://schemas.openxmlformats.org/markup-compatibility/2006">
+        <mc:Choice xmlns:a14="http://schemas.microsoft.com/office/drawing/2010/main" Requires="a14">
+          <p:sp>
+            <p:nvSpPr>
+              <p:cNvPr id="23" name="CuadroTexto 22">
+                <a:extLst>
+                  <a:ext uri="{FF2B5EF4-FFF2-40B4-BE49-F238E27FC236}">
+                    <a16:creationId xmlns:a16="http://schemas.microsoft.com/office/drawing/2014/main" id="{F00EC0E2-97A1-69BA-298B-43C373B667CE}"/>
+                  </a:ext>
+                </a:extLst>
+              </p:cNvPr>
+              <p:cNvSpPr txBox="1"/>
+              <p:nvPr/>
+            </p:nvSpPr>
+            <p:spPr>
+              <a:xfrm>
+                <a:off x="5229878" y="1736520"/>
+                <a:ext cx="185372" cy="276999"/>
+              </a:xfrm>
+              <a:prstGeom prst="rect">
+                <a:avLst/>
+              </a:prstGeom>
+              <a:noFill/>
+            </p:spPr>
+            <p:txBody>
+              <a:bodyPr wrap="none" lIns="0" tIns="0" rIns="0" bIns="0" rtlCol="0">
+                <a:spAutoFit/>
+              </a:bodyPr>
+              <a:lstStyle/>
+              <a:p>
+                <a14:m>
+                  <m:oMathPara xmlns:m="http://schemas.openxmlformats.org/officeDocument/2006/math">
+                    <m:oMathParaPr>
+                      <m:jc m:val="centerGroup"/>
+                    </m:oMathParaPr>
+                    <m:oMath xmlns:m="http://schemas.openxmlformats.org/officeDocument/2006/math">
+                      <m:r>
+                        <a:rPr lang="es-CO" i="1" smtClean="0">
+                          <a:latin typeface="Cambria Math" panose="02040503050406030204" pitchFamily="18" charset="0"/>
+                          <a:ea typeface="Cambria Math" panose="02040503050406030204" pitchFamily="18" charset="0"/>
+                        </a:rPr>
+                        <m:t>𝛿</m:t>
+                      </m:r>
+                    </m:oMath>
+                  </m:oMathPara>
+                </a14:m>
+                <a:endParaRPr lang="es-CO" dirty="0"/>
+              </a:p>
+            </p:txBody>
+          </p:sp>
+        </mc:Choice>
+        <mc:Fallback>
+          <p:sp>
+            <p:nvSpPr>
+              <p:cNvPr id="23" name="CuadroTexto 22">
+                <a:extLst>
+                  <a:ext uri="{FF2B5EF4-FFF2-40B4-BE49-F238E27FC236}">
+                    <a16:creationId xmlns:a16="http://schemas.microsoft.com/office/drawing/2014/main" id="{F00EC0E2-97A1-69BA-298B-43C373B667CE}"/>
+                  </a:ext>
+                </a:extLst>
+              </p:cNvPr>
+              <p:cNvSpPr txBox="1">
+                <a:spLocks noRot="1" noChangeAspect="1" noMove="1" noResize="1" noEditPoints="1" noAdjustHandles="1" noChangeArrowheads="1" noChangeShapeType="1" noTextEdit="1"/>
+              </p:cNvSpPr>
+              <p:nvPr/>
+            </p:nvSpPr>
+            <p:spPr>
+              <a:xfrm>
+                <a:off x="5229878" y="1736520"/>
+                <a:ext cx="185372" cy="276999"/>
+              </a:xfrm>
+              <a:prstGeom prst="rect">
+                <a:avLst/>
+              </a:prstGeom>
+              <a:blipFill>
+                <a:blip r:embed="rId16"/>
+                <a:stretch>
+                  <a:fillRect l="-33333" r="-26667" b="-8889"/>
                 </a:stretch>
               </a:blipFill>
             </p:spPr>
@@ -23541,7 +26064,7 @@
         </p:nvCxnSpPr>
         <p:spPr>
           <a:xfrm flipV="1">
-            <a:off x="2649894" y="2202024"/>
+            <a:off x="2659225" y="2211355"/>
             <a:ext cx="2640564" cy="2640564"/>
           </a:xfrm>
           <a:prstGeom prst="line">
@@ -23563,466 +26086,6 @@
           </a:fontRef>
         </p:style>
       </p:cxnSp>
-      <p:cxnSp>
-        <p:nvCxnSpPr>
-          <p:cNvPr id="6" name="Conector recto 5">
-            <a:extLst>
-              <a:ext uri="{FF2B5EF4-FFF2-40B4-BE49-F238E27FC236}">
-                <a16:creationId xmlns:a16="http://schemas.microsoft.com/office/drawing/2014/main" id="{DDC7D1C3-53D5-70C3-B8EA-1929AC72B53A}"/>
-              </a:ext>
-            </a:extLst>
-          </p:cNvPr>
-          <p:cNvCxnSpPr>
-            <a:cxnSpLocks/>
-          </p:cNvCxnSpPr>
-          <p:nvPr/>
-        </p:nvCxnSpPr>
-        <p:spPr>
-          <a:xfrm flipH="1" flipV="1">
-            <a:off x="5016758" y="1929341"/>
-            <a:ext cx="289250" cy="289250"/>
-          </a:xfrm>
-          <a:prstGeom prst="line">
-            <a:avLst/>
-          </a:prstGeom>
-        </p:spPr>
-        <p:style>
-          <a:lnRef idx="1">
-            <a:schemeClr val="accent1"/>
-          </a:lnRef>
-          <a:fillRef idx="0">
-            <a:schemeClr val="accent1"/>
-          </a:fillRef>
-          <a:effectRef idx="0">
-            <a:schemeClr val="accent1"/>
-          </a:effectRef>
-          <a:fontRef idx="minor">
-            <a:schemeClr val="tx1"/>
-          </a:fontRef>
-        </p:style>
-      </p:cxnSp>
-      <p:cxnSp>
-        <p:nvCxnSpPr>
-          <p:cNvPr id="28" name="Conector recto de flecha 27">
-            <a:extLst>
-              <a:ext uri="{FF2B5EF4-FFF2-40B4-BE49-F238E27FC236}">
-                <a16:creationId xmlns:a16="http://schemas.microsoft.com/office/drawing/2014/main" id="{E01182CA-9F44-1D56-D93F-3BA0FD4C2419}"/>
-              </a:ext>
-            </a:extLst>
-          </p:cNvPr>
-          <p:cNvCxnSpPr>
-            <a:cxnSpLocks/>
-          </p:cNvCxnSpPr>
-          <p:nvPr/>
-        </p:nvCxnSpPr>
-        <p:spPr>
-          <a:xfrm>
-            <a:off x="2634344" y="4842588"/>
-            <a:ext cx="3757125" cy="0"/>
-          </a:xfrm>
-          <a:prstGeom prst="straightConnector1">
-            <a:avLst/>
-          </a:prstGeom>
-          <a:ln>
-            <a:solidFill>
-              <a:schemeClr val="tx1"/>
-            </a:solidFill>
-            <a:tailEnd type="triangle"/>
-          </a:ln>
-        </p:spPr>
-        <p:style>
-          <a:lnRef idx="1">
-            <a:schemeClr val="accent1"/>
-          </a:lnRef>
-          <a:fillRef idx="0">
-            <a:schemeClr val="accent1"/>
-          </a:fillRef>
-          <a:effectRef idx="0">
-            <a:schemeClr val="accent1"/>
-          </a:effectRef>
-          <a:fontRef idx="minor">
-            <a:schemeClr val="tx1"/>
-          </a:fontRef>
-        </p:style>
-      </p:cxnSp>
-      <p:cxnSp>
-        <p:nvCxnSpPr>
-          <p:cNvPr id="29" name="Conector recto de flecha 28">
-            <a:extLst>
-              <a:ext uri="{FF2B5EF4-FFF2-40B4-BE49-F238E27FC236}">
-                <a16:creationId xmlns:a16="http://schemas.microsoft.com/office/drawing/2014/main" id="{4271B50B-BD8C-5B75-AD79-6E0FD8F4C14C}"/>
-              </a:ext>
-            </a:extLst>
-          </p:cNvPr>
-          <p:cNvCxnSpPr>
-            <a:cxnSpLocks/>
-          </p:cNvCxnSpPr>
-          <p:nvPr/>
-        </p:nvCxnSpPr>
-        <p:spPr>
-          <a:xfrm flipV="1">
-            <a:off x="2625013" y="503853"/>
-            <a:ext cx="0" cy="4338735"/>
-          </a:xfrm>
-          <a:prstGeom prst="straightConnector1">
-            <a:avLst/>
-          </a:prstGeom>
-          <a:ln>
-            <a:solidFill>
-              <a:schemeClr val="tx1"/>
-            </a:solidFill>
-            <a:tailEnd type="triangle"/>
-          </a:ln>
-        </p:spPr>
-        <p:style>
-          <a:lnRef idx="1">
-            <a:schemeClr val="accent1"/>
-          </a:lnRef>
-          <a:fillRef idx="0">
-            <a:schemeClr val="accent1"/>
-          </a:fillRef>
-          <a:effectRef idx="0">
-            <a:schemeClr val="accent1"/>
-          </a:effectRef>
-          <a:fontRef idx="minor">
-            <a:schemeClr val="tx1"/>
-          </a:fontRef>
-        </p:style>
-      </p:cxnSp>
-      <p:sp>
-        <p:nvSpPr>
-          <p:cNvPr id="55" name="Elipse 54">
-            <a:extLst>
-              <a:ext uri="{FF2B5EF4-FFF2-40B4-BE49-F238E27FC236}">
-                <a16:creationId xmlns:a16="http://schemas.microsoft.com/office/drawing/2014/main" id="{C1156FC8-D134-A881-E175-EE894D41A32E}"/>
-              </a:ext>
-            </a:extLst>
-          </p:cNvPr>
-          <p:cNvSpPr/>
-          <p:nvPr/>
-        </p:nvSpPr>
-        <p:spPr>
-          <a:xfrm>
-            <a:off x="2163924" y="4401946"/>
-            <a:ext cx="953277" cy="983913"/>
-          </a:xfrm>
-          <a:prstGeom prst="ellipse">
-            <a:avLst/>
-          </a:prstGeom>
-        </p:spPr>
-        <p:style>
-          <a:lnRef idx="2">
-            <a:schemeClr val="accent1">
-              <a:shade val="50000"/>
-            </a:schemeClr>
-          </a:lnRef>
-          <a:fillRef idx="1">
-            <a:schemeClr val="accent1"/>
-          </a:fillRef>
-          <a:effectRef idx="0">
-            <a:schemeClr val="accent1"/>
-          </a:effectRef>
-          <a:fontRef idx="minor">
-            <a:schemeClr val="lt1"/>
-          </a:fontRef>
-        </p:style>
-        <p:txBody>
-          <a:bodyPr rtlCol="0" anchor="ctr"/>
-          <a:lstStyle/>
-          <a:p>
-            <a:pPr algn="ctr"/>
-            <a:endParaRPr lang="es-CO"/>
-          </a:p>
-        </p:txBody>
-      </p:sp>
-      <mc:AlternateContent xmlns:mc="http://schemas.openxmlformats.org/markup-compatibility/2006">
-        <mc:Choice xmlns:a14="http://schemas.microsoft.com/office/drawing/2010/main" Requires="a14">
-          <p:sp>
-            <p:nvSpPr>
-              <p:cNvPr id="69" name="CuadroTexto 68">
-                <a:extLst>
-                  <a:ext uri="{FF2B5EF4-FFF2-40B4-BE49-F238E27FC236}">
-                    <a16:creationId xmlns:a16="http://schemas.microsoft.com/office/drawing/2014/main" id="{6BE8FA76-B58D-22FA-2E24-2079660A2752}"/>
-                  </a:ext>
-                </a:extLst>
-              </p:cNvPr>
-              <p:cNvSpPr txBox="1"/>
-              <p:nvPr/>
-            </p:nvSpPr>
-            <p:spPr>
-              <a:xfrm>
-                <a:off x="5240694" y="1781405"/>
-                <a:ext cx="171778" cy="276999"/>
-              </a:xfrm>
-              <a:prstGeom prst="rect">
-                <a:avLst/>
-              </a:prstGeom>
-              <a:noFill/>
-            </p:spPr>
-            <p:txBody>
-              <a:bodyPr wrap="none" lIns="0" tIns="0" rIns="0" bIns="0" rtlCol="0">
-                <a:spAutoFit/>
-              </a:bodyPr>
-              <a:lstStyle/>
-              <a:p>
-                <a:pPr/>
-                <a14:m>
-                  <m:oMathPara xmlns:m="http://schemas.openxmlformats.org/officeDocument/2006/math">
-                    <m:oMathParaPr>
-                      <m:jc m:val="centerGroup"/>
-                    </m:oMathParaPr>
-                    <m:oMath xmlns:m="http://schemas.openxmlformats.org/officeDocument/2006/math">
-                      <m:r>
-                        <a:rPr lang="es-CO" b="0" i="1" smtClean="0">
-                          <a:latin typeface="Cambria Math" panose="02040503050406030204" pitchFamily="18" charset="0"/>
-                        </a:rPr>
-                        <m:t>𝑒</m:t>
-                      </m:r>
-                    </m:oMath>
-                  </m:oMathPara>
-                </a14:m>
-                <a:endParaRPr lang="es-CO" dirty="0"/>
-              </a:p>
-            </p:txBody>
-          </p:sp>
-        </mc:Choice>
-        <mc:Fallback>
-          <p:sp>
-            <p:nvSpPr>
-              <p:cNvPr id="69" name="CuadroTexto 68">
-                <a:extLst>
-                  <a:ext uri="{FF2B5EF4-FFF2-40B4-BE49-F238E27FC236}">
-                    <a16:creationId xmlns:a16="http://schemas.microsoft.com/office/drawing/2014/main" id="{6BE8FA76-B58D-22FA-2E24-2079660A2752}"/>
-                  </a:ext>
-                </a:extLst>
-              </p:cNvPr>
-              <p:cNvSpPr txBox="1">
-                <a:spLocks noRot="1" noChangeAspect="1" noMove="1" noResize="1" noEditPoints="1" noAdjustHandles="1" noChangeArrowheads="1" noChangeShapeType="1" noTextEdit="1"/>
-              </p:cNvSpPr>
-              <p:nvPr/>
-            </p:nvSpPr>
-            <p:spPr>
-              <a:xfrm>
-                <a:off x="5240694" y="1781405"/>
-                <a:ext cx="171778" cy="276999"/>
-              </a:xfrm>
-              <a:prstGeom prst="rect">
-                <a:avLst/>
-              </a:prstGeom>
-              <a:blipFill>
-                <a:blip r:embed="rId2"/>
-                <a:stretch>
-                  <a:fillRect l="-21429" r="-17857"/>
-                </a:stretch>
-              </a:blipFill>
-            </p:spPr>
-            <p:txBody>
-              <a:bodyPr/>
-              <a:lstStyle/>
-              <a:p>
-                <a:r>
-                  <a:rPr lang="es-CO">
-                    <a:noFill/>
-                  </a:rPr>
-                  <a:t> </a:t>
-                </a:r>
-              </a:p>
-            </p:txBody>
-          </p:sp>
-        </mc:Fallback>
-      </mc:AlternateContent>
-      <mc:AlternateContent xmlns:mc="http://schemas.openxmlformats.org/markup-compatibility/2006">
-        <mc:Choice xmlns:a14="http://schemas.microsoft.com/office/drawing/2010/main" Requires="a14">
-          <p:sp>
-            <p:nvSpPr>
-              <p:cNvPr id="73" name="CuadroTexto 72">
-                <a:extLst>
-                  <a:ext uri="{FF2B5EF4-FFF2-40B4-BE49-F238E27FC236}">
-                    <a16:creationId xmlns:a16="http://schemas.microsoft.com/office/drawing/2014/main" id="{3FF4D663-5600-AA0B-2804-CF67AB096FA5}"/>
-                  </a:ext>
-                </a:extLst>
-              </p:cNvPr>
-              <p:cNvSpPr txBox="1"/>
-              <p:nvPr/>
-            </p:nvSpPr>
-            <p:spPr>
-              <a:xfrm>
-                <a:off x="6208149" y="4868641"/>
-                <a:ext cx="183320" cy="276999"/>
-              </a:xfrm>
-              <a:prstGeom prst="rect">
-                <a:avLst/>
-              </a:prstGeom>
-              <a:noFill/>
-            </p:spPr>
-            <p:txBody>
-              <a:bodyPr wrap="none" lIns="0" tIns="0" rIns="0" bIns="0" rtlCol="0">
-                <a:spAutoFit/>
-              </a:bodyPr>
-              <a:lstStyle/>
-              <a:p>
-                <a:pPr/>
-                <a14:m>
-                  <m:oMathPara xmlns:m="http://schemas.openxmlformats.org/officeDocument/2006/math">
-                    <m:oMathParaPr>
-                      <m:jc m:val="centerGroup"/>
-                    </m:oMathParaPr>
-                    <m:oMath xmlns:m="http://schemas.openxmlformats.org/officeDocument/2006/math">
-                      <m:r>
-                        <a:rPr lang="es-CO" b="0" i="1" smtClean="0">
-                          <a:latin typeface="Cambria Math" panose="02040503050406030204" pitchFamily="18" charset="0"/>
-                        </a:rPr>
-                        <m:t>𝑥</m:t>
-                      </m:r>
-                    </m:oMath>
-                  </m:oMathPara>
-                </a14:m>
-                <a:endParaRPr lang="es-CO" dirty="0"/>
-              </a:p>
-            </p:txBody>
-          </p:sp>
-        </mc:Choice>
-        <mc:Fallback>
-          <p:sp>
-            <p:nvSpPr>
-              <p:cNvPr id="73" name="CuadroTexto 72">
-                <a:extLst>
-                  <a:ext uri="{FF2B5EF4-FFF2-40B4-BE49-F238E27FC236}">
-                    <a16:creationId xmlns:a16="http://schemas.microsoft.com/office/drawing/2014/main" id="{3FF4D663-5600-AA0B-2804-CF67AB096FA5}"/>
-                  </a:ext>
-                </a:extLst>
-              </p:cNvPr>
-              <p:cNvSpPr txBox="1">
-                <a:spLocks noRot="1" noChangeAspect="1" noMove="1" noResize="1" noEditPoints="1" noAdjustHandles="1" noChangeArrowheads="1" noChangeShapeType="1" noTextEdit="1"/>
-              </p:cNvSpPr>
-              <p:nvPr/>
-            </p:nvSpPr>
-            <p:spPr>
-              <a:xfrm>
-                <a:off x="6208149" y="4868641"/>
-                <a:ext cx="183320" cy="276999"/>
-              </a:xfrm>
-              <a:prstGeom prst="rect">
-                <a:avLst/>
-              </a:prstGeom>
-              <a:blipFill>
-                <a:blip r:embed="rId3"/>
-                <a:stretch>
-                  <a:fillRect l="-20000" r="-13333"/>
-                </a:stretch>
-              </a:blipFill>
-            </p:spPr>
-            <p:txBody>
-              <a:bodyPr/>
-              <a:lstStyle/>
-              <a:p>
-                <a:r>
-                  <a:rPr lang="es-CO">
-                    <a:noFill/>
-                  </a:rPr>
-                  <a:t> </a:t>
-                </a:r>
-              </a:p>
-            </p:txBody>
-          </p:sp>
-        </mc:Fallback>
-      </mc:AlternateContent>
-      <mc:AlternateContent xmlns:mc="http://schemas.openxmlformats.org/markup-compatibility/2006">
-        <mc:Choice xmlns:a14="http://schemas.microsoft.com/office/drawing/2010/main" Requires="a14">
-          <p:sp>
-            <p:nvSpPr>
-              <p:cNvPr id="74" name="CuadroTexto 73">
-                <a:extLst>
-                  <a:ext uri="{FF2B5EF4-FFF2-40B4-BE49-F238E27FC236}">
-                    <a16:creationId xmlns:a16="http://schemas.microsoft.com/office/drawing/2014/main" id="{04B53826-C120-8304-7C7F-EB4B4CAE834E}"/>
-                  </a:ext>
-                </a:extLst>
-              </p:cNvPr>
-              <p:cNvSpPr txBox="1"/>
-              <p:nvPr/>
-            </p:nvSpPr>
-            <p:spPr>
-              <a:xfrm>
-                <a:off x="2357377" y="436436"/>
-                <a:ext cx="186718" cy="276999"/>
-              </a:xfrm>
-              <a:prstGeom prst="rect">
-                <a:avLst/>
-              </a:prstGeom>
-              <a:noFill/>
-            </p:spPr>
-            <p:txBody>
-              <a:bodyPr wrap="none" lIns="0" tIns="0" rIns="0" bIns="0" rtlCol="0">
-                <a:spAutoFit/>
-              </a:bodyPr>
-              <a:lstStyle/>
-              <a:p>
-                <a:pPr/>
-                <a14:m>
-                  <m:oMathPara xmlns:m="http://schemas.openxmlformats.org/officeDocument/2006/math">
-                    <m:oMathParaPr>
-                      <m:jc m:val="centerGroup"/>
-                    </m:oMathParaPr>
-                    <m:oMath xmlns:m="http://schemas.openxmlformats.org/officeDocument/2006/math">
-                      <m:r>
-                        <a:rPr lang="es-CO" b="0" i="1" smtClean="0">
-                          <a:latin typeface="Cambria Math" panose="02040503050406030204" pitchFamily="18" charset="0"/>
-                        </a:rPr>
-                        <m:t>𝑦</m:t>
-                      </m:r>
-                    </m:oMath>
-                  </m:oMathPara>
-                </a14:m>
-                <a:endParaRPr lang="es-CO" dirty="0"/>
-              </a:p>
-            </p:txBody>
-          </p:sp>
-        </mc:Choice>
-        <mc:Fallback>
-          <p:sp>
-            <p:nvSpPr>
-              <p:cNvPr id="74" name="CuadroTexto 73">
-                <a:extLst>
-                  <a:ext uri="{FF2B5EF4-FFF2-40B4-BE49-F238E27FC236}">
-                    <a16:creationId xmlns:a16="http://schemas.microsoft.com/office/drawing/2014/main" id="{04B53826-C120-8304-7C7F-EB4B4CAE834E}"/>
-                  </a:ext>
-                </a:extLst>
-              </p:cNvPr>
-              <p:cNvSpPr txBox="1">
-                <a:spLocks noRot="1" noChangeAspect="1" noMove="1" noResize="1" noEditPoints="1" noAdjustHandles="1" noChangeArrowheads="1" noChangeShapeType="1" noTextEdit="1"/>
-              </p:cNvSpPr>
-              <p:nvPr/>
-            </p:nvSpPr>
-            <p:spPr>
-              <a:xfrm>
-                <a:off x="2357377" y="436436"/>
-                <a:ext cx="186718" cy="276999"/>
-              </a:xfrm>
-              <a:prstGeom prst="rect">
-                <a:avLst/>
-              </a:prstGeom>
-              <a:blipFill>
-                <a:blip r:embed="rId4"/>
-                <a:stretch>
-                  <a:fillRect l="-33333" r="-30000" b="-26667"/>
-                </a:stretch>
-              </a:blipFill>
-            </p:spPr>
-            <p:txBody>
-              <a:bodyPr/>
-              <a:lstStyle/>
-              <a:p>
-                <a:r>
-                  <a:rPr lang="es-CO">
-                    <a:noFill/>
-                  </a:rPr>
-                  <a:t> </a:t>
-                </a:r>
-              </a:p>
-            </p:txBody>
-          </p:sp>
-        </mc:Fallback>
-      </mc:AlternateContent>
       <mc:AlternateContent xmlns:mc="http://schemas.openxmlformats.org/markup-compatibility/2006">
         <mc:Choice xmlns:a14="http://schemas.microsoft.com/office/drawing/2010/main" Requires="a14">
           <p:sp>
@@ -24039,7 +26102,7 @@
             </p:nvSpPr>
             <p:spPr>
               <a:xfrm>
-                <a:off x="4507728" y="1452132"/>
+                <a:off x="5247117" y="856906"/>
                 <a:ext cx="880433" cy="276999"/>
               </a:xfrm>
               <a:prstGeom prst="rect">
@@ -24152,6 +26215,1668 @@
             </p:nvSpPr>
             <p:spPr>
               <a:xfrm>
+                <a:off x="5247117" y="856906"/>
+                <a:ext cx="880433" cy="276999"/>
+              </a:xfrm>
+              <a:prstGeom prst="rect">
+                <a:avLst/>
+              </a:prstGeom>
+              <a:blipFill>
+                <a:blip r:embed="rId2"/>
+                <a:stretch>
+                  <a:fillRect b="-26667"/>
+                </a:stretch>
+              </a:blipFill>
+            </p:spPr>
+            <p:txBody>
+              <a:bodyPr/>
+              <a:lstStyle/>
+              <a:p>
+                <a:r>
+                  <a:rPr lang="es-CO">
+                    <a:noFill/>
+                  </a:rPr>
+                  <a:t> </a:t>
+                </a:r>
+              </a:p>
+            </p:txBody>
+          </p:sp>
+        </mc:Fallback>
+      </mc:AlternateContent>
+      <mc:AlternateContent xmlns:mc="http://schemas.openxmlformats.org/markup-compatibility/2006">
+        <mc:Choice xmlns:a14="http://schemas.microsoft.com/office/drawing/2010/main" Requires="a14">
+          <p:sp>
+            <p:nvSpPr>
+              <p:cNvPr id="9" name="CuadroTexto 8">
+                <a:extLst>
+                  <a:ext uri="{FF2B5EF4-FFF2-40B4-BE49-F238E27FC236}">
+                    <a16:creationId xmlns:a16="http://schemas.microsoft.com/office/drawing/2014/main" id="{CC5C2F22-1A72-DCC4-2442-7562792418F6}"/>
+                  </a:ext>
+                </a:extLst>
+              </p:cNvPr>
+              <p:cNvSpPr txBox="1"/>
+              <p:nvPr/>
+            </p:nvSpPr>
+            <p:spPr>
+              <a:xfrm>
+                <a:off x="5483461" y="2262471"/>
+                <a:ext cx="976358" cy="276999"/>
+              </a:xfrm>
+              <a:prstGeom prst="rect">
+                <a:avLst/>
+              </a:prstGeom>
+              <a:noFill/>
+            </p:spPr>
+            <p:txBody>
+              <a:bodyPr wrap="none" lIns="0" tIns="0" rIns="0" bIns="0" rtlCol="0">
+                <a:spAutoFit/>
+              </a:bodyPr>
+              <a:lstStyle/>
+              <a:p>
+                <a:pPr/>
+                <a14:m>
+                  <m:oMathPara xmlns:m="http://schemas.openxmlformats.org/officeDocument/2006/math">
+                    <m:oMathParaPr>
+                      <m:jc m:val="centerGroup"/>
+                    </m:oMathParaPr>
+                    <m:oMath xmlns:m="http://schemas.openxmlformats.org/officeDocument/2006/math">
+                      <m:d>
+                        <m:dPr>
+                          <m:ctrlPr>
+                            <a:rPr lang="es-CO" b="0" i="1" smtClean="0">
+                              <a:latin typeface="Cambria Math" panose="02040503050406030204" pitchFamily="18" charset="0"/>
+                            </a:rPr>
+                          </m:ctrlPr>
+                        </m:dPr>
+                        <m:e>
+                          <m:sSub>
+                            <m:sSubPr>
+                              <m:ctrlPr>
+                                <a:rPr lang="es-CO" b="0" i="1" smtClean="0">
+                                  <a:latin typeface="Cambria Math" panose="02040503050406030204" pitchFamily="18" charset="0"/>
+                                </a:rPr>
+                              </m:ctrlPr>
+                            </m:sSubPr>
+                            <m:e>
+                              <m:r>
+                                <a:rPr lang="es-CO" b="0" i="1" smtClean="0">
+                                  <a:latin typeface="Cambria Math" panose="02040503050406030204" pitchFamily="18" charset="0"/>
+                                </a:rPr>
+                                <m:t>𝑥</m:t>
+                              </m:r>
+                            </m:e>
+                            <m:sub>
+                              <m:r>
+                                <a:rPr lang="es-CO" b="0" i="1" smtClean="0">
+                                  <a:latin typeface="Cambria Math" panose="02040503050406030204" pitchFamily="18" charset="0"/>
+                                </a:rPr>
+                                <m:t>𝑊</m:t>
+                              </m:r>
+                            </m:sub>
+                          </m:sSub>
+                          <m:r>
+                            <a:rPr lang="es-CO" b="0" i="1" smtClean="0">
+                              <a:latin typeface="Cambria Math" panose="02040503050406030204" pitchFamily="18" charset="0"/>
+                            </a:rPr>
+                            <m:t> , </m:t>
+                          </m:r>
+                          <m:sSub>
+                            <m:sSubPr>
+                              <m:ctrlPr>
+                                <a:rPr lang="es-CO" b="0" i="1" smtClean="0">
+                                  <a:latin typeface="Cambria Math" panose="02040503050406030204" pitchFamily="18" charset="0"/>
+                                </a:rPr>
+                              </m:ctrlPr>
+                            </m:sSubPr>
+                            <m:e>
+                              <m:r>
+                                <a:rPr lang="es-CO" b="0" i="1" smtClean="0">
+                                  <a:latin typeface="Cambria Math" panose="02040503050406030204" pitchFamily="18" charset="0"/>
+                                </a:rPr>
+                                <m:t>𝑦</m:t>
+                              </m:r>
+                            </m:e>
+                            <m:sub>
+                              <m:r>
+                                <a:rPr lang="es-CO" b="0" i="1" smtClean="0">
+                                  <a:latin typeface="Cambria Math" panose="02040503050406030204" pitchFamily="18" charset="0"/>
+                                </a:rPr>
+                                <m:t>𝑊</m:t>
+                              </m:r>
+                            </m:sub>
+                          </m:sSub>
+                        </m:e>
+                      </m:d>
+                    </m:oMath>
+                  </m:oMathPara>
+                </a14:m>
+                <a:endParaRPr lang="es-CO" dirty="0"/>
+              </a:p>
+            </p:txBody>
+          </p:sp>
+        </mc:Choice>
+        <mc:Fallback>
+          <p:sp>
+            <p:nvSpPr>
+              <p:cNvPr id="9" name="CuadroTexto 8">
+                <a:extLst>
+                  <a:ext uri="{FF2B5EF4-FFF2-40B4-BE49-F238E27FC236}">
+                    <a16:creationId xmlns:a16="http://schemas.microsoft.com/office/drawing/2014/main" id="{CC5C2F22-1A72-DCC4-2442-7562792418F6}"/>
+                  </a:ext>
+                </a:extLst>
+              </p:cNvPr>
+              <p:cNvSpPr txBox="1">
+                <a:spLocks noRot="1" noChangeAspect="1" noMove="1" noResize="1" noEditPoints="1" noAdjustHandles="1" noChangeArrowheads="1" noChangeShapeType="1" noTextEdit="1"/>
+              </p:cNvSpPr>
+              <p:nvPr/>
+            </p:nvSpPr>
+            <p:spPr>
+              <a:xfrm>
+                <a:off x="5483461" y="2262471"/>
+                <a:ext cx="976358" cy="276999"/>
+              </a:xfrm>
+              <a:prstGeom prst="rect">
+                <a:avLst/>
+              </a:prstGeom>
+              <a:blipFill>
+                <a:blip r:embed="rId3"/>
+                <a:stretch>
+                  <a:fillRect b="-23913"/>
+                </a:stretch>
+              </a:blipFill>
+            </p:spPr>
+            <p:txBody>
+              <a:bodyPr/>
+              <a:lstStyle/>
+              <a:p>
+                <a:r>
+                  <a:rPr lang="es-CO">
+                    <a:noFill/>
+                  </a:rPr>
+                  <a:t> </a:t>
+                </a:r>
+              </a:p>
+            </p:txBody>
+          </p:sp>
+        </mc:Fallback>
+      </mc:AlternateContent>
+      <p:cxnSp>
+        <p:nvCxnSpPr>
+          <p:cNvPr id="13" name="Conector recto 12">
+            <a:extLst>
+              <a:ext uri="{FF2B5EF4-FFF2-40B4-BE49-F238E27FC236}">
+                <a16:creationId xmlns:a16="http://schemas.microsoft.com/office/drawing/2014/main" id="{032F02F5-8FDA-5D0F-488F-575B07DF5633}"/>
+              </a:ext>
+            </a:extLst>
+          </p:cNvPr>
+          <p:cNvCxnSpPr>
+            <a:cxnSpLocks/>
+          </p:cNvCxnSpPr>
+          <p:nvPr/>
+        </p:nvCxnSpPr>
+        <p:spPr>
+          <a:xfrm flipV="1">
+            <a:off x="5290457" y="1361461"/>
+            <a:ext cx="111967" cy="857130"/>
+          </a:xfrm>
+          <a:prstGeom prst="line">
+            <a:avLst/>
+          </a:prstGeom>
+        </p:spPr>
+        <p:style>
+          <a:lnRef idx="1">
+            <a:schemeClr val="accent1"/>
+          </a:lnRef>
+          <a:fillRef idx="0">
+            <a:schemeClr val="accent1"/>
+          </a:fillRef>
+          <a:effectRef idx="0">
+            <a:schemeClr val="accent1"/>
+          </a:effectRef>
+          <a:fontRef idx="minor">
+            <a:schemeClr val="tx1"/>
+          </a:fontRef>
+        </p:style>
+      </p:cxnSp>
+      <mc:AlternateContent xmlns:mc="http://schemas.openxmlformats.org/markup-compatibility/2006">
+        <mc:Choice xmlns:a14="http://schemas.microsoft.com/office/drawing/2010/main" Requires="a14">
+          <p:sp>
+            <p:nvSpPr>
+              <p:cNvPr id="15" name="CuadroTexto 14">
+                <a:extLst>
+                  <a:ext uri="{FF2B5EF4-FFF2-40B4-BE49-F238E27FC236}">
+                    <a16:creationId xmlns:a16="http://schemas.microsoft.com/office/drawing/2014/main" id="{C2504248-5968-04D0-3CC7-D38AC18EDAE4}"/>
+                  </a:ext>
+                </a:extLst>
+              </p:cNvPr>
+              <p:cNvSpPr txBox="1"/>
+              <p:nvPr/>
+            </p:nvSpPr>
+            <p:spPr>
+              <a:xfrm>
+                <a:off x="3934195" y="2517520"/>
+                <a:ext cx="193258" cy="276999"/>
+              </a:xfrm>
+              <a:prstGeom prst="rect">
+                <a:avLst/>
+              </a:prstGeom>
+              <a:noFill/>
+            </p:spPr>
+            <p:txBody>
+              <a:bodyPr wrap="none" lIns="0" tIns="0" rIns="0" bIns="0" rtlCol="0">
+                <a:spAutoFit/>
+              </a:bodyPr>
+              <a:lstStyle/>
+              <a:p>
+                <a:pPr/>
+                <a14:m>
+                  <m:oMathPara xmlns:m="http://schemas.openxmlformats.org/officeDocument/2006/math">
+                    <m:oMathParaPr>
+                      <m:jc m:val="centerGroup"/>
+                    </m:oMathParaPr>
+                    <m:oMath xmlns:m="http://schemas.openxmlformats.org/officeDocument/2006/math">
+                      <m:r>
+                        <a:rPr lang="es-CO" b="0" i="1" smtClean="0">
+                          <a:latin typeface="Cambria Math" panose="02040503050406030204" pitchFamily="18" charset="0"/>
+                        </a:rPr>
+                        <m:t>𝑑</m:t>
+                      </m:r>
+                    </m:oMath>
+                  </m:oMathPara>
+                </a14:m>
+                <a:endParaRPr lang="es-CO" dirty="0"/>
+              </a:p>
+            </p:txBody>
+          </p:sp>
+        </mc:Choice>
+        <mc:Fallback>
+          <p:sp>
+            <p:nvSpPr>
+              <p:cNvPr id="15" name="CuadroTexto 14">
+                <a:extLst>
+                  <a:ext uri="{FF2B5EF4-FFF2-40B4-BE49-F238E27FC236}">
+                    <a16:creationId xmlns:a16="http://schemas.microsoft.com/office/drawing/2014/main" id="{C2504248-5968-04D0-3CC7-D38AC18EDAE4}"/>
+                  </a:ext>
+                </a:extLst>
+              </p:cNvPr>
+              <p:cNvSpPr txBox="1">
+                <a:spLocks noRot="1" noChangeAspect="1" noMove="1" noResize="1" noEditPoints="1" noAdjustHandles="1" noChangeArrowheads="1" noChangeShapeType="1" noTextEdit="1"/>
+              </p:cNvSpPr>
+              <p:nvPr/>
+            </p:nvSpPr>
+            <p:spPr>
+              <a:xfrm>
+                <a:off x="3934195" y="2517520"/>
+                <a:ext cx="193258" cy="276999"/>
+              </a:xfrm>
+              <a:prstGeom prst="rect">
+                <a:avLst/>
+              </a:prstGeom>
+              <a:blipFill>
+                <a:blip r:embed="rId4"/>
+                <a:stretch>
+                  <a:fillRect l="-31250" r="-25000" b="-8889"/>
+                </a:stretch>
+              </a:blipFill>
+            </p:spPr>
+            <p:txBody>
+              <a:bodyPr/>
+              <a:lstStyle/>
+              <a:p>
+                <a:r>
+                  <a:rPr lang="es-CO">
+                    <a:noFill/>
+                  </a:rPr>
+                  <a:t> </a:t>
+                </a:r>
+              </a:p>
+            </p:txBody>
+          </p:sp>
+        </mc:Fallback>
+      </mc:AlternateContent>
+      <mc:AlternateContent xmlns:mc="http://schemas.openxmlformats.org/markup-compatibility/2006">
+        <mc:Choice xmlns:a14="http://schemas.microsoft.com/office/drawing/2010/main" Requires="a14">
+          <p:sp>
+            <p:nvSpPr>
+              <p:cNvPr id="17" name="CuadroTexto 16">
+                <a:extLst>
+                  <a:ext uri="{FF2B5EF4-FFF2-40B4-BE49-F238E27FC236}">
+                    <a16:creationId xmlns:a16="http://schemas.microsoft.com/office/drawing/2014/main" id="{3FD97749-3451-FBA0-5E61-85CCE4011CA7}"/>
+                  </a:ext>
+                </a:extLst>
+              </p:cNvPr>
+              <p:cNvSpPr txBox="1"/>
+              <p:nvPr/>
+            </p:nvSpPr>
+            <p:spPr>
+              <a:xfrm>
+                <a:off x="4071234" y="3005330"/>
+                <a:ext cx="218200" cy="276999"/>
+              </a:xfrm>
+              <a:prstGeom prst="rect">
+                <a:avLst/>
+              </a:prstGeom>
+              <a:noFill/>
+            </p:spPr>
+            <p:txBody>
+              <a:bodyPr wrap="none" lIns="0" tIns="0" rIns="0" bIns="0" rtlCol="0">
+                <a:spAutoFit/>
+              </a:bodyPr>
+              <a:lstStyle/>
+              <a:p>
+                <a:pPr/>
+                <a14:m>
+                  <m:oMathPara xmlns:m="http://schemas.openxmlformats.org/officeDocument/2006/math">
+                    <m:oMathParaPr>
+                      <m:jc m:val="centerGroup"/>
+                    </m:oMathParaPr>
+                    <m:oMath xmlns:m="http://schemas.openxmlformats.org/officeDocument/2006/math">
+                      <m:r>
+                        <a:rPr lang="es-CO" b="0" i="1" smtClean="0">
+                          <a:latin typeface="Cambria Math" panose="02040503050406030204" pitchFamily="18" charset="0"/>
+                        </a:rPr>
+                        <m:t>𝜓</m:t>
+                      </m:r>
+                    </m:oMath>
+                  </m:oMathPara>
+                </a14:m>
+                <a:endParaRPr lang="es-CO" dirty="0"/>
+              </a:p>
+            </p:txBody>
+          </p:sp>
+        </mc:Choice>
+        <mc:Fallback>
+          <p:sp>
+            <p:nvSpPr>
+              <p:cNvPr id="17" name="CuadroTexto 16">
+                <a:extLst>
+                  <a:ext uri="{FF2B5EF4-FFF2-40B4-BE49-F238E27FC236}">
+                    <a16:creationId xmlns:a16="http://schemas.microsoft.com/office/drawing/2014/main" id="{3FD97749-3451-FBA0-5E61-85CCE4011CA7}"/>
+                  </a:ext>
+                </a:extLst>
+              </p:cNvPr>
+              <p:cNvSpPr txBox="1">
+                <a:spLocks noRot="1" noChangeAspect="1" noMove="1" noResize="1" noEditPoints="1" noAdjustHandles="1" noChangeArrowheads="1" noChangeShapeType="1" noTextEdit="1"/>
+              </p:cNvSpPr>
+              <p:nvPr/>
+            </p:nvSpPr>
+            <p:spPr>
+              <a:xfrm>
+                <a:off x="4071234" y="3005330"/>
+                <a:ext cx="218200" cy="276999"/>
+              </a:xfrm>
+              <a:prstGeom prst="rect">
+                <a:avLst/>
+              </a:prstGeom>
+              <a:blipFill>
+                <a:blip r:embed="rId5"/>
+                <a:stretch>
+                  <a:fillRect l="-38889" t="-2222" r="-36111" b="-35556"/>
+                </a:stretch>
+              </a:blipFill>
+            </p:spPr>
+            <p:txBody>
+              <a:bodyPr/>
+              <a:lstStyle/>
+              <a:p>
+                <a:r>
+                  <a:rPr lang="es-CO">
+                    <a:noFill/>
+                  </a:rPr>
+                  <a:t> </a:t>
+                </a:r>
+              </a:p>
+            </p:txBody>
+          </p:sp>
+        </mc:Fallback>
+      </mc:AlternateContent>
+      <mc:AlternateContent xmlns:mc="http://schemas.openxmlformats.org/markup-compatibility/2006">
+        <mc:Choice xmlns:a14="http://schemas.microsoft.com/office/drawing/2010/main" Requires="a14">
+          <p:sp>
+            <p:nvSpPr>
+              <p:cNvPr id="19" name="CuadroTexto 18">
+                <a:extLst>
+                  <a:ext uri="{FF2B5EF4-FFF2-40B4-BE49-F238E27FC236}">
+                    <a16:creationId xmlns:a16="http://schemas.microsoft.com/office/drawing/2014/main" id="{80175CA2-A156-3D5C-97BA-A3F0F81E5A9F}"/>
+                  </a:ext>
+                </a:extLst>
+              </p:cNvPr>
+              <p:cNvSpPr txBox="1"/>
+              <p:nvPr/>
+            </p:nvSpPr>
+            <p:spPr>
+              <a:xfrm>
+                <a:off x="5511501" y="1430520"/>
+                <a:ext cx="1998881" cy="563680"/>
+              </a:xfrm>
+              <a:prstGeom prst="rect">
+                <a:avLst/>
+              </a:prstGeom>
+              <a:noFill/>
+            </p:spPr>
+            <p:txBody>
+              <a:bodyPr wrap="none" lIns="0" tIns="0" rIns="0" bIns="0" rtlCol="0">
+                <a:spAutoFit/>
+              </a:bodyPr>
+              <a:lstStyle/>
+              <a:p>
+                <a:pPr/>
+                <a14:m>
+                  <m:oMathPara xmlns:m="http://schemas.openxmlformats.org/officeDocument/2006/math">
+                    <m:oMathParaPr>
+                      <m:jc m:val="centerGroup"/>
+                    </m:oMathParaPr>
+                    <m:oMath xmlns:m="http://schemas.openxmlformats.org/officeDocument/2006/math">
+                      <m:rad>
+                        <m:radPr>
+                          <m:degHide m:val="on"/>
+                          <m:ctrlPr>
+                            <a:rPr lang="es-CO" i="1" smtClean="0">
+                              <a:latin typeface="Cambria Math" panose="02040503050406030204" pitchFamily="18" charset="0"/>
+                            </a:rPr>
+                          </m:ctrlPr>
+                        </m:radPr>
+                        <m:deg/>
+                        <m:e>
+                          <m:sSup>
+                            <m:sSupPr>
+                              <m:ctrlPr>
+                                <a:rPr lang="es-CO" b="0" i="1" smtClean="0">
+                                  <a:latin typeface="Cambria Math" panose="02040503050406030204" pitchFamily="18" charset="0"/>
+                                </a:rPr>
+                              </m:ctrlPr>
+                            </m:sSupPr>
+                            <m:e>
+                              <m:r>
+                                <a:rPr lang="es-CO" b="0" i="1" smtClean="0">
+                                  <a:latin typeface="Cambria Math" panose="02040503050406030204" pitchFamily="18" charset="0"/>
+                                </a:rPr>
+                                <m:t>𝑒</m:t>
+                              </m:r>
+                            </m:e>
+                            <m:sup>
+                              <m:r>
+                                <a:rPr lang="es-CO" b="0" i="1" smtClean="0">
+                                  <a:latin typeface="Cambria Math" panose="02040503050406030204" pitchFamily="18" charset="0"/>
+                                </a:rPr>
+                                <m:t>2</m:t>
+                              </m:r>
+                            </m:sup>
+                          </m:sSup>
+                          <m:r>
+                            <a:rPr lang="es-CO" b="0" i="1" smtClean="0">
+                              <a:latin typeface="Cambria Math" panose="02040503050406030204" pitchFamily="18" charset="0"/>
+                            </a:rPr>
+                            <m:t>+</m:t>
+                          </m:r>
+                          <m:sSubSup>
+                            <m:sSubSupPr>
+                              <m:ctrlPr>
+                                <a:rPr lang="es-CO" b="0" i="1" smtClean="0">
+                                  <a:latin typeface="Cambria Math" panose="02040503050406030204" pitchFamily="18" charset="0"/>
+                                </a:rPr>
+                              </m:ctrlPr>
+                            </m:sSubSupPr>
+                            <m:e>
+                              <m:r>
+                                <a:rPr lang="es-CO" b="0" i="1" smtClean="0">
+                                  <a:latin typeface="Cambria Math" panose="02040503050406030204" pitchFamily="18" charset="0"/>
+                                </a:rPr>
+                                <m:t>𝑙</m:t>
+                              </m:r>
+                            </m:e>
+                            <m:sub>
+                              <m:r>
+                                <a:rPr lang="es-CO" b="0" i="1" smtClean="0">
+                                  <a:latin typeface="Cambria Math" panose="02040503050406030204" pitchFamily="18" charset="0"/>
+                                </a:rPr>
+                                <m:t>4</m:t>
+                              </m:r>
+                            </m:sub>
+                            <m:sup>
+                              <m:r>
+                                <a:rPr lang="es-CO" b="0" i="1" smtClean="0">
+                                  <a:latin typeface="Cambria Math" panose="02040503050406030204" pitchFamily="18" charset="0"/>
+                                </a:rPr>
+                                <m:t>2</m:t>
+                              </m:r>
+                            </m:sup>
+                          </m:sSubSup>
+                          <m:r>
+                            <a:rPr lang="es-CO" b="0" i="1" smtClean="0">
+                              <a:latin typeface="Cambria Math" panose="02040503050406030204" pitchFamily="18" charset="0"/>
+                            </a:rPr>
+                            <m:t>⋅</m:t>
+                          </m:r>
+                          <m:func>
+                            <m:funcPr>
+                              <m:ctrlPr>
+                                <a:rPr lang="es-CO" b="0" i="1" smtClean="0">
+                                  <a:latin typeface="Cambria Math" panose="02040503050406030204" pitchFamily="18" charset="0"/>
+                                </a:rPr>
+                              </m:ctrlPr>
+                            </m:funcPr>
+                            <m:fName>
+                              <m:sSup>
+                                <m:sSupPr>
+                                  <m:ctrlPr>
+                                    <a:rPr lang="es-CO" b="0" i="1" smtClean="0">
+                                      <a:latin typeface="Cambria Math" panose="02040503050406030204" pitchFamily="18" charset="0"/>
+                                    </a:rPr>
+                                  </m:ctrlPr>
+                                </m:sSupPr>
+                                <m:e>
+                                  <m:r>
+                                    <m:rPr>
+                                      <m:sty m:val="p"/>
+                                    </m:rPr>
+                                    <a:rPr lang="es-CO" b="0" i="0" smtClean="0">
+                                      <a:latin typeface="Cambria Math" panose="02040503050406030204" pitchFamily="18" charset="0"/>
+                                    </a:rPr>
+                                    <m:t>cos</m:t>
+                                  </m:r>
+                                </m:e>
+                                <m:sup>
+                                  <m:r>
+                                    <a:rPr lang="es-CO" b="0" i="1" smtClean="0">
+                                      <a:latin typeface="Cambria Math" panose="02040503050406030204" pitchFamily="18" charset="0"/>
+                                    </a:rPr>
+                                    <m:t>2</m:t>
+                                  </m:r>
+                                </m:sup>
+                              </m:sSup>
+                            </m:fName>
+                            <m:e>
+                              <m:r>
+                                <a:rPr lang="es-CO" b="0" i="1" smtClean="0">
+                                  <a:latin typeface="Cambria Math" panose="02040503050406030204" pitchFamily="18" charset="0"/>
+                                </a:rPr>
+                                <m:t>(</m:t>
+                              </m:r>
+                              <m:sSub>
+                                <m:sSubPr>
+                                  <m:ctrlPr>
+                                    <a:rPr lang="es-CO" b="0" i="1" smtClean="0">
+                                      <a:latin typeface="Cambria Math" panose="02040503050406030204" pitchFamily="18" charset="0"/>
+                                    </a:rPr>
+                                  </m:ctrlPr>
+                                </m:sSubPr>
+                                <m:e>
+                                  <m:r>
+                                    <a:rPr lang="es-CO" b="0" i="1" smtClean="0">
+                                      <a:latin typeface="Cambria Math" panose="02040503050406030204" pitchFamily="18" charset="0"/>
+                                    </a:rPr>
+                                    <m:t>𝑞</m:t>
+                                  </m:r>
+                                </m:e>
+                                <m:sub>
+                                  <m:r>
+                                    <a:rPr lang="es-CO" b="0" i="1" smtClean="0">
+                                      <a:latin typeface="Cambria Math" panose="02040503050406030204" pitchFamily="18" charset="0"/>
+                                    </a:rPr>
+                                    <m:t>4</m:t>
+                                  </m:r>
+                                </m:sub>
+                              </m:sSub>
+                              <m:r>
+                                <a:rPr lang="es-CO" b="0" i="1" smtClean="0">
+                                  <a:latin typeface="Cambria Math" panose="02040503050406030204" pitchFamily="18" charset="0"/>
+                                </a:rPr>
+                                <m:t>)</m:t>
+                              </m:r>
+                            </m:e>
+                          </m:func>
+                        </m:e>
+                      </m:rad>
+                      <m:r>
+                        <a:rPr lang="es-CO" b="0" i="1" smtClean="0">
+                          <a:latin typeface="Cambria Math" panose="02040503050406030204" pitchFamily="18" charset="0"/>
+                        </a:rPr>
+                        <m:t> </m:t>
+                      </m:r>
+                    </m:oMath>
+                  </m:oMathPara>
+                </a14:m>
+                <a:endParaRPr lang="es-CO" dirty="0"/>
+              </a:p>
+            </p:txBody>
+          </p:sp>
+        </mc:Choice>
+        <mc:Fallback>
+          <p:sp>
+            <p:nvSpPr>
+              <p:cNvPr id="19" name="CuadroTexto 18">
+                <a:extLst>
+                  <a:ext uri="{FF2B5EF4-FFF2-40B4-BE49-F238E27FC236}">
+                    <a16:creationId xmlns:a16="http://schemas.microsoft.com/office/drawing/2014/main" id="{80175CA2-A156-3D5C-97BA-A3F0F81E5A9F}"/>
+                  </a:ext>
+                </a:extLst>
+              </p:cNvPr>
+              <p:cNvSpPr txBox="1">
+                <a:spLocks noRot="1" noChangeAspect="1" noMove="1" noResize="1" noEditPoints="1" noAdjustHandles="1" noChangeArrowheads="1" noChangeShapeType="1" noTextEdit="1"/>
+              </p:cNvSpPr>
+              <p:nvPr/>
+            </p:nvSpPr>
+            <p:spPr>
+              <a:xfrm>
+                <a:off x="5511501" y="1430520"/>
+                <a:ext cx="1998881" cy="563680"/>
+              </a:xfrm>
+              <a:prstGeom prst="rect">
+                <a:avLst/>
+              </a:prstGeom>
+              <a:blipFill>
+                <a:blip r:embed="rId6"/>
+                <a:stretch>
+                  <a:fillRect b="-2174"/>
+                </a:stretch>
+              </a:blipFill>
+            </p:spPr>
+            <p:txBody>
+              <a:bodyPr/>
+              <a:lstStyle/>
+              <a:p>
+                <a:r>
+                  <a:rPr lang="es-CO">
+                    <a:noFill/>
+                  </a:rPr>
+                  <a:t> </a:t>
+                </a:r>
+              </a:p>
+            </p:txBody>
+          </p:sp>
+        </mc:Fallback>
+      </mc:AlternateContent>
+      <p:cxnSp>
+        <p:nvCxnSpPr>
+          <p:cNvPr id="14" name="Conector recto 13">
+            <a:extLst>
+              <a:ext uri="{FF2B5EF4-FFF2-40B4-BE49-F238E27FC236}">
+                <a16:creationId xmlns:a16="http://schemas.microsoft.com/office/drawing/2014/main" id="{4DBB2DD2-6EEC-F1F7-035A-9278115D156E}"/>
+              </a:ext>
+            </a:extLst>
+          </p:cNvPr>
+          <p:cNvCxnSpPr>
+            <a:cxnSpLocks/>
+          </p:cNvCxnSpPr>
+          <p:nvPr/>
+        </p:nvCxnSpPr>
+        <p:spPr>
+          <a:xfrm flipH="1">
+            <a:off x="2659225" y="1361461"/>
+            <a:ext cx="2743199" cy="3507180"/>
+          </a:xfrm>
+          <a:prstGeom prst="line">
+            <a:avLst/>
+          </a:prstGeom>
+        </p:spPr>
+        <p:style>
+          <a:lnRef idx="1">
+            <a:schemeClr val="accent1"/>
+          </a:lnRef>
+          <a:fillRef idx="0">
+            <a:schemeClr val="accent1"/>
+          </a:fillRef>
+          <a:effectRef idx="0">
+            <a:schemeClr val="accent1"/>
+          </a:effectRef>
+          <a:fontRef idx="minor">
+            <a:schemeClr val="tx1"/>
+          </a:fontRef>
+        </p:style>
+      </p:cxnSp>
+      <p:sp>
+        <p:nvSpPr>
+          <p:cNvPr id="24" name="Arco 23">
+            <a:extLst>
+              <a:ext uri="{FF2B5EF4-FFF2-40B4-BE49-F238E27FC236}">
+                <a16:creationId xmlns:a16="http://schemas.microsoft.com/office/drawing/2014/main" id="{F733C81A-C52A-4C99-0630-BD1424BCFF34}"/>
+              </a:ext>
+            </a:extLst>
+          </p:cNvPr>
+          <p:cNvSpPr/>
+          <p:nvPr/>
+        </p:nvSpPr>
+        <p:spPr>
+          <a:xfrm>
+            <a:off x="3679137" y="3350176"/>
+            <a:ext cx="370353" cy="260768"/>
+          </a:xfrm>
+          <a:prstGeom prst="arc">
+            <a:avLst/>
+          </a:prstGeom>
+        </p:spPr>
+        <p:style>
+          <a:lnRef idx="1">
+            <a:schemeClr val="accent1"/>
+          </a:lnRef>
+          <a:fillRef idx="0">
+            <a:schemeClr val="accent1"/>
+          </a:fillRef>
+          <a:effectRef idx="0">
+            <a:schemeClr val="accent1"/>
+          </a:effectRef>
+          <a:fontRef idx="minor">
+            <a:schemeClr val="tx1"/>
+          </a:fontRef>
+        </p:style>
+        <p:txBody>
+          <a:bodyPr rtlCol="0" anchor="ctr"/>
+          <a:lstStyle/>
+          <a:p>
+            <a:pPr algn="ctr"/>
+            <a:endParaRPr lang="es-CO"/>
+          </a:p>
+        </p:txBody>
+      </p:sp>
+      <p:sp>
+        <p:nvSpPr>
+          <p:cNvPr id="76" name="Elipse 75">
+            <a:extLst>
+              <a:ext uri="{FF2B5EF4-FFF2-40B4-BE49-F238E27FC236}">
+                <a16:creationId xmlns:a16="http://schemas.microsoft.com/office/drawing/2014/main" id="{7513E253-DC16-1E51-38EA-FC4833B6512A}"/>
+              </a:ext>
+            </a:extLst>
+          </p:cNvPr>
+          <p:cNvSpPr/>
+          <p:nvPr/>
+        </p:nvSpPr>
+        <p:spPr>
+          <a:xfrm>
+            <a:off x="5330112" y="1289149"/>
+            <a:ext cx="144624" cy="144624"/>
+          </a:xfrm>
+          <a:prstGeom prst="ellipse">
+            <a:avLst/>
+          </a:prstGeom>
+          <a:solidFill>
+            <a:srgbClr val="FF0000"/>
+          </a:solidFill>
+          <a:ln>
+            <a:solidFill>
+              <a:srgbClr val="FF0000"/>
+            </a:solidFill>
+          </a:ln>
+        </p:spPr>
+        <p:style>
+          <a:lnRef idx="2">
+            <a:schemeClr val="accent1">
+              <a:shade val="50000"/>
+            </a:schemeClr>
+          </a:lnRef>
+          <a:fillRef idx="1">
+            <a:schemeClr val="accent1"/>
+          </a:fillRef>
+          <a:effectRef idx="0">
+            <a:schemeClr val="accent1"/>
+          </a:effectRef>
+          <a:fontRef idx="minor">
+            <a:schemeClr val="lt1"/>
+          </a:fontRef>
+        </p:style>
+        <p:txBody>
+          <a:bodyPr rtlCol="0" anchor="ctr"/>
+          <a:lstStyle/>
+          <a:p>
+            <a:pPr algn="ctr"/>
+            <a:endParaRPr lang="es-CO"/>
+          </a:p>
+        </p:txBody>
+      </p:sp>
+      <p:sp>
+        <p:nvSpPr>
+          <p:cNvPr id="27" name="Elipse 26">
+            <a:extLst>
+              <a:ext uri="{FF2B5EF4-FFF2-40B4-BE49-F238E27FC236}">
+                <a16:creationId xmlns:a16="http://schemas.microsoft.com/office/drawing/2014/main" id="{75955E97-12CC-A2F5-7622-B5412756A66C}"/>
+              </a:ext>
+            </a:extLst>
+          </p:cNvPr>
+          <p:cNvSpPr/>
+          <p:nvPr/>
+        </p:nvSpPr>
+        <p:spPr>
+          <a:xfrm>
+            <a:off x="5232750" y="2196546"/>
+            <a:ext cx="144624" cy="144624"/>
+          </a:xfrm>
+          <a:prstGeom prst="ellipse">
+            <a:avLst/>
+          </a:prstGeom>
+          <a:solidFill>
+            <a:srgbClr val="FF0000"/>
+          </a:solidFill>
+          <a:ln>
+            <a:solidFill>
+              <a:srgbClr val="FF0000"/>
+            </a:solidFill>
+          </a:ln>
+        </p:spPr>
+        <p:style>
+          <a:lnRef idx="2">
+            <a:schemeClr val="accent1">
+              <a:shade val="50000"/>
+            </a:schemeClr>
+          </a:lnRef>
+          <a:fillRef idx="1">
+            <a:schemeClr val="accent1"/>
+          </a:fillRef>
+          <a:effectRef idx="0">
+            <a:schemeClr val="accent1"/>
+          </a:effectRef>
+          <a:fontRef idx="minor">
+            <a:schemeClr val="lt1"/>
+          </a:fontRef>
+        </p:style>
+        <p:txBody>
+          <a:bodyPr rtlCol="0" anchor="ctr"/>
+          <a:lstStyle/>
+          <a:p>
+            <a:pPr algn="ctr"/>
+            <a:endParaRPr lang="es-CO"/>
+          </a:p>
+        </p:txBody>
+      </p:sp>
+      <p:sp>
+        <p:nvSpPr>
+          <p:cNvPr id="30" name="Arco 29">
+            <a:extLst>
+              <a:ext uri="{FF2B5EF4-FFF2-40B4-BE49-F238E27FC236}">
+                <a16:creationId xmlns:a16="http://schemas.microsoft.com/office/drawing/2014/main" id="{C938C04C-089E-853A-7489-31582322C2BB}"/>
+              </a:ext>
+            </a:extLst>
+          </p:cNvPr>
+          <p:cNvSpPr/>
+          <p:nvPr/>
+        </p:nvSpPr>
+        <p:spPr>
+          <a:xfrm rot="17631604">
+            <a:off x="4547559" y="2458476"/>
+            <a:ext cx="1057217" cy="337697"/>
+          </a:xfrm>
+          <a:prstGeom prst="arc">
+            <a:avLst/>
+          </a:prstGeom>
+        </p:spPr>
+        <p:style>
+          <a:lnRef idx="1">
+            <a:schemeClr val="accent1"/>
+          </a:lnRef>
+          <a:fillRef idx="0">
+            <a:schemeClr val="accent1"/>
+          </a:fillRef>
+          <a:effectRef idx="0">
+            <a:schemeClr val="accent1"/>
+          </a:effectRef>
+          <a:fontRef idx="minor">
+            <a:schemeClr val="tx1"/>
+          </a:fontRef>
+        </p:style>
+        <p:txBody>
+          <a:bodyPr rtlCol="0" anchor="ctr"/>
+          <a:lstStyle/>
+          <a:p>
+            <a:pPr algn="ctr"/>
+            <a:endParaRPr lang="es-CO"/>
+          </a:p>
+        </p:txBody>
+      </p:sp>
+      <mc:AlternateContent xmlns:mc="http://schemas.openxmlformats.org/markup-compatibility/2006">
+        <mc:Choice xmlns:a14="http://schemas.microsoft.com/office/drawing/2010/main" Requires="a14">
+          <p:sp>
+            <p:nvSpPr>
+              <p:cNvPr id="31" name="CuadroTexto 30">
+                <a:extLst>
+                  <a:ext uri="{FF2B5EF4-FFF2-40B4-BE49-F238E27FC236}">
+                    <a16:creationId xmlns:a16="http://schemas.microsoft.com/office/drawing/2014/main" id="{B6A12CFA-B741-58BE-EBAD-8952000A294A}"/>
+                  </a:ext>
+                </a:extLst>
+              </p:cNvPr>
+              <p:cNvSpPr txBox="1"/>
+              <p:nvPr/>
+            </p:nvSpPr>
+            <p:spPr>
+              <a:xfrm>
+                <a:off x="4232385" y="2104071"/>
+                <a:ext cx="804130" cy="276999"/>
+              </a:xfrm>
+              <a:prstGeom prst="rect">
+                <a:avLst/>
+              </a:prstGeom>
+              <a:noFill/>
+            </p:spPr>
+            <p:txBody>
+              <a:bodyPr wrap="none" lIns="0" tIns="0" rIns="0" bIns="0" rtlCol="0">
+                <a:spAutoFit/>
+              </a:bodyPr>
+              <a:lstStyle/>
+              <a:p>
+                <a14:m>
+                  <m:oMathPara xmlns:m="http://schemas.openxmlformats.org/officeDocument/2006/math">
+                    <m:oMathParaPr>
+                      <m:jc m:val="centerGroup"/>
+                    </m:oMathParaPr>
+                    <m:oMath xmlns:m="http://schemas.openxmlformats.org/officeDocument/2006/math">
+                      <m:r>
+                        <a:rPr lang="es-CO" b="0" i="1" smtClean="0">
+                          <a:latin typeface="Cambria Math" panose="02040503050406030204" pitchFamily="18" charset="0"/>
+                        </a:rPr>
+                        <m:t>90°+</m:t>
+                      </m:r>
+                      <m:r>
+                        <a:rPr lang="es-CO" b="0" i="1" smtClean="0">
+                          <a:latin typeface="Cambria Math" panose="02040503050406030204" pitchFamily="18" charset="0"/>
+                        </a:rPr>
+                        <m:t>𝛿</m:t>
+                      </m:r>
+                    </m:oMath>
+                  </m:oMathPara>
+                </a14:m>
+                <a:endParaRPr lang="es-CO" dirty="0"/>
+              </a:p>
+            </p:txBody>
+          </p:sp>
+        </mc:Choice>
+        <mc:Fallback>
+          <p:sp>
+            <p:nvSpPr>
+              <p:cNvPr id="31" name="CuadroTexto 30">
+                <a:extLst>
+                  <a:ext uri="{FF2B5EF4-FFF2-40B4-BE49-F238E27FC236}">
+                    <a16:creationId xmlns:a16="http://schemas.microsoft.com/office/drawing/2014/main" id="{B6A12CFA-B741-58BE-EBAD-8952000A294A}"/>
+                  </a:ext>
+                </a:extLst>
+              </p:cNvPr>
+              <p:cNvSpPr txBox="1">
+                <a:spLocks noRot="1" noChangeAspect="1" noMove="1" noResize="1" noEditPoints="1" noAdjustHandles="1" noChangeArrowheads="1" noChangeShapeType="1" noTextEdit="1"/>
+              </p:cNvSpPr>
+              <p:nvPr/>
+            </p:nvSpPr>
+            <p:spPr>
+              <a:xfrm>
+                <a:off x="4232385" y="2104071"/>
+                <a:ext cx="804130" cy="276999"/>
+              </a:xfrm>
+              <a:prstGeom prst="rect">
+                <a:avLst/>
+              </a:prstGeom>
+              <a:blipFill>
+                <a:blip r:embed="rId7"/>
+                <a:stretch>
+                  <a:fillRect l="-6061" r="-5303" b="-6522"/>
+                </a:stretch>
+              </a:blipFill>
+            </p:spPr>
+            <p:txBody>
+              <a:bodyPr/>
+              <a:lstStyle/>
+              <a:p>
+                <a:r>
+                  <a:rPr lang="es-CO">
+                    <a:noFill/>
+                  </a:rPr>
+                  <a:t> </a:t>
+                </a:r>
+              </a:p>
+            </p:txBody>
+          </p:sp>
+        </mc:Fallback>
+      </mc:AlternateContent>
+    </p:spTree>
+    <p:extLst>
+      <p:ext uri="{BB962C8B-B14F-4D97-AF65-F5344CB8AC3E}">
+        <p14:creationId xmlns:p14="http://schemas.microsoft.com/office/powerpoint/2010/main" val="714790989"/>
+      </p:ext>
+    </p:extLst>
+  </p:cSld>
+  <p:clrMapOvr>
+    <a:masterClrMapping/>
+  </p:clrMapOvr>
+</p:sld>
+</file>
+
+<file path=ppt/slides/slide8.xml><?xml version="1.0" encoding="utf-8"?>
+<p:sld xmlns:a="http://schemas.openxmlformats.org/drawingml/2006/main" xmlns:r="http://schemas.openxmlformats.org/officeDocument/2006/relationships" xmlns:p="http://schemas.openxmlformats.org/presentationml/2006/main">
+  <p:cSld>
+    <p:spTree>
+      <p:nvGrpSpPr>
+        <p:cNvPr id="1" name=""/>
+        <p:cNvGrpSpPr/>
+        <p:nvPr/>
+      </p:nvGrpSpPr>
+      <p:grpSpPr>
+        <a:xfrm>
+          <a:off x="0" y="0"/>
+          <a:ext cx="0" cy="0"/>
+          <a:chOff x="0" y="0"/>
+          <a:chExt cx="0" cy="0"/>
+        </a:xfrm>
+      </p:grpSpPr>
+      <p:cxnSp>
+        <p:nvCxnSpPr>
+          <p:cNvPr id="3" name="Conector recto 2">
+            <a:extLst>
+              <a:ext uri="{FF2B5EF4-FFF2-40B4-BE49-F238E27FC236}">
+                <a16:creationId xmlns:a16="http://schemas.microsoft.com/office/drawing/2014/main" id="{2F19E4FE-2DD0-8090-1E15-192D4191EC24}"/>
+              </a:ext>
+            </a:extLst>
+          </p:cNvPr>
+          <p:cNvCxnSpPr/>
+          <p:nvPr/>
+        </p:nvCxnSpPr>
+        <p:spPr>
+          <a:xfrm flipV="1">
+            <a:off x="2649894" y="2202024"/>
+            <a:ext cx="2640564" cy="2640564"/>
+          </a:xfrm>
+          <a:prstGeom prst="line">
+            <a:avLst/>
+          </a:prstGeom>
+        </p:spPr>
+        <p:style>
+          <a:lnRef idx="1">
+            <a:schemeClr val="accent1"/>
+          </a:lnRef>
+          <a:fillRef idx="0">
+            <a:schemeClr val="accent1"/>
+          </a:fillRef>
+          <a:effectRef idx="0">
+            <a:schemeClr val="accent1"/>
+          </a:effectRef>
+          <a:fontRef idx="minor">
+            <a:schemeClr val="tx1"/>
+          </a:fontRef>
+        </p:style>
+      </p:cxnSp>
+      <p:cxnSp>
+        <p:nvCxnSpPr>
+          <p:cNvPr id="6" name="Conector recto 5">
+            <a:extLst>
+              <a:ext uri="{FF2B5EF4-FFF2-40B4-BE49-F238E27FC236}">
+                <a16:creationId xmlns:a16="http://schemas.microsoft.com/office/drawing/2014/main" id="{DDC7D1C3-53D5-70C3-B8EA-1929AC72B53A}"/>
+              </a:ext>
+            </a:extLst>
+          </p:cNvPr>
+          <p:cNvCxnSpPr>
+            <a:cxnSpLocks/>
+          </p:cNvCxnSpPr>
+          <p:nvPr/>
+        </p:nvCxnSpPr>
+        <p:spPr>
+          <a:xfrm flipH="1" flipV="1">
+            <a:off x="5016758" y="1929341"/>
+            <a:ext cx="289250" cy="289250"/>
+          </a:xfrm>
+          <a:prstGeom prst="line">
+            <a:avLst/>
+          </a:prstGeom>
+        </p:spPr>
+        <p:style>
+          <a:lnRef idx="1">
+            <a:schemeClr val="accent1"/>
+          </a:lnRef>
+          <a:fillRef idx="0">
+            <a:schemeClr val="accent1"/>
+          </a:fillRef>
+          <a:effectRef idx="0">
+            <a:schemeClr val="accent1"/>
+          </a:effectRef>
+          <a:fontRef idx="minor">
+            <a:schemeClr val="tx1"/>
+          </a:fontRef>
+        </p:style>
+      </p:cxnSp>
+      <p:cxnSp>
+        <p:nvCxnSpPr>
+          <p:cNvPr id="28" name="Conector recto de flecha 27">
+            <a:extLst>
+              <a:ext uri="{FF2B5EF4-FFF2-40B4-BE49-F238E27FC236}">
+                <a16:creationId xmlns:a16="http://schemas.microsoft.com/office/drawing/2014/main" id="{E01182CA-9F44-1D56-D93F-3BA0FD4C2419}"/>
+              </a:ext>
+            </a:extLst>
+          </p:cNvPr>
+          <p:cNvCxnSpPr>
+            <a:cxnSpLocks/>
+          </p:cNvCxnSpPr>
+          <p:nvPr/>
+        </p:nvCxnSpPr>
+        <p:spPr>
+          <a:xfrm>
+            <a:off x="2634344" y="4842588"/>
+            <a:ext cx="3757125" cy="0"/>
+          </a:xfrm>
+          <a:prstGeom prst="straightConnector1">
+            <a:avLst/>
+          </a:prstGeom>
+          <a:ln>
+            <a:solidFill>
+              <a:schemeClr val="tx1"/>
+            </a:solidFill>
+            <a:tailEnd type="triangle"/>
+          </a:ln>
+        </p:spPr>
+        <p:style>
+          <a:lnRef idx="1">
+            <a:schemeClr val="accent1"/>
+          </a:lnRef>
+          <a:fillRef idx="0">
+            <a:schemeClr val="accent1"/>
+          </a:fillRef>
+          <a:effectRef idx="0">
+            <a:schemeClr val="accent1"/>
+          </a:effectRef>
+          <a:fontRef idx="minor">
+            <a:schemeClr val="tx1"/>
+          </a:fontRef>
+        </p:style>
+      </p:cxnSp>
+      <p:cxnSp>
+        <p:nvCxnSpPr>
+          <p:cNvPr id="29" name="Conector recto de flecha 28">
+            <a:extLst>
+              <a:ext uri="{FF2B5EF4-FFF2-40B4-BE49-F238E27FC236}">
+                <a16:creationId xmlns:a16="http://schemas.microsoft.com/office/drawing/2014/main" id="{4271B50B-BD8C-5B75-AD79-6E0FD8F4C14C}"/>
+              </a:ext>
+            </a:extLst>
+          </p:cNvPr>
+          <p:cNvCxnSpPr>
+            <a:cxnSpLocks/>
+          </p:cNvCxnSpPr>
+          <p:nvPr/>
+        </p:nvCxnSpPr>
+        <p:spPr>
+          <a:xfrm flipV="1">
+            <a:off x="2625013" y="503853"/>
+            <a:ext cx="0" cy="4338735"/>
+          </a:xfrm>
+          <a:prstGeom prst="straightConnector1">
+            <a:avLst/>
+          </a:prstGeom>
+          <a:ln>
+            <a:solidFill>
+              <a:schemeClr val="tx1"/>
+            </a:solidFill>
+            <a:tailEnd type="triangle"/>
+          </a:ln>
+        </p:spPr>
+        <p:style>
+          <a:lnRef idx="1">
+            <a:schemeClr val="accent1"/>
+          </a:lnRef>
+          <a:fillRef idx="0">
+            <a:schemeClr val="accent1"/>
+          </a:fillRef>
+          <a:effectRef idx="0">
+            <a:schemeClr val="accent1"/>
+          </a:effectRef>
+          <a:fontRef idx="minor">
+            <a:schemeClr val="tx1"/>
+          </a:fontRef>
+        </p:style>
+      </p:cxnSp>
+      <p:sp>
+        <p:nvSpPr>
+          <p:cNvPr id="55" name="Elipse 54">
+            <a:extLst>
+              <a:ext uri="{FF2B5EF4-FFF2-40B4-BE49-F238E27FC236}">
+                <a16:creationId xmlns:a16="http://schemas.microsoft.com/office/drawing/2014/main" id="{C1156FC8-D134-A881-E175-EE894D41A32E}"/>
+              </a:ext>
+            </a:extLst>
+          </p:cNvPr>
+          <p:cNvSpPr/>
+          <p:nvPr/>
+        </p:nvSpPr>
+        <p:spPr>
+          <a:xfrm>
+            <a:off x="2163924" y="4401946"/>
+            <a:ext cx="953277" cy="983913"/>
+          </a:xfrm>
+          <a:prstGeom prst="ellipse">
+            <a:avLst/>
+          </a:prstGeom>
+        </p:spPr>
+        <p:style>
+          <a:lnRef idx="2">
+            <a:schemeClr val="accent1">
+              <a:shade val="50000"/>
+            </a:schemeClr>
+          </a:lnRef>
+          <a:fillRef idx="1">
+            <a:schemeClr val="accent1"/>
+          </a:fillRef>
+          <a:effectRef idx="0">
+            <a:schemeClr val="accent1"/>
+          </a:effectRef>
+          <a:fontRef idx="minor">
+            <a:schemeClr val="lt1"/>
+          </a:fontRef>
+        </p:style>
+        <p:txBody>
+          <a:bodyPr rtlCol="0" anchor="ctr"/>
+          <a:lstStyle/>
+          <a:p>
+            <a:pPr algn="ctr"/>
+            <a:endParaRPr lang="es-CO"/>
+          </a:p>
+        </p:txBody>
+      </p:sp>
+      <mc:AlternateContent xmlns:mc="http://schemas.openxmlformats.org/markup-compatibility/2006" xmlns:a14="http://schemas.microsoft.com/office/drawing/2010/main">
+        <mc:Choice Requires="a14">
+          <p:sp>
+            <p:nvSpPr>
+              <p:cNvPr id="69" name="CuadroTexto 68">
+                <a:extLst>
+                  <a:ext uri="{FF2B5EF4-FFF2-40B4-BE49-F238E27FC236}">
+                    <a16:creationId xmlns:a16="http://schemas.microsoft.com/office/drawing/2014/main" id="{6BE8FA76-B58D-22FA-2E24-2079660A2752}"/>
+                  </a:ext>
+                </a:extLst>
+              </p:cNvPr>
+              <p:cNvSpPr txBox="1"/>
+              <p:nvPr/>
+            </p:nvSpPr>
+            <p:spPr>
+              <a:xfrm>
+                <a:off x="5240694" y="1781405"/>
+                <a:ext cx="171778" cy="276999"/>
+              </a:xfrm>
+              <a:prstGeom prst="rect">
+                <a:avLst/>
+              </a:prstGeom>
+              <a:noFill/>
+            </p:spPr>
+            <p:txBody>
+              <a:bodyPr wrap="none" lIns="0" tIns="0" rIns="0" bIns="0" rtlCol="0">
+                <a:spAutoFit/>
+              </a:bodyPr>
+              <a:lstStyle/>
+              <a:p>
+                <a:pPr/>
+                <a14:m>
+                  <m:oMathPara xmlns:m="http://schemas.openxmlformats.org/officeDocument/2006/math">
+                    <m:oMathParaPr>
+                      <m:jc m:val="centerGroup"/>
+                    </m:oMathParaPr>
+                    <m:oMath xmlns:m="http://schemas.openxmlformats.org/officeDocument/2006/math">
+                      <m:r>
+                        <a:rPr lang="es-CO" b="0" i="1" smtClean="0">
+                          <a:latin typeface="Cambria Math" panose="02040503050406030204" pitchFamily="18" charset="0"/>
+                        </a:rPr>
+                        <m:t>𝑒</m:t>
+                      </m:r>
+                    </m:oMath>
+                  </m:oMathPara>
+                </a14:m>
+                <a:endParaRPr lang="es-CO" dirty="0"/>
+              </a:p>
+            </p:txBody>
+          </p:sp>
+        </mc:Choice>
+        <mc:Fallback xmlns="">
+          <p:sp>
+            <p:nvSpPr>
+              <p:cNvPr id="69" name="CuadroTexto 68">
+                <a:extLst>
+                  <a:ext uri="{FF2B5EF4-FFF2-40B4-BE49-F238E27FC236}">
+                    <a16:creationId xmlns:a16="http://schemas.microsoft.com/office/drawing/2014/main" id="{6BE8FA76-B58D-22FA-2E24-2079660A2752}"/>
+                  </a:ext>
+                </a:extLst>
+              </p:cNvPr>
+              <p:cNvSpPr txBox="1">
+                <a:spLocks noRot="1" noChangeAspect="1" noMove="1" noResize="1" noEditPoints="1" noAdjustHandles="1" noChangeArrowheads="1" noChangeShapeType="1" noTextEdit="1"/>
+              </p:cNvSpPr>
+              <p:nvPr/>
+            </p:nvSpPr>
+            <p:spPr>
+              <a:xfrm>
+                <a:off x="5240694" y="1781405"/>
+                <a:ext cx="171778" cy="276999"/>
+              </a:xfrm>
+              <a:prstGeom prst="rect">
+                <a:avLst/>
+              </a:prstGeom>
+              <a:blipFill>
+                <a:blip r:embed="rId2"/>
+                <a:stretch>
+                  <a:fillRect l="-21429" r="-17857"/>
+                </a:stretch>
+              </a:blipFill>
+            </p:spPr>
+            <p:txBody>
+              <a:bodyPr/>
+              <a:lstStyle/>
+              <a:p>
+                <a:r>
+                  <a:rPr lang="es-CO">
+                    <a:noFill/>
+                  </a:rPr>
+                  <a:t> </a:t>
+                </a:r>
+              </a:p>
+            </p:txBody>
+          </p:sp>
+        </mc:Fallback>
+      </mc:AlternateContent>
+      <mc:AlternateContent xmlns:mc="http://schemas.openxmlformats.org/markup-compatibility/2006" xmlns:a14="http://schemas.microsoft.com/office/drawing/2010/main">
+        <mc:Choice Requires="a14">
+          <p:sp>
+            <p:nvSpPr>
+              <p:cNvPr id="73" name="CuadroTexto 72">
+                <a:extLst>
+                  <a:ext uri="{FF2B5EF4-FFF2-40B4-BE49-F238E27FC236}">
+                    <a16:creationId xmlns:a16="http://schemas.microsoft.com/office/drawing/2014/main" id="{3FF4D663-5600-AA0B-2804-CF67AB096FA5}"/>
+                  </a:ext>
+                </a:extLst>
+              </p:cNvPr>
+              <p:cNvSpPr txBox="1"/>
+              <p:nvPr/>
+            </p:nvSpPr>
+            <p:spPr>
+              <a:xfrm>
+                <a:off x="6208149" y="4868641"/>
+                <a:ext cx="183320" cy="276999"/>
+              </a:xfrm>
+              <a:prstGeom prst="rect">
+                <a:avLst/>
+              </a:prstGeom>
+              <a:noFill/>
+            </p:spPr>
+            <p:txBody>
+              <a:bodyPr wrap="none" lIns="0" tIns="0" rIns="0" bIns="0" rtlCol="0">
+                <a:spAutoFit/>
+              </a:bodyPr>
+              <a:lstStyle/>
+              <a:p>
+                <a:pPr/>
+                <a14:m>
+                  <m:oMathPara xmlns:m="http://schemas.openxmlformats.org/officeDocument/2006/math">
+                    <m:oMathParaPr>
+                      <m:jc m:val="centerGroup"/>
+                    </m:oMathParaPr>
+                    <m:oMath xmlns:m="http://schemas.openxmlformats.org/officeDocument/2006/math">
+                      <m:r>
+                        <a:rPr lang="es-CO" b="0" i="1" smtClean="0">
+                          <a:latin typeface="Cambria Math" panose="02040503050406030204" pitchFamily="18" charset="0"/>
+                        </a:rPr>
+                        <m:t>𝑥</m:t>
+                      </m:r>
+                    </m:oMath>
+                  </m:oMathPara>
+                </a14:m>
+                <a:endParaRPr lang="es-CO" dirty="0"/>
+              </a:p>
+            </p:txBody>
+          </p:sp>
+        </mc:Choice>
+        <mc:Fallback xmlns="">
+          <p:sp>
+            <p:nvSpPr>
+              <p:cNvPr id="73" name="CuadroTexto 72">
+                <a:extLst>
+                  <a:ext uri="{FF2B5EF4-FFF2-40B4-BE49-F238E27FC236}">
+                    <a16:creationId xmlns:a16="http://schemas.microsoft.com/office/drawing/2014/main" id="{3FF4D663-5600-AA0B-2804-CF67AB096FA5}"/>
+                  </a:ext>
+                </a:extLst>
+              </p:cNvPr>
+              <p:cNvSpPr txBox="1">
+                <a:spLocks noRot="1" noChangeAspect="1" noMove="1" noResize="1" noEditPoints="1" noAdjustHandles="1" noChangeArrowheads="1" noChangeShapeType="1" noTextEdit="1"/>
+              </p:cNvSpPr>
+              <p:nvPr/>
+            </p:nvSpPr>
+            <p:spPr>
+              <a:xfrm>
+                <a:off x="6208149" y="4868641"/>
+                <a:ext cx="183320" cy="276999"/>
+              </a:xfrm>
+              <a:prstGeom prst="rect">
+                <a:avLst/>
+              </a:prstGeom>
+              <a:blipFill>
+                <a:blip r:embed="rId3"/>
+                <a:stretch>
+                  <a:fillRect l="-20000" r="-13333"/>
+                </a:stretch>
+              </a:blipFill>
+            </p:spPr>
+            <p:txBody>
+              <a:bodyPr/>
+              <a:lstStyle/>
+              <a:p>
+                <a:r>
+                  <a:rPr lang="es-CO">
+                    <a:noFill/>
+                  </a:rPr>
+                  <a:t> </a:t>
+                </a:r>
+              </a:p>
+            </p:txBody>
+          </p:sp>
+        </mc:Fallback>
+      </mc:AlternateContent>
+      <mc:AlternateContent xmlns:mc="http://schemas.openxmlformats.org/markup-compatibility/2006" xmlns:a14="http://schemas.microsoft.com/office/drawing/2010/main">
+        <mc:Choice Requires="a14">
+          <p:sp>
+            <p:nvSpPr>
+              <p:cNvPr id="74" name="CuadroTexto 73">
+                <a:extLst>
+                  <a:ext uri="{FF2B5EF4-FFF2-40B4-BE49-F238E27FC236}">
+                    <a16:creationId xmlns:a16="http://schemas.microsoft.com/office/drawing/2014/main" id="{04B53826-C120-8304-7C7F-EB4B4CAE834E}"/>
+                  </a:ext>
+                </a:extLst>
+              </p:cNvPr>
+              <p:cNvSpPr txBox="1"/>
+              <p:nvPr/>
+            </p:nvSpPr>
+            <p:spPr>
+              <a:xfrm>
+                <a:off x="2357377" y="436436"/>
+                <a:ext cx="186718" cy="276999"/>
+              </a:xfrm>
+              <a:prstGeom prst="rect">
+                <a:avLst/>
+              </a:prstGeom>
+              <a:noFill/>
+            </p:spPr>
+            <p:txBody>
+              <a:bodyPr wrap="none" lIns="0" tIns="0" rIns="0" bIns="0" rtlCol="0">
+                <a:spAutoFit/>
+              </a:bodyPr>
+              <a:lstStyle/>
+              <a:p>
+                <a:pPr/>
+                <a14:m>
+                  <m:oMathPara xmlns:m="http://schemas.openxmlformats.org/officeDocument/2006/math">
+                    <m:oMathParaPr>
+                      <m:jc m:val="centerGroup"/>
+                    </m:oMathParaPr>
+                    <m:oMath xmlns:m="http://schemas.openxmlformats.org/officeDocument/2006/math">
+                      <m:r>
+                        <a:rPr lang="es-CO" b="0" i="1" smtClean="0">
+                          <a:latin typeface="Cambria Math" panose="02040503050406030204" pitchFamily="18" charset="0"/>
+                        </a:rPr>
+                        <m:t>𝑦</m:t>
+                      </m:r>
+                    </m:oMath>
+                  </m:oMathPara>
+                </a14:m>
+                <a:endParaRPr lang="es-CO" dirty="0"/>
+              </a:p>
+            </p:txBody>
+          </p:sp>
+        </mc:Choice>
+        <mc:Fallback xmlns="">
+          <p:sp>
+            <p:nvSpPr>
+              <p:cNvPr id="74" name="CuadroTexto 73">
+                <a:extLst>
+                  <a:ext uri="{FF2B5EF4-FFF2-40B4-BE49-F238E27FC236}">
+                    <a16:creationId xmlns:a16="http://schemas.microsoft.com/office/drawing/2014/main" id="{04B53826-C120-8304-7C7F-EB4B4CAE834E}"/>
+                  </a:ext>
+                </a:extLst>
+              </p:cNvPr>
+              <p:cNvSpPr txBox="1">
+                <a:spLocks noRot="1" noChangeAspect="1" noMove="1" noResize="1" noEditPoints="1" noAdjustHandles="1" noChangeArrowheads="1" noChangeShapeType="1" noTextEdit="1"/>
+              </p:cNvSpPr>
+              <p:nvPr/>
+            </p:nvSpPr>
+            <p:spPr>
+              <a:xfrm>
+                <a:off x="2357377" y="436436"/>
+                <a:ext cx="186718" cy="276999"/>
+              </a:xfrm>
+              <a:prstGeom prst="rect">
+                <a:avLst/>
+              </a:prstGeom>
+              <a:blipFill>
+                <a:blip r:embed="rId4"/>
+                <a:stretch>
+                  <a:fillRect l="-33333" r="-30000" b="-26667"/>
+                </a:stretch>
+              </a:blipFill>
+            </p:spPr>
+            <p:txBody>
+              <a:bodyPr/>
+              <a:lstStyle/>
+              <a:p>
+                <a:r>
+                  <a:rPr lang="es-CO">
+                    <a:noFill/>
+                  </a:rPr>
+                  <a:t> </a:t>
+                </a:r>
+              </a:p>
+            </p:txBody>
+          </p:sp>
+        </mc:Fallback>
+      </mc:AlternateContent>
+      <mc:AlternateContent xmlns:mc="http://schemas.openxmlformats.org/markup-compatibility/2006" xmlns:a14="http://schemas.microsoft.com/office/drawing/2010/main">
+        <mc:Choice Requires="a14">
+          <p:sp>
+            <p:nvSpPr>
+              <p:cNvPr id="75" name="CuadroTexto 74">
+                <a:extLst>
+                  <a:ext uri="{FF2B5EF4-FFF2-40B4-BE49-F238E27FC236}">
+                    <a16:creationId xmlns:a16="http://schemas.microsoft.com/office/drawing/2014/main" id="{14C2E842-B87F-736C-DE46-F3F573FEFBDD}"/>
+                  </a:ext>
+                </a:extLst>
+              </p:cNvPr>
+              <p:cNvSpPr txBox="1"/>
+              <p:nvPr/>
+            </p:nvSpPr>
+            <p:spPr>
+              <a:xfrm>
+                <a:off x="4507728" y="1452132"/>
+                <a:ext cx="880433" cy="276999"/>
+              </a:xfrm>
+              <a:prstGeom prst="rect">
+                <a:avLst/>
+              </a:prstGeom>
+              <a:noFill/>
+            </p:spPr>
+            <p:txBody>
+              <a:bodyPr wrap="none" lIns="0" tIns="0" rIns="0" bIns="0" rtlCol="0">
+                <a:spAutoFit/>
+              </a:bodyPr>
+              <a:lstStyle/>
+              <a:p>
+                <a:pPr/>
+                <a14:m>
+                  <m:oMathPara xmlns:m="http://schemas.openxmlformats.org/officeDocument/2006/math">
+                    <m:oMathParaPr>
+                      <m:jc m:val="centerGroup"/>
+                    </m:oMathParaPr>
+                    <m:oMath xmlns:m="http://schemas.openxmlformats.org/officeDocument/2006/math">
+                      <m:d>
+                        <m:dPr>
+                          <m:ctrlPr>
+                            <a:rPr lang="es-CO" b="0" i="1" smtClean="0">
+                              <a:latin typeface="Cambria Math" panose="02040503050406030204" pitchFamily="18" charset="0"/>
+                            </a:rPr>
+                          </m:ctrlPr>
+                        </m:dPr>
+                        <m:e>
+                          <m:sSub>
+                            <m:sSubPr>
+                              <m:ctrlPr>
+                                <a:rPr lang="es-CO" b="0" i="1" smtClean="0">
+                                  <a:latin typeface="Cambria Math" panose="02040503050406030204" pitchFamily="18" charset="0"/>
+                                </a:rPr>
+                              </m:ctrlPr>
+                            </m:sSubPr>
+                            <m:e>
+                              <m:r>
+                                <a:rPr lang="es-CO" b="0" i="1" smtClean="0">
+                                  <a:latin typeface="Cambria Math" panose="02040503050406030204" pitchFamily="18" charset="0"/>
+                                </a:rPr>
+                                <m:t>𝑥</m:t>
+                              </m:r>
+                            </m:e>
+                            <m:sub>
+                              <m:r>
+                                <a:rPr lang="es-CO" b="0" i="1" smtClean="0">
+                                  <a:latin typeface="Cambria Math" panose="02040503050406030204" pitchFamily="18" charset="0"/>
+                                </a:rPr>
+                                <m:t>𝑇</m:t>
+                              </m:r>
+                            </m:sub>
+                          </m:sSub>
+                          <m:r>
+                            <a:rPr lang="es-CO" b="0" i="1" smtClean="0">
+                              <a:latin typeface="Cambria Math" panose="02040503050406030204" pitchFamily="18" charset="0"/>
+                            </a:rPr>
+                            <m:t> , </m:t>
+                          </m:r>
+                          <m:sSub>
+                            <m:sSubPr>
+                              <m:ctrlPr>
+                                <a:rPr lang="es-CO" b="0" i="1" smtClean="0">
+                                  <a:latin typeface="Cambria Math" panose="02040503050406030204" pitchFamily="18" charset="0"/>
+                                </a:rPr>
+                              </m:ctrlPr>
+                            </m:sSubPr>
+                            <m:e>
+                              <m:r>
+                                <a:rPr lang="es-CO" b="0" i="1" smtClean="0">
+                                  <a:latin typeface="Cambria Math" panose="02040503050406030204" pitchFamily="18" charset="0"/>
+                                </a:rPr>
+                                <m:t>𝑦</m:t>
+                              </m:r>
+                            </m:e>
+                            <m:sub>
+                              <m:r>
+                                <a:rPr lang="es-CO" b="0" i="1" smtClean="0">
+                                  <a:latin typeface="Cambria Math" panose="02040503050406030204" pitchFamily="18" charset="0"/>
+                                </a:rPr>
+                                <m:t>𝑇</m:t>
+                              </m:r>
+                            </m:sub>
+                          </m:sSub>
+                        </m:e>
+                      </m:d>
+                    </m:oMath>
+                  </m:oMathPara>
+                </a14:m>
+                <a:endParaRPr lang="es-CO" dirty="0"/>
+              </a:p>
+            </p:txBody>
+          </p:sp>
+        </mc:Choice>
+        <mc:Fallback xmlns="">
+          <p:sp>
+            <p:nvSpPr>
+              <p:cNvPr id="75" name="CuadroTexto 74">
+                <a:extLst>
+                  <a:ext uri="{FF2B5EF4-FFF2-40B4-BE49-F238E27FC236}">
+                    <a16:creationId xmlns:a16="http://schemas.microsoft.com/office/drawing/2014/main" id="{14C2E842-B87F-736C-DE46-F3F573FEFBDD}"/>
+                  </a:ext>
+                </a:extLst>
+              </p:cNvPr>
+              <p:cNvSpPr txBox="1">
+                <a:spLocks noRot="1" noChangeAspect="1" noMove="1" noResize="1" noEditPoints="1" noAdjustHandles="1" noChangeArrowheads="1" noChangeShapeType="1" noTextEdit="1"/>
+              </p:cNvSpPr>
+              <p:nvPr/>
+            </p:nvSpPr>
+            <p:spPr>
+              <a:xfrm>
                 <a:off x="4507728" y="1452132"/>
                 <a:ext cx="880433" cy="276999"/>
               </a:xfrm>
@@ -24368,8 +28093,8 @@
           </a:p>
         </p:txBody>
       </p:sp>
-      <mc:AlternateContent xmlns:mc="http://schemas.openxmlformats.org/markup-compatibility/2006">
-        <mc:Choice xmlns:a14="http://schemas.microsoft.com/office/drawing/2010/main" Requires="a14">
+      <mc:AlternateContent xmlns:mc="http://schemas.openxmlformats.org/markup-compatibility/2006" xmlns:a14="http://schemas.microsoft.com/office/drawing/2010/main">
+        <mc:Choice Requires="a14">
           <p:sp>
             <p:nvSpPr>
               <p:cNvPr id="21" name="CuadroTexto 20">
@@ -24419,7 +28144,7 @@
             </p:txBody>
           </p:sp>
         </mc:Choice>
-        <mc:Fallback>
+        <mc:Fallback xmlns="">
           <p:sp>
             <p:nvSpPr>
               <p:cNvPr id="21" name="CuadroTexto 20">
@@ -24515,8 +28240,8 @@
           </a:p>
         </p:txBody>
       </p:sp>
-      <mc:AlternateContent xmlns:mc="http://schemas.openxmlformats.org/markup-compatibility/2006">
-        <mc:Choice xmlns:a14="http://schemas.microsoft.com/office/drawing/2010/main" Requires="a14">
+      <mc:AlternateContent xmlns:mc="http://schemas.openxmlformats.org/markup-compatibility/2006" xmlns:a14="http://schemas.microsoft.com/office/drawing/2010/main">
+        <mc:Choice Requires="a14">
           <p:sp>
             <p:nvSpPr>
               <p:cNvPr id="11" name="CuadroTexto 10">
@@ -24585,7 +28310,7 @@
             </p:txBody>
           </p:sp>
         </mc:Choice>
-        <mc:Fallback>
+        <mc:Fallback xmlns="">
           <p:sp>
             <p:nvSpPr>
               <p:cNvPr id="11" name="CuadroTexto 10">
@@ -24684,8 +28409,8 @@
           </a:p>
         </p:txBody>
       </p:sp>
-      <mc:AlternateContent xmlns:mc="http://schemas.openxmlformats.org/markup-compatibility/2006">
-        <mc:Choice xmlns:a14="http://schemas.microsoft.com/office/drawing/2010/main" Requires="a14">
+      <mc:AlternateContent xmlns:mc="http://schemas.openxmlformats.org/markup-compatibility/2006" xmlns:a14="http://schemas.microsoft.com/office/drawing/2010/main">
+        <mc:Choice Requires="a14">
           <p:sp>
             <p:nvSpPr>
               <p:cNvPr id="10" name="CuadroTexto 9">
@@ -24735,7 +28460,7 @@
             </p:txBody>
           </p:sp>
         </mc:Choice>
-        <mc:Fallback>
+        <mc:Fallback xmlns="">
           <p:sp>
             <p:nvSpPr>
               <p:cNvPr id="10" name="CuadroTexto 9">
@@ -24827,8 +28552,8 @@
           </a:p>
         </p:txBody>
       </p:sp>
-      <mc:AlternateContent xmlns:mc="http://schemas.openxmlformats.org/markup-compatibility/2006">
-        <mc:Choice xmlns:a14="http://schemas.microsoft.com/office/drawing/2010/main" Requires="a14">
+      <mc:AlternateContent xmlns:mc="http://schemas.openxmlformats.org/markup-compatibility/2006" xmlns:a14="http://schemas.microsoft.com/office/drawing/2010/main">
+        <mc:Choice Requires="a14">
           <p:sp>
             <p:nvSpPr>
               <p:cNvPr id="13" name="CuadroTexto 12">
@@ -24878,7 +28603,7 @@
             </p:txBody>
           </p:sp>
         </mc:Choice>
-        <mc:Fallback>
+        <mc:Fallback xmlns="">
           <p:sp>
             <p:nvSpPr>
               <p:cNvPr id="13" name="CuadroTexto 12">
@@ -24936,7 +28661,7 @@
 </p:sld>
 </file>
 
-<file path=ppt/slides/slide8.xml><?xml version="1.0" encoding="utf-8"?>
+<file path=ppt/slides/slide9.xml><?xml version="1.0" encoding="utf-8"?>
 <p:sld xmlns:a="http://schemas.openxmlformats.org/drawingml/2006/main" xmlns:r="http://schemas.openxmlformats.org/officeDocument/2006/relationships" xmlns:p="http://schemas.openxmlformats.org/presentationml/2006/main">
   <p:cSld>
     <p:spTree>
@@ -26530,1175 +30255,6 @@
 </p:sld>
 </file>
 
-<file path=ppt/slides/slide9.xml><?xml version="1.0" encoding="utf-8"?>
-<p:sld xmlns:a="http://schemas.openxmlformats.org/drawingml/2006/main" xmlns:r="http://schemas.openxmlformats.org/officeDocument/2006/relationships" xmlns:p="http://schemas.openxmlformats.org/presentationml/2006/main">
-  <p:cSld>
-    <p:spTree>
-      <p:nvGrpSpPr>
-        <p:cNvPr id="1" name=""/>
-        <p:cNvGrpSpPr/>
-        <p:nvPr/>
-      </p:nvGrpSpPr>
-      <p:grpSpPr>
-        <a:xfrm>
-          <a:off x="0" y="0"/>
-          <a:ext cx="0" cy="0"/>
-          <a:chOff x="0" y="0"/>
-          <a:chExt cx="0" cy="0"/>
-        </a:xfrm>
-      </p:grpSpPr>
-      <p:cxnSp>
-        <p:nvCxnSpPr>
-          <p:cNvPr id="3" name="Conector recto 2">
-            <a:extLst>
-              <a:ext uri="{FF2B5EF4-FFF2-40B4-BE49-F238E27FC236}">
-                <a16:creationId xmlns:a16="http://schemas.microsoft.com/office/drawing/2014/main" id="{971FC22D-1226-F530-79DF-A9E000F303A0}"/>
-              </a:ext>
-            </a:extLst>
-          </p:cNvPr>
-          <p:cNvCxnSpPr/>
-          <p:nvPr/>
-        </p:nvCxnSpPr>
-        <p:spPr>
-          <a:xfrm flipV="1">
-            <a:off x="2062065" y="1287624"/>
-            <a:ext cx="1670180" cy="1334278"/>
-          </a:xfrm>
-          <a:prstGeom prst="line">
-            <a:avLst/>
-          </a:prstGeom>
-        </p:spPr>
-        <p:style>
-          <a:lnRef idx="1">
-            <a:schemeClr val="accent1"/>
-          </a:lnRef>
-          <a:fillRef idx="0">
-            <a:schemeClr val="accent1"/>
-          </a:fillRef>
-          <a:effectRef idx="0">
-            <a:schemeClr val="accent1"/>
-          </a:effectRef>
-          <a:fontRef idx="minor">
-            <a:schemeClr val="tx1"/>
-          </a:fontRef>
-        </p:style>
-      </p:cxnSp>
-      <p:sp>
-        <p:nvSpPr>
-          <p:cNvPr id="4" name="Rectángulo: esquinas redondeadas 3">
-            <a:extLst>
-              <a:ext uri="{FF2B5EF4-FFF2-40B4-BE49-F238E27FC236}">
-                <a16:creationId xmlns:a16="http://schemas.microsoft.com/office/drawing/2014/main" id="{B0ABAF0E-C954-83CC-40FC-40BF1582E071}"/>
-              </a:ext>
-            </a:extLst>
-          </p:cNvPr>
-          <p:cNvSpPr/>
-          <p:nvPr/>
-        </p:nvSpPr>
-        <p:spPr>
-          <a:xfrm>
-            <a:off x="1525555" y="2635898"/>
-            <a:ext cx="1073020" cy="233266"/>
-          </a:xfrm>
-          <a:prstGeom prst="roundRect">
-            <a:avLst/>
-          </a:prstGeom>
-        </p:spPr>
-        <p:style>
-          <a:lnRef idx="2">
-            <a:schemeClr val="accent1">
-              <a:shade val="50000"/>
-            </a:schemeClr>
-          </a:lnRef>
-          <a:fillRef idx="1">
-            <a:schemeClr val="accent1"/>
-          </a:fillRef>
-          <a:effectRef idx="0">
-            <a:schemeClr val="accent1"/>
-          </a:effectRef>
-          <a:fontRef idx="minor">
-            <a:schemeClr val="lt1"/>
-          </a:fontRef>
-        </p:style>
-        <p:txBody>
-          <a:bodyPr rtlCol="0" anchor="ctr"/>
-          <a:lstStyle/>
-          <a:p>
-            <a:pPr algn="ctr"/>
-            <a:endParaRPr lang="es-CO"/>
-          </a:p>
-        </p:txBody>
-      </p:sp>
-      <p:sp>
-        <p:nvSpPr>
-          <p:cNvPr id="5" name="Elipse 4">
-            <a:extLst>
-              <a:ext uri="{FF2B5EF4-FFF2-40B4-BE49-F238E27FC236}">
-                <a16:creationId xmlns:a16="http://schemas.microsoft.com/office/drawing/2014/main" id="{0E4D25CE-1430-F7FD-8159-AC8FF7456486}"/>
-              </a:ext>
-            </a:extLst>
-          </p:cNvPr>
-          <p:cNvSpPr/>
-          <p:nvPr/>
-        </p:nvSpPr>
-        <p:spPr>
-          <a:xfrm>
-            <a:off x="3601616" y="1156995"/>
-            <a:ext cx="261257" cy="261257"/>
-          </a:xfrm>
-          <a:prstGeom prst="ellipse">
-            <a:avLst/>
-          </a:prstGeom>
-        </p:spPr>
-        <p:style>
-          <a:lnRef idx="2">
-            <a:schemeClr val="accent1">
-              <a:shade val="50000"/>
-            </a:schemeClr>
-          </a:lnRef>
-          <a:fillRef idx="1">
-            <a:schemeClr val="accent1"/>
-          </a:fillRef>
-          <a:effectRef idx="0">
-            <a:schemeClr val="accent1"/>
-          </a:effectRef>
-          <a:fontRef idx="minor">
-            <a:schemeClr val="lt1"/>
-          </a:fontRef>
-        </p:style>
-        <p:txBody>
-          <a:bodyPr rtlCol="0" anchor="ctr"/>
-          <a:lstStyle/>
-          <a:p>
-            <a:pPr algn="ctr"/>
-            <a:endParaRPr lang="es-CO"/>
-          </a:p>
-        </p:txBody>
-      </p:sp>
-      <p:cxnSp>
-        <p:nvCxnSpPr>
-          <p:cNvPr id="6" name="Conector recto 5">
-            <a:extLst>
-              <a:ext uri="{FF2B5EF4-FFF2-40B4-BE49-F238E27FC236}">
-                <a16:creationId xmlns:a16="http://schemas.microsoft.com/office/drawing/2014/main" id="{1316ACAB-960B-6E6B-4508-FAE37A1920AE}"/>
-              </a:ext>
-            </a:extLst>
-          </p:cNvPr>
-          <p:cNvCxnSpPr>
-            <a:cxnSpLocks/>
-          </p:cNvCxnSpPr>
-          <p:nvPr/>
-        </p:nvCxnSpPr>
-        <p:spPr>
-          <a:xfrm flipH="1" flipV="1">
-            <a:off x="3732244" y="1287623"/>
-            <a:ext cx="1230704" cy="1181261"/>
-          </a:xfrm>
-          <a:prstGeom prst="line">
-            <a:avLst/>
-          </a:prstGeom>
-        </p:spPr>
-        <p:style>
-          <a:lnRef idx="1">
-            <a:schemeClr val="accent1"/>
-          </a:lnRef>
-          <a:fillRef idx="0">
-            <a:schemeClr val="accent1"/>
-          </a:fillRef>
-          <a:effectRef idx="0">
-            <a:schemeClr val="accent1"/>
-          </a:effectRef>
-          <a:fontRef idx="minor">
-            <a:schemeClr val="tx1"/>
-          </a:fontRef>
-        </p:style>
-      </p:cxnSp>
-      <p:sp>
-        <p:nvSpPr>
-          <p:cNvPr id="10" name="Elipse 9">
-            <a:extLst>
-              <a:ext uri="{FF2B5EF4-FFF2-40B4-BE49-F238E27FC236}">
-                <a16:creationId xmlns:a16="http://schemas.microsoft.com/office/drawing/2014/main" id="{A151E70B-FCB6-6872-8C20-25F6164AF74D}"/>
-              </a:ext>
-            </a:extLst>
-          </p:cNvPr>
-          <p:cNvSpPr/>
-          <p:nvPr/>
-        </p:nvSpPr>
-        <p:spPr>
-          <a:xfrm>
-            <a:off x="4812721" y="2284136"/>
-            <a:ext cx="261257" cy="261257"/>
-          </a:xfrm>
-          <a:prstGeom prst="ellipse">
-            <a:avLst/>
-          </a:prstGeom>
-        </p:spPr>
-        <p:style>
-          <a:lnRef idx="2">
-            <a:schemeClr val="accent1">
-              <a:shade val="50000"/>
-            </a:schemeClr>
-          </a:lnRef>
-          <a:fillRef idx="1">
-            <a:schemeClr val="accent1"/>
-          </a:fillRef>
-          <a:effectRef idx="0">
-            <a:schemeClr val="accent1"/>
-          </a:effectRef>
-          <a:fontRef idx="minor">
-            <a:schemeClr val="lt1"/>
-          </a:fontRef>
-        </p:style>
-        <p:txBody>
-          <a:bodyPr rtlCol="0" anchor="ctr"/>
-          <a:lstStyle/>
-          <a:p>
-            <a:pPr algn="ctr"/>
-            <a:endParaRPr lang="es-CO"/>
-          </a:p>
-        </p:txBody>
-      </p:sp>
-      <p:cxnSp>
-        <p:nvCxnSpPr>
-          <p:cNvPr id="11" name="Conector recto 10">
-            <a:extLst>
-              <a:ext uri="{FF2B5EF4-FFF2-40B4-BE49-F238E27FC236}">
-                <a16:creationId xmlns:a16="http://schemas.microsoft.com/office/drawing/2014/main" id="{670726A4-A604-9631-B5C9-875B6A8A4D24}"/>
-              </a:ext>
-            </a:extLst>
-          </p:cNvPr>
-          <p:cNvCxnSpPr>
-            <a:cxnSpLocks/>
-          </p:cNvCxnSpPr>
-          <p:nvPr/>
-        </p:nvCxnSpPr>
-        <p:spPr>
-          <a:xfrm flipH="1" flipV="1">
-            <a:off x="4943349" y="2414764"/>
-            <a:ext cx="307586" cy="901040"/>
-          </a:xfrm>
-          <a:prstGeom prst="line">
-            <a:avLst/>
-          </a:prstGeom>
-        </p:spPr>
-        <p:style>
-          <a:lnRef idx="1">
-            <a:schemeClr val="accent1"/>
-          </a:lnRef>
-          <a:fillRef idx="0">
-            <a:schemeClr val="accent1"/>
-          </a:fillRef>
-          <a:effectRef idx="0">
-            <a:schemeClr val="accent1"/>
-          </a:effectRef>
-          <a:fontRef idx="minor">
-            <a:schemeClr val="tx1"/>
-          </a:fontRef>
-        </p:style>
-      </p:cxnSp>
-      <p:cxnSp>
-        <p:nvCxnSpPr>
-          <p:cNvPr id="15" name="Conector recto 14">
-            <a:extLst>
-              <a:ext uri="{FF2B5EF4-FFF2-40B4-BE49-F238E27FC236}">
-                <a16:creationId xmlns:a16="http://schemas.microsoft.com/office/drawing/2014/main" id="{4A030C1B-1B1B-05E0-299F-BCADC037DF93}"/>
-              </a:ext>
-            </a:extLst>
-          </p:cNvPr>
-          <p:cNvCxnSpPr>
-            <a:cxnSpLocks/>
-            <a:stCxn id="10" idx="6"/>
-          </p:cNvCxnSpPr>
-          <p:nvPr/>
-        </p:nvCxnSpPr>
-        <p:spPr>
-          <a:xfrm>
-            <a:off x="5073978" y="2414765"/>
-            <a:ext cx="1003041" cy="0"/>
-          </a:xfrm>
-          <a:prstGeom prst="line">
-            <a:avLst/>
-          </a:prstGeom>
-          <a:ln>
-            <a:solidFill>
-              <a:schemeClr val="tx1"/>
-            </a:solidFill>
-            <a:prstDash val="lgDash"/>
-          </a:ln>
-        </p:spPr>
-        <p:style>
-          <a:lnRef idx="1">
-            <a:schemeClr val="accent1"/>
-          </a:lnRef>
-          <a:fillRef idx="0">
-            <a:schemeClr val="accent1"/>
-          </a:fillRef>
-          <a:effectRef idx="0">
-            <a:schemeClr val="accent1"/>
-          </a:effectRef>
-          <a:fontRef idx="minor">
-            <a:schemeClr val="tx1"/>
-          </a:fontRef>
-        </p:style>
-      </p:cxnSp>
-      <p:sp>
-        <p:nvSpPr>
-          <p:cNvPr id="18" name="Arco 17">
-            <a:extLst>
-              <a:ext uri="{FF2B5EF4-FFF2-40B4-BE49-F238E27FC236}">
-                <a16:creationId xmlns:a16="http://schemas.microsoft.com/office/drawing/2014/main" id="{2423ED5F-3FE6-B6F4-4763-B777FD26CD53}"/>
-              </a:ext>
-            </a:extLst>
-          </p:cNvPr>
-          <p:cNvSpPr/>
-          <p:nvPr/>
-        </p:nvSpPr>
-        <p:spPr>
-          <a:xfrm rot="5400000">
-            <a:off x="4836510" y="2200159"/>
-            <a:ext cx="430146" cy="477724"/>
-          </a:xfrm>
-          <a:prstGeom prst="arc">
-            <a:avLst/>
-          </a:prstGeom>
-        </p:spPr>
-        <p:style>
-          <a:lnRef idx="1">
-            <a:schemeClr val="accent1"/>
-          </a:lnRef>
-          <a:fillRef idx="0">
-            <a:schemeClr val="accent1"/>
-          </a:fillRef>
-          <a:effectRef idx="0">
-            <a:schemeClr val="accent1"/>
-          </a:effectRef>
-          <a:fontRef idx="minor">
-            <a:schemeClr val="tx1"/>
-          </a:fontRef>
-        </p:style>
-        <p:txBody>
-          <a:bodyPr rtlCol="0" anchor="ctr"/>
-          <a:lstStyle/>
-          <a:p>
-            <a:pPr algn="ctr"/>
-            <a:endParaRPr lang="es-CO"/>
-          </a:p>
-        </p:txBody>
-      </p:sp>
-      <mc:AlternateContent xmlns:mc="http://schemas.openxmlformats.org/markup-compatibility/2006" xmlns:a14="http://schemas.microsoft.com/office/drawing/2010/main">
-        <mc:Choice Requires="a14">
-          <p:sp>
-            <p:nvSpPr>
-              <p:cNvPr id="19" name="CuadroTexto 18">
-                <a:extLst>
-                  <a:ext uri="{FF2B5EF4-FFF2-40B4-BE49-F238E27FC236}">
-                    <a16:creationId xmlns:a16="http://schemas.microsoft.com/office/drawing/2014/main" id="{44A66112-436E-DE33-4742-1A21FAEA6393}"/>
-                  </a:ext>
-                </a:extLst>
-              </p:cNvPr>
-              <p:cNvSpPr txBox="1"/>
-              <p:nvPr/>
-            </p:nvSpPr>
-            <p:spPr>
-              <a:xfrm>
-                <a:off x="5293419" y="2545393"/>
-                <a:ext cx="280782" cy="276999"/>
-              </a:xfrm>
-              <a:prstGeom prst="rect">
-                <a:avLst/>
-              </a:prstGeom>
-              <a:noFill/>
-            </p:spPr>
-            <p:txBody>
-              <a:bodyPr wrap="none" lIns="0" tIns="0" rIns="0" bIns="0" rtlCol="0">
-                <a:spAutoFit/>
-              </a:bodyPr>
-              <a:lstStyle/>
-              <a:p>
-                <a:pPr/>
-                <a14:m>
-                  <m:oMathPara xmlns:m="http://schemas.openxmlformats.org/officeDocument/2006/math">
-                    <m:oMathParaPr>
-                      <m:jc m:val="centerGroup"/>
-                    </m:oMathParaPr>
-                    <m:oMath xmlns:m="http://schemas.openxmlformats.org/officeDocument/2006/math">
-                      <m:sSub>
-                        <m:sSubPr>
-                          <m:ctrlPr>
-                            <a:rPr lang="es-CO" b="0" i="1" smtClean="0">
-                              <a:latin typeface="Cambria Math" panose="02040503050406030204" pitchFamily="18" charset="0"/>
-                            </a:rPr>
-                          </m:ctrlPr>
-                        </m:sSubPr>
-                        <m:e>
-                          <m:r>
-                            <a:rPr lang="es-CO" b="0" i="1" smtClean="0">
-                              <a:latin typeface="Cambria Math" panose="02040503050406030204" pitchFamily="18" charset="0"/>
-                            </a:rPr>
-                            <m:t>𝑞</m:t>
-                          </m:r>
-                        </m:e>
-                        <m:sub>
-                          <m:r>
-                            <a:rPr lang="es-CO" b="0" i="1" smtClean="0">
-                              <a:latin typeface="Cambria Math" panose="02040503050406030204" pitchFamily="18" charset="0"/>
-                            </a:rPr>
-                            <m:t>4</m:t>
-                          </m:r>
-                        </m:sub>
-                      </m:sSub>
-                    </m:oMath>
-                  </m:oMathPara>
-                </a14:m>
-                <a:endParaRPr lang="es-CO" dirty="0"/>
-              </a:p>
-            </p:txBody>
-          </p:sp>
-        </mc:Choice>
-        <mc:Fallback xmlns="">
-          <p:sp>
-            <p:nvSpPr>
-              <p:cNvPr id="19" name="CuadroTexto 18">
-                <a:extLst>
-                  <a:ext uri="{FF2B5EF4-FFF2-40B4-BE49-F238E27FC236}">
-                    <a16:creationId xmlns:a16="http://schemas.microsoft.com/office/drawing/2014/main" id="{44A66112-436E-DE33-4742-1A21FAEA6393}"/>
-                  </a:ext>
-                </a:extLst>
-              </p:cNvPr>
-              <p:cNvSpPr txBox="1">
-                <a:spLocks noRot="1" noChangeAspect="1" noMove="1" noResize="1" noEditPoints="1" noAdjustHandles="1" noChangeArrowheads="1" noChangeShapeType="1" noTextEdit="1"/>
-              </p:cNvSpPr>
-              <p:nvPr/>
-            </p:nvSpPr>
-            <p:spPr>
-              <a:xfrm>
-                <a:off x="5293419" y="2545393"/>
-                <a:ext cx="280782" cy="276999"/>
-              </a:xfrm>
-              <a:prstGeom prst="rect">
-                <a:avLst/>
-              </a:prstGeom>
-              <a:blipFill>
-                <a:blip r:embed="rId2"/>
-                <a:stretch>
-                  <a:fillRect l="-21739" r="-6522" b="-26667"/>
-                </a:stretch>
-              </a:blipFill>
-            </p:spPr>
-            <p:txBody>
-              <a:bodyPr/>
-              <a:lstStyle/>
-              <a:p>
-                <a:r>
-                  <a:rPr lang="es-CO">
-                    <a:noFill/>
-                  </a:rPr>
-                  <a:t> </a:t>
-                </a:r>
-              </a:p>
-            </p:txBody>
-          </p:sp>
-        </mc:Fallback>
-      </mc:AlternateContent>
-      <mc:AlternateContent xmlns:mc="http://schemas.openxmlformats.org/markup-compatibility/2006" xmlns:a14="http://schemas.microsoft.com/office/drawing/2010/main">
-        <mc:Choice Requires="a14">
-          <p:sp>
-            <p:nvSpPr>
-              <p:cNvPr id="20" name="CuadroTexto 19">
-                <a:extLst>
-                  <a:ext uri="{FF2B5EF4-FFF2-40B4-BE49-F238E27FC236}">
-                    <a16:creationId xmlns:a16="http://schemas.microsoft.com/office/drawing/2014/main" id="{94E66035-3F30-3B0E-1657-05693CF3B48B}"/>
-                  </a:ext>
-                </a:extLst>
-              </p:cNvPr>
-              <p:cNvSpPr txBox="1"/>
-              <p:nvPr/>
-            </p:nvSpPr>
-            <p:spPr>
-              <a:xfrm>
-                <a:off x="5344420" y="3100332"/>
-                <a:ext cx="286489" cy="276999"/>
-              </a:xfrm>
-              <a:prstGeom prst="rect">
-                <a:avLst/>
-              </a:prstGeom>
-              <a:noFill/>
-            </p:spPr>
-            <p:txBody>
-              <a:bodyPr wrap="none" lIns="0" tIns="0" rIns="0" bIns="0" rtlCol="0">
-                <a:spAutoFit/>
-              </a:bodyPr>
-              <a:lstStyle/>
-              <a:p>
-                <a:pPr/>
-                <a14:m>
-                  <m:oMathPara xmlns:m="http://schemas.openxmlformats.org/officeDocument/2006/math">
-                    <m:oMathParaPr>
-                      <m:jc m:val="centerGroup"/>
-                    </m:oMathParaPr>
-                    <m:oMath xmlns:m="http://schemas.openxmlformats.org/officeDocument/2006/math">
-                      <m:sSub>
-                        <m:sSubPr>
-                          <m:ctrlPr>
-                            <a:rPr lang="es-CO" b="0" i="1" smtClean="0">
-                              <a:latin typeface="Cambria Math" panose="02040503050406030204" pitchFamily="18" charset="0"/>
-                            </a:rPr>
-                          </m:ctrlPr>
-                        </m:sSubPr>
-                        <m:e>
-                          <m:r>
-                            <a:rPr lang="es-CO" b="0" i="1" smtClean="0">
-                              <a:latin typeface="Cambria Math" panose="02040503050406030204" pitchFamily="18" charset="0"/>
-                            </a:rPr>
-                            <m:t>𝑧</m:t>
-                          </m:r>
-                        </m:e>
-                        <m:sub>
-                          <m:r>
-                            <a:rPr lang="es-CO" b="0" i="1" smtClean="0">
-                              <a:latin typeface="Cambria Math" panose="02040503050406030204" pitchFamily="18" charset="0"/>
-                            </a:rPr>
-                            <m:t>𝑇</m:t>
-                          </m:r>
-                        </m:sub>
-                      </m:sSub>
-                    </m:oMath>
-                  </m:oMathPara>
-                </a14:m>
-                <a:endParaRPr lang="es-CO" dirty="0"/>
-              </a:p>
-            </p:txBody>
-          </p:sp>
-        </mc:Choice>
-        <mc:Fallback xmlns="">
-          <p:sp>
-            <p:nvSpPr>
-              <p:cNvPr id="20" name="CuadroTexto 19">
-                <a:extLst>
-                  <a:ext uri="{FF2B5EF4-FFF2-40B4-BE49-F238E27FC236}">
-                    <a16:creationId xmlns:a16="http://schemas.microsoft.com/office/drawing/2014/main" id="{94E66035-3F30-3B0E-1657-05693CF3B48B}"/>
-                  </a:ext>
-                </a:extLst>
-              </p:cNvPr>
-              <p:cNvSpPr txBox="1">
-                <a:spLocks noRot="1" noChangeAspect="1" noMove="1" noResize="1" noEditPoints="1" noAdjustHandles="1" noChangeArrowheads="1" noChangeShapeType="1" noTextEdit="1"/>
-              </p:cNvSpPr>
-              <p:nvPr/>
-            </p:nvSpPr>
-            <p:spPr>
-              <a:xfrm>
-                <a:off x="5344420" y="3100332"/>
-                <a:ext cx="286489" cy="276999"/>
-              </a:xfrm>
-              <a:prstGeom prst="rect">
-                <a:avLst/>
-              </a:prstGeom>
-              <a:blipFill>
-                <a:blip r:embed="rId3"/>
-                <a:stretch>
-                  <a:fillRect l="-12766" r="-2128" b="-15556"/>
-                </a:stretch>
-              </a:blipFill>
-            </p:spPr>
-            <p:txBody>
-              <a:bodyPr/>
-              <a:lstStyle/>
-              <a:p>
-                <a:r>
-                  <a:rPr lang="es-CO">
-                    <a:noFill/>
-                  </a:rPr>
-                  <a:t> </a:t>
-                </a:r>
-              </a:p>
-            </p:txBody>
-          </p:sp>
-        </mc:Fallback>
-      </mc:AlternateContent>
-      <mc:AlternateContent xmlns:mc="http://schemas.openxmlformats.org/markup-compatibility/2006" xmlns:a14="http://schemas.microsoft.com/office/drawing/2010/main">
-        <mc:Choice Requires="a14">
-          <p:sp>
-            <p:nvSpPr>
-              <p:cNvPr id="21" name="CuadroTexto 20">
-                <a:extLst>
-                  <a:ext uri="{FF2B5EF4-FFF2-40B4-BE49-F238E27FC236}">
-                    <a16:creationId xmlns:a16="http://schemas.microsoft.com/office/drawing/2014/main" id="{14235B02-FCDE-E68F-D6C0-6025B020594E}"/>
-                  </a:ext>
-                </a:extLst>
-              </p:cNvPr>
-              <p:cNvSpPr txBox="1"/>
-              <p:nvPr/>
-            </p:nvSpPr>
-            <p:spPr>
-              <a:xfrm>
-                <a:off x="4913535" y="1932430"/>
-                <a:ext cx="337400" cy="276999"/>
-              </a:xfrm>
-              <a:prstGeom prst="rect">
-                <a:avLst/>
-              </a:prstGeom>
-              <a:noFill/>
-            </p:spPr>
-            <p:txBody>
-              <a:bodyPr wrap="none" lIns="0" tIns="0" rIns="0" bIns="0" rtlCol="0">
-                <a:spAutoFit/>
-              </a:bodyPr>
-              <a:lstStyle/>
-              <a:p>
-                <a:pPr/>
-                <a14:m>
-                  <m:oMathPara xmlns:m="http://schemas.openxmlformats.org/officeDocument/2006/math">
-                    <m:oMathParaPr>
-                      <m:jc m:val="centerGroup"/>
-                    </m:oMathParaPr>
-                    <m:oMath xmlns:m="http://schemas.openxmlformats.org/officeDocument/2006/math">
-                      <m:sSub>
-                        <m:sSubPr>
-                          <m:ctrlPr>
-                            <a:rPr lang="es-CO" b="0" i="1" smtClean="0">
-                              <a:latin typeface="Cambria Math" panose="02040503050406030204" pitchFamily="18" charset="0"/>
-                            </a:rPr>
-                          </m:ctrlPr>
-                        </m:sSubPr>
-                        <m:e>
-                          <m:r>
-                            <a:rPr lang="es-CO" b="0" i="1" smtClean="0">
-                              <a:latin typeface="Cambria Math" panose="02040503050406030204" pitchFamily="18" charset="0"/>
-                            </a:rPr>
-                            <m:t>𝑧</m:t>
-                          </m:r>
-                        </m:e>
-                        <m:sub>
-                          <m:r>
-                            <a:rPr lang="es-CO" b="0" i="1" smtClean="0">
-                              <a:latin typeface="Cambria Math" panose="02040503050406030204" pitchFamily="18" charset="0"/>
-                            </a:rPr>
-                            <m:t>𝑊</m:t>
-                          </m:r>
-                        </m:sub>
-                      </m:sSub>
-                    </m:oMath>
-                  </m:oMathPara>
-                </a14:m>
-                <a:endParaRPr lang="es-CO" dirty="0"/>
-              </a:p>
-            </p:txBody>
-          </p:sp>
-        </mc:Choice>
-        <mc:Fallback xmlns="">
-          <p:sp>
-            <p:nvSpPr>
-              <p:cNvPr id="21" name="CuadroTexto 20">
-                <a:extLst>
-                  <a:ext uri="{FF2B5EF4-FFF2-40B4-BE49-F238E27FC236}">
-                    <a16:creationId xmlns:a16="http://schemas.microsoft.com/office/drawing/2014/main" id="{14235B02-FCDE-E68F-D6C0-6025B020594E}"/>
-                  </a:ext>
-                </a:extLst>
-              </p:cNvPr>
-              <p:cNvSpPr txBox="1">
-                <a:spLocks noRot="1" noChangeAspect="1" noMove="1" noResize="1" noEditPoints="1" noAdjustHandles="1" noChangeArrowheads="1" noChangeShapeType="1" noTextEdit="1"/>
-              </p:cNvSpPr>
-              <p:nvPr/>
-            </p:nvSpPr>
-            <p:spPr>
-              <a:xfrm>
-                <a:off x="4913535" y="1932430"/>
-                <a:ext cx="337400" cy="276999"/>
-              </a:xfrm>
-              <a:prstGeom prst="rect">
-                <a:avLst/>
-              </a:prstGeom>
-              <a:blipFill>
-                <a:blip r:embed="rId4"/>
-                <a:stretch>
-                  <a:fillRect l="-10909" r="-5455" b="-15556"/>
-                </a:stretch>
-              </a:blipFill>
-            </p:spPr>
-            <p:txBody>
-              <a:bodyPr/>
-              <a:lstStyle/>
-              <a:p>
-                <a:r>
-                  <a:rPr lang="es-CO">
-                    <a:noFill/>
-                  </a:rPr>
-                  <a:t> </a:t>
-                </a:r>
-              </a:p>
-            </p:txBody>
-          </p:sp>
-        </mc:Fallback>
-      </mc:AlternateContent>
-      <mc:AlternateContent xmlns:mc="http://schemas.openxmlformats.org/markup-compatibility/2006" xmlns:a14="http://schemas.microsoft.com/office/drawing/2010/main">
-        <mc:Choice Requires="a14">
-          <p:sp>
-            <p:nvSpPr>
-              <p:cNvPr id="22" name="CuadroTexto 21">
-                <a:extLst>
-                  <a:ext uri="{FF2B5EF4-FFF2-40B4-BE49-F238E27FC236}">
-                    <a16:creationId xmlns:a16="http://schemas.microsoft.com/office/drawing/2014/main" id="{7C741F5E-2C01-0A5E-C9D5-EE62F0A8B2AD}"/>
-                  </a:ext>
-                </a:extLst>
-              </p:cNvPr>
-              <p:cNvSpPr txBox="1"/>
-              <p:nvPr/>
-            </p:nvSpPr>
-            <p:spPr>
-              <a:xfrm>
-                <a:off x="4849864" y="3007254"/>
-                <a:ext cx="232371" cy="276999"/>
-              </a:xfrm>
-              <a:prstGeom prst="rect">
-                <a:avLst/>
-              </a:prstGeom>
-              <a:noFill/>
-            </p:spPr>
-            <p:txBody>
-              <a:bodyPr wrap="none" lIns="0" tIns="0" rIns="0" bIns="0" rtlCol="0">
-                <a:spAutoFit/>
-              </a:bodyPr>
-              <a:lstStyle/>
-              <a:p>
-                <a:pPr/>
-                <a14:m>
-                  <m:oMathPara xmlns:m="http://schemas.openxmlformats.org/officeDocument/2006/math">
-                    <m:oMathParaPr>
-                      <m:jc m:val="centerGroup"/>
-                    </m:oMathParaPr>
-                    <m:oMath xmlns:m="http://schemas.openxmlformats.org/officeDocument/2006/math">
-                      <m:sSub>
-                        <m:sSubPr>
-                          <m:ctrlPr>
-                            <a:rPr lang="es-CO" b="0" i="1" smtClean="0">
-                              <a:latin typeface="Cambria Math" panose="02040503050406030204" pitchFamily="18" charset="0"/>
-                            </a:rPr>
-                          </m:ctrlPr>
-                        </m:sSubPr>
-                        <m:e>
-                          <m:r>
-                            <a:rPr lang="es-CO" b="0" i="1" smtClean="0">
-                              <a:latin typeface="Cambria Math" panose="02040503050406030204" pitchFamily="18" charset="0"/>
-                            </a:rPr>
-                            <m:t>𝑙</m:t>
-                          </m:r>
-                        </m:e>
-                        <m:sub>
-                          <m:r>
-                            <a:rPr lang="es-CO" b="0" i="1" smtClean="0">
-                              <a:latin typeface="Cambria Math" panose="02040503050406030204" pitchFamily="18" charset="0"/>
-                            </a:rPr>
-                            <m:t>4</m:t>
-                          </m:r>
-                        </m:sub>
-                      </m:sSub>
-                    </m:oMath>
-                  </m:oMathPara>
-                </a14:m>
-                <a:endParaRPr lang="es-CO" dirty="0"/>
-              </a:p>
-            </p:txBody>
-          </p:sp>
-        </mc:Choice>
-        <mc:Fallback xmlns="">
-          <p:sp>
-            <p:nvSpPr>
-              <p:cNvPr id="22" name="CuadroTexto 21">
-                <a:extLst>
-                  <a:ext uri="{FF2B5EF4-FFF2-40B4-BE49-F238E27FC236}">
-                    <a16:creationId xmlns:a16="http://schemas.microsoft.com/office/drawing/2014/main" id="{7C741F5E-2C01-0A5E-C9D5-EE62F0A8B2AD}"/>
-                  </a:ext>
-                </a:extLst>
-              </p:cNvPr>
-              <p:cNvSpPr txBox="1">
-                <a:spLocks noRot="1" noChangeAspect="1" noMove="1" noResize="1" noEditPoints="1" noAdjustHandles="1" noChangeArrowheads="1" noChangeShapeType="1" noTextEdit="1"/>
-              </p:cNvSpPr>
-              <p:nvPr/>
-            </p:nvSpPr>
-            <p:spPr>
-              <a:xfrm>
-                <a:off x="4849864" y="3007254"/>
-                <a:ext cx="232371" cy="276999"/>
-              </a:xfrm>
-              <a:prstGeom prst="rect">
-                <a:avLst/>
-              </a:prstGeom>
-              <a:blipFill>
-                <a:blip r:embed="rId5"/>
-                <a:stretch>
-                  <a:fillRect l="-26316" r="-7895" b="-15217"/>
-                </a:stretch>
-              </a:blipFill>
-            </p:spPr>
-            <p:txBody>
-              <a:bodyPr/>
-              <a:lstStyle/>
-              <a:p>
-                <a:r>
-                  <a:rPr lang="es-CO">
-                    <a:noFill/>
-                  </a:rPr>
-                  <a:t> </a:t>
-                </a:r>
-              </a:p>
-            </p:txBody>
-          </p:sp>
-        </mc:Fallback>
-      </mc:AlternateContent>
-      <p:cxnSp>
-        <p:nvCxnSpPr>
-          <p:cNvPr id="25" name="Conector recto de flecha 24">
-            <a:extLst>
-              <a:ext uri="{FF2B5EF4-FFF2-40B4-BE49-F238E27FC236}">
-                <a16:creationId xmlns:a16="http://schemas.microsoft.com/office/drawing/2014/main" id="{D320F138-7A33-3369-6621-D7644A9FF4F1}"/>
-              </a:ext>
-            </a:extLst>
-          </p:cNvPr>
-          <p:cNvCxnSpPr>
-            <a:cxnSpLocks/>
-            <a:stCxn id="31" idx="2"/>
-          </p:cNvCxnSpPr>
-          <p:nvPr/>
-        </p:nvCxnSpPr>
-        <p:spPr>
-          <a:xfrm>
-            <a:off x="2060320" y="3732242"/>
-            <a:ext cx="4881656" cy="2"/>
-          </a:xfrm>
-          <a:prstGeom prst="straightConnector1">
-            <a:avLst/>
-          </a:prstGeom>
-          <a:ln>
-            <a:tailEnd type="triangle"/>
-          </a:ln>
-        </p:spPr>
-        <p:style>
-          <a:lnRef idx="1">
-            <a:schemeClr val="dk1"/>
-          </a:lnRef>
-          <a:fillRef idx="0">
-            <a:schemeClr val="dk1"/>
-          </a:fillRef>
-          <a:effectRef idx="0">
-            <a:schemeClr val="dk1"/>
-          </a:effectRef>
-          <a:fontRef idx="minor">
-            <a:schemeClr val="tx1"/>
-          </a:fontRef>
-        </p:style>
-      </p:cxnSp>
-      <mc:AlternateContent xmlns:mc="http://schemas.openxmlformats.org/markup-compatibility/2006" xmlns:a14="http://schemas.microsoft.com/office/drawing/2010/main">
-        <mc:Choice Requires="a14">
-          <p:sp>
-            <p:nvSpPr>
-              <p:cNvPr id="28" name="CuadroTexto 27">
-                <a:extLst>
-                  <a:ext uri="{FF2B5EF4-FFF2-40B4-BE49-F238E27FC236}">
-                    <a16:creationId xmlns:a16="http://schemas.microsoft.com/office/drawing/2014/main" id="{7DE565D6-7AB1-A586-C682-1B573218B01E}"/>
-                  </a:ext>
-                </a:extLst>
-              </p:cNvPr>
-              <p:cNvSpPr txBox="1"/>
-              <p:nvPr/>
-            </p:nvSpPr>
-            <p:spPr>
-              <a:xfrm>
-                <a:off x="1639537" y="665213"/>
-                <a:ext cx="169084" cy="276999"/>
-              </a:xfrm>
-              <a:prstGeom prst="rect">
-                <a:avLst/>
-              </a:prstGeom>
-              <a:noFill/>
-            </p:spPr>
-            <p:txBody>
-              <a:bodyPr wrap="none" lIns="0" tIns="0" rIns="0" bIns="0" rtlCol="0">
-                <a:spAutoFit/>
-              </a:bodyPr>
-              <a:lstStyle/>
-              <a:p>
-                <a:pPr/>
-                <a14:m>
-                  <m:oMathPara xmlns:m="http://schemas.openxmlformats.org/officeDocument/2006/math">
-                    <m:oMathParaPr>
-                      <m:jc m:val="centerGroup"/>
-                    </m:oMathParaPr>
-                    <m:oMath xmlns:m="http://schemas.openxmlformats.org/officeDocument/2006/math">
-                      <m:r>
-                        <a:rPr lang="es-CO" b="0" i="1" smtClean="0">
-                          <a:latin typeface="Cambria Math" panose="02040503050406030204" pitchFamily="18" charset="0"/>
-                        </a:rPr>
-                        <m:t>𝑧</m:t>
-                      </m:r>
-                    </m:oMath>
-                  </m:oMathPara>
-                </a14:m>
-                <a:endParaRPr lang="es-CO" dirty="0"/>
-              </a:p>
-            </p:txBody>
-          </p:sp>
-        </mc:Choice>
-        <mc:Fallback xmlns="">
-          <p:sp>
-            <p:nvSpPr>
-              <p:cNvPr id="28" name="CuadroTexto 27">
-                <a:extLst>
-                  <a:ext uri="{FF2B5EF4-FFF2-40B4-BE49-F238E27FC236}">
-                    <a16:creationId xmlns:a16="http://schemas.microsoft.com/office/drawing/2014/main" id="{7DE565D6-7AB1-A586-C682-1B573218B01E}"/>
-                  </a:ext>
-                </a:extLst>
-              </p:cNvPr>
-              <p:cNvSpPr txBox="1">
-                <a:spLocks noRot="1" noChangeAspect="1" noMove="1" noResize="1" noEditPoints="1" noAdjustHandles="1" noChangeArrowheads="1" noChangeShapeType="1" noTextEdit="1"/>
-              </p:cNvSpPr>
-              <p:nvPr/>
-            </p:nvSpPr>
-            <p:spPr>
-              <a:xfrm>
-                <a:off x="1639537" y="665213"/>
-                <a:ext cx="169084" cy="276999"/>
-              </a:xfrm>
-              <a:prstGeom prst="rect">
-                <a:avLst/>
-              </a:prstGeom>
-              <a:blipFill>
-                <a:blip r:embed="rId6"/>
-                <a:stretch>
-                  <a:fillRect l="-21429" r="-14286"/>
-                </a:stretch>
-              </a:blipFill>
-            </p:spPr>
-            <p:txBody>
-              <a:bodyPr/>
-              <a:lstStyle/>
-              <a:p>
-                <a:r>
-                  <a:rPr lang="es-CO">
-                    <a:noFill/>
-                  </a:rPr>
-                  <a:t> </a:t>
-                </a:r>
-              </a:p>
-            </p:txBody>
-          </p:sp>
-        </mc:Fallback>
-      </mc:AlternateContent>
-      <mc:AlternateContent xmlns:mc="http://schemas.openxmlformats.org/markup-compatibility/2006" xmlns:a14="http://schemas.microsoft.com/office/drawing/2010/main">
-        <mc:Choice Requires="a14">
-          <p:sp>
-            <p:nvSpPr>
-              <p:cNvPr id="30" name="CuadroTexto 29">
-                <a:extLst>
-                  <a:ext uri="{FF2B5EF4-FFF2-40B4-BE49-F238E27FC236}">
-                    <a16:creationId xmlns:a16="http://schemas.microsoft.com/office/drawing/2014/main" id="{D779BAC5-970D-7A31-7E96-6BBA48E058DF}"/>
-                  </a:ext>
-                </a:extLst>
-              </p:cNvPr>
-              <p:cNvSpPr txBox="1"/>
-              <p:nvPr/>
-            </p:nvSpPr>
-            <p:spPr>
-              <a:xfrm>
-                <a:off x="2692060" y="2483402"/>
-                <a:ext cx="266803" cy="276999"/>
-              </a:xfrm>
-              <a:prstGeom prst="rect">
-                <a:avLst/>
-              </a:prstGeom>
-              <a:noFill/>
-            </p:spPr>
-            <p:txBody>
-              <a:bodyPr wrap="none" lIns="0" tIns="0" rIns="0" bIns="0" rtlCol="0">
-                <a:spAutoFit/>
-              </a:bodyPr>
-              <a:lstStyle/>
-              <a:p>
-                <a:pPr/>
-                <a14:m>
-                  <m:oMathPara xmlns:m="http://schemas.openxmlformats.org/officeDocument/2006/math">
-                    <m:oMathParaPr>
-                      <m:jc m:val="centerGroup"/>
-                    </m:oMathParaPr>
-                    <m:oMath xmlns:m="http://schemas.openxmlformats.org/officeDocument/2006/math">
-                      <m:sSub>
-                        <m:sSubPr>
-                          <m:ctrlPr>
-                            <a:rPr lang="es-CO" b="0" i="1" smtClean="0">
-                              <a:latin typeface="Cambria Math" panose="02040503050406030204" pitchFamily="18" charset="0"/>
-                            </a:rPr>
-                          </m:ctrlPr>
-                        </m:sSubPr>
-                        <m:e>
-                          <m:r>
-                            <a:rPr lang="es-CO" b="0" i="1" smtClean="0">
-                              <a:latin typeface="Cambria Math" panose="02040503050406030204" pitchFamily="18" charset="0"/>
-                            </a:rPr>
-                            <m:t>𝑧</m:t>
-                          </m:r>
-                        </m:e>
-                        <m:sub>
-                          <m:r>
-                            <a:rPr lang="es-CO" b="0" i="1" smtClean="0">
-                              <a:latin typeface="Cambria Math" panose="02040503050406030204" pitchFamily="18" charset="0"/>
-                            </a:rPr>
-                            <m:t>0</m:t>
-                          </m:r>
-                        </m:sub>
-                      </m:sSub>
-                    </m:oMath>
-                  </m:oMathPara>
-                </a14:m>
-                <a:endParaRPr lang="es-CO" dirty="0"/>
-              </a:p>
-            </p:txBody>
-          </p:sp>
-        </mc:Choice>
-        <mc:Fallback xmlns="">
-          <p:sp>
-            <p:nvSpPr>
-              <p:cNvPr id="30" name="CuadroTexto 29">
-                <a:extLst>
-                  <a:ext uri="{FF2B5EF4-FFF2-40B4-BE49-F238E27FC236}">
-                    <a16:creationId xmlns:a16="http://schemas.microsoft.com/office/drawing/2014/main" id="{D779BAC5-970D-7A31-7E96-6BBA48E058DF}"/>
-                  </a:ext>
-                </a:extLst>
-              </p:cNvPr>
-              <p:cNvSpPr txBox="1">
-                <a:spLocks noRot="1" noChangeAspect="1" noMove="1" noResize="1" noEditPoints="1" noAdjustHandles="1" noChangeArrowheads="1" noChangeShapeType="1" noTextEdit="1"/>
-              </p:cNvSpPr>
-              <p:nvPr/>
-            </p:nvSpPr>
-            <p:spPr>
-              <a:xfrm>
-                <a:off x="2692060" y="2483402"/>
-                <a:ext cx="266803" cy="276999"/>
-              </a:xfrm>
-              <a:prstGeom prst="rect">
-                <a:avLst/>
-              </a:prstGeom>
-              <a:blipFill>
-                <a:blip r:embed="rId7"/>
-                <a:stretch>
-                  <a:fillRect l="-11628" r="-9302" b="-15217"/>
-                </a:stretch>
-              </a:blipFill>
-            </p:spPr>
-            <p:txBody>
-              <a:bodyPr/>
-              <a:lstStyle/>
-              <a:p>
-                <a:r>
-                  <a:rPr lang="es-CO">
-                    <a:noFill/>
-                  </a:rPr>
-                  <a:t> </a:t>
-                </a:r>
-              </a:p>
-            </p:txBody>
-          </p:sp>
-        </mc:Fallback>
-      </mc:AlternateContent>
-      <p:sp>
-        <p:nvSpPr>
-          <p:cNvPr id="31" name="Rectángulo: esquinas redondeadas 30">
-            <a:extLst>
-              <a:ext uri="{FF2B5EF4-FFF2-40B4-BE49-F238E27FC236}">
-                <a16:creationId xmlns:a16="http://schemas.microsoft.com/office/drawing/2014/main" id="{D55D6D75-B4A9-4D15-0872-C94DC13C7B43}"/>
-              </a:ext>
-            </a:extLst>
-          </p:cNvPr>
-          <p:cNvSpPr/>
-          <p:nvPr/>
-        </p:nvSpPr>
-        <p:spPr>
-          <a:xfrm>
-            <a:off x="1386093" y="2883160"/>
-            <a:ext cx="1348453" cy="849082"/>
-          </a:xfrm>
-          <a:prstGeom prst="roundRect">
-            <a:avLst/>
-          </a:prstGeom>
-        </p:spPr>
-        <p:style>
-          <a:lnRef idx="2">
-            <a:schemeClr val="accent1">
-              <a:shade val="50000"/>
-            </a:schemeClr>
-          </a:lnRef>
-          <a:fillRef idx="1">
-            <a:schemeClr val="accent1"/>
-          </a:fillRef>
-          <a:effectRef idx="0">
-            <a:schemeClr val="accent1"/>
-          </a:effectRef>
-          <a:fontRef idx="minor">
-            <a:schemeClr val="lt1"/>
-          </a:fontRef>
-        </p:style>
-        <p:txBody>
-          <a:bodyPr rtlCol="0" anchor="ctr"/>
-          <a:lstStyle/>
-          <a:p>
-            <a:pPr algn="ctr"/>
-            <a:endParaRPr lang="es-CO"/>
-          </a:p>
-        </p:txBody>
-      </p:sp>
-      <p:cxnSp>
-        <p:nvCxnSpPr>
-          <p:cNvPr id="24" name="Conector recto de flecha 23">
-            <a:extLst>
-              <a:ext uri="{FF2B5EF4-FFF2-40B4-BE49-F238E27FC236}">
-                <a16:creationId xmlns:a16="http://schemas.microsoft.com/office/drawing/2014/main" id="{4147F39C-4265-C83F-092C-8308B4B95DA4}"/>
-              </a:ext>
-            </a:extLst>
-          </p:cNvPr>
-          <p:cNvCxnSpPr>
-            <a:cxnSpLocks/>
-          </p:cNvCxnSpPr>
-          <p:nvPr/>
-        </p:nvCxnSpPr>
-        <p:spPr>
-          <a:xfrm flipV="1">
-            <a:off x="2062065" y="665213"/>
-            <a:ext cx="0" cy="3088432"/>
-          </a:xfrm>
-          <a:prstGeom prst="straightConnector1">
-            <a:avLst/>
-          </a:prstGeom>
-          <a:ln>
-            <a:tailEnd type="triangle"/>
-          </a:ln>
-        </p:spPr>
-        <p:style>
-          <a:lnRef idx="1">
-            <a:schemeClr val="dk1"/>
-          </a:lnRef>
-          <a:fillRef idx="0">
-            <a:schemeClr val="dk1"/>
-          </a:fillRef>
-          <a:effectRef idx="0">
-            <a:schemeClr val="dk1"/>
-          </a:effectRef>
-          <a:fontRef idx="minor">
-            <a:schemeClr val="tx1"/>
-          </a:fontRef>
-        </p:style>
-      </p:cxnSp>
-    </p:spTree>
-    <p:extLst>
-      <p:ext uri="{BB962C8B-B14F-4D97-AF65-F5344CB8AC3E}">
-        <p14:creationId xmlns:p14="http://schemas.microsoft.com/office/powerpoint/2010/main" val="1406286800"/>
-      </p:ext>
-    </p:extLst>
-  </p:cSld>
-  <p:clrMapOvr>
-    <a:masterClrMapping/>
-  </p:clrMapOvr>
-</p:sld>
-</file>
-
 <file path=ppt/theme/theme1.xml><?xml version="1.0" encoding="utf-8"?>
 <a:theme xmlns:a="http://schemas.openxmlformats.org/drawingml/2006/main" name="Tema de Office">
   <a:themeElements>
